--- a/doc/presentation.pptx
+++ b/doc/presentation.pptx
@@ -5,26 +5,30 @@
     <p:sldMasterId id="2147483695" r:id="rId1"/>
   </p:sldMasterIdLst>
   <p:notesMasterIdLst>
-    <p:notesMasterId r:id="rId11"/>
+    <p:notesMasterId r:id="rId15"/>
   </p:notesMasterIdLst>
   <p:handoutMasterIdLst>
-    <p:handoutMasterId r:id="rId12"/>
+    <p:handoutMasterId r:id="rId16"/>
   </p:handoutMasterIdLst>
   <p:sldIdLst>
     <p:sldId id="257" r:id="rId2"/>
-    <p:sldId id="258" r:id="rId3"/>
-    <p:sldId id="261" r:id="rId4"/>
-    <p:sldId id="262" r:id="rId5"/>
-    <p:sldId id="263" r:id="rId6"/>
-    <p:sldId id="264" r:id="rId7"/>
-    <p:sldId id="265" r:id="rId8"/>
-    <p:sldId id="266" r:id="rId9"/>
-    <p:sldId id="260" r:id="rId10"/>
+    <p:sldId id="268" r:id="rId3"/>
+    <p:sldId id="269" r:id="rId4"/>
+    <p:sldId id="258" r:id="rId5"/>
+    <p:sldId id="270" r:id="rId6"/>
+    <p:sldId id="261" r:id="rId7"/>
+    <p:sldId id="267" r:id="rId8"/>
+    <p:sldId id="263" r:id="rId9"/>
+    <p:sldId id="262" r:id="rId10"/>
+    <p:sldId id="264" r:id="rId11"/>
+    <p:sldId id="265" r:id="rId12"/>
+    <p:sldId id="266" r:id="rId13"/>
+    <p:sldId id="260" r:id="rId14"/>
   </p:sldIdLst>
   <p:sldSz cx="9147175" cy="5145088"/>
   <p:notesSz cx="6797675" cy="9926638"/>
   <p:custDataLst>
-    <p:tags r:id="rId13"/>
+    <p:tags r:id="rId17"/>
   </p:custDataLst>
   <p:defaultTextStyle>
     <a:defPPr>
@@ -225,7 +229,7 @@
           <a:p>
             <a:fld id="{FD8B9E88-11D9-4CF2-9006-FB7E61EB12D3}" type="datetimeFigureOut">
               <a:rPr lang="de-CH" smtClean="0"/>
-              <a:t>12.12.20</a:t>
+              <a:t>06.01.21</a:t>
             </a:fld>
             <a:endParaRPr lang="de-CH"/>
           </a:p>
@@ -390,7 +394,7 @@
           <a:p>
             <a:fld id="{26FCBF76-4842-428B-B9BC-895BFCC1E707}" type="datetimeFigureOut">
               <a:rPr lang="de-CH" smtClean="0"/>
-              <a:t>12.12.20</a:t>
+              <a:t>06.01.21</a:t>
             </a:fld>
             <a:endParaRPr lang="de-CH"/>
           </a:p>
@@ -807,7 +811,7 @@
           <a:p>
             <a:fld id="{08563647-1664-4460-855C-29C43A086786}" type="slidenum">
               <a:rPr lang="de-CH" smtClean="0"/>
-              <a:t>2</a:t>
+              <a:t>4</a:t>
             </a:fld>
             <a:endParaRPr lang="de-CH"/>
           </a:p>
@@ -891,7 +895,7 @@
           <a:p>
             <a:fld id="{08563647-1664-4460-855C-29C43A086786}" type="slidenum">
               <a:rPr lang="de-CH" smtClean="0"/>
-              <a:t>4</a:t>
+              <a:t>8</a:t>
             </a:fld>
             <a:endParaRPr lang="de-CH"/>
           </a:p>
@@ -900,7 +904,7 @@
     </p:spTree>
     <p:extLst>
       <p:ext uri="{BB962C8B-B14F-4D97-AF65-F5344CB8AC3E}">
-        <p14:creationId xmlns:p14="http://schemas.microsoft.com/office/powerpoint/2010/main" val="3063915823"/>
+        <p14:creationId xmlns:p14="http://schemas.microsoft.com/office/powerpoint/2010/main" val="1936474330"/>
       </p:ext>
     </p:extLst>
   </p:cSld>
@@ -975,7 +979,7 @@
           <a:p>
             <a:fld id="{08563647-1664-4460-855C-29C43A086786}" type="slidenum">
               <a:rPr lang="de-CH" smtClean="0"/>
-              <a:t>5</a:t>
+              <a:t>9</a:t>
             </a:fld>
             <a:endParaRPr lang="de-CH"/>
           </a:p>
@@ -984,7 +988,7 @@
     </p:spTree>
     <p:extLst>
       <p:ext uri="{BB962C8B-B14F-4D97-AF65-F5344CB8AC3E}">
-        <p14:creationId xmlns:p14="http://schemas.microsoft.com/office/powerpoint/2010/main" val="1936474330"/>
+        <p14:creationId xmlns:p14="http://schemas.microsoft.com/office/powerpoint/2010/main" val="3063915823"/>
       </p:ext>
     </p:extLst>
   </p:cSld>
@@ -1059,7 +1063,7 @@
           <a:p>
             <a:fld id="{08563647-1664-4460-855C-29C43A086786}" type="slidenum">
               <a:rPr lang="de-CH" smtClean="0"/>
-              <a:t>9</a:t>
+              <a:t>13</a:t>
             </a:fld>
             <a:endParaRPr lang="de-CH"/>
           </a:p>
@@ -16402,6 +16406,732 @@
 </p:sld>
 </file>
 
+<file path=ppt/slides/slide10.xml><?xml version="1.0" encoding="utf-8"?>
+<p:sld xmlns:a="http://schemas.openxmlformats.org/drawingml/2006/main" xmlns:r="http://schemas.openxmlformats.org/officeDocument/2006/relationships" xmlns:p="http://schemas.openxmlformats.org/presentationml/2006/main">
+  <p:cSld>
+    <p:spTree>
+      <p:nvGrpSpPr>
+        <p:cNvPr id="1" name=""/>
+        <p:cNvGrpSpPr/>
+        <p:nvPr/>
+      </p:nvGrpSpPr>
+      <p:grpSpPr>
+        <a:xfrm>
+          <a:off x="0" y="0"/>
+          <a:ext cx="0" cy="0"/>
+          <a:chOff x="0" y="0"/>
+          <a:chExt cx="0" cy="0"/>
+        </a:xfrm>
+      </p:grpSpPr>
+      <p:sp>
+        <p:nvSpPr>
+          <p:cNvPr id="2" name="Slide Number Placeholder 1">
+            <a:extLst>
+              <a:ext uri="{FF2B5EF4-FFF2-40B4-BE49-F238E27FC236}">
+                <a16:creationId xmlns:a16="http://schemas.microsoft.com/office/drawing/2014/main" id="{4631623E-3887-4641-BFA2-23E27942F318}"/>
+              </a:ext>
+            </a:extLst>
+          </p:cNvPr>
+          <p:cNvSpPr>
+            <a:spLocks noGrp="1"/>
+          </p:cNvSpPr>
+          <p:nvPr>
+            <p:ph type="sldNum" sz="quarter" idx="10"/>
+          </p:nvPr>
+        </p:nvSpPr>
+        <p:spPr/>
+        <p:txBody>
+          <a:bodyPr/>
+          <a:lstStyle/>
+          <a:p>
+            <a:fld id="{35052C29-CE5B-4965-8C8E-B011681D2A77}" type="slidenum">
+              <a:rPr lang="de-CH" smtClean="0"/>
+              <a:pPr/>
+              <a:t>10</a:t>
+            </a:fld>
+            <a:endParaRPr lang="de-CH" dirty="0"/>
+          </a:p>
+        </p:txBody>
+      </p:sp>
+      <p:sp>
+        <p:nvSpPr>
+          <p:cNvPr id="3" name="Picture Placeholder 2">
+            <a:extLst>
+              <a:ext uri="{FF2B5EF4-FFF2-40B4-BE49-F238E27FC236}">
+                <a16:creationId xmlns:a16="http://schemas.microsoft.com/office/drawing/2014/main" id="{0B90880E-AA3A-0D4C-844A-13394ADEA08E}"/>
+              </a:ext>
+            </a:extLst>
+          </p:cNvPr>
+          <p:cNvSpPr>
+            <a:spLocks noGrp="1"/>
+          </p:cNvSpPr>
+          <p:nvPr>
+            <p:ph type="pic" sz="quarter" idx="11"/>
+          </p:nvPr>
+        </p:nvSpPr>
+        <p:spPr/>
+      </p:sp>
+      <p:sp>
+        <p:nvSpPr>
+          <p:cNvPr id="4" name="Text Placeholder 3">
+            <a:extLst>
+              <a:ext uri="{FF2B5EF4-FFF2-40B4-BE49-F238E27FC236}">
+                <a16:creationId xmlns:a16="http://schemas.microsoft.com/office/drawing/2014/main" id="{213FF006-CD16-F148-A4A8-7AEF056AAE4D}"/>
+              </a:ext>
+            </a:extLst>
+          </p:cNvPr>
+          <p:cNvSpPr>
+            <a:spLocks noGrp="1"/>
+          </p:cNvSpPr>
+          <p:nvPr>
+            <p:ph type="body" sz="quarter" idx="12"/>
+          </p:nvPr>
+        </p:nvSpPr>
+        <p:spPr/>
+        <p:txBody>
+          <a:bodyPr/>
+          <a:lstStyle/>
+          <a:p>
+            <a:pPr marL="285750" indent="-285750">
+              <a:buFont typeface="Arial" panose="020B0604020202020204" pitchFamily="34" charset="0"/>
+              <a:buChar char="•"/>
+            </a:pPr>
+            <a:r>
+              <a:rPr lang="en-CH" dirty="0"/>
+              <a:t>Implemented in Python</a:t>
+            </a:r>
+          </a:p>
+          <a:p>
+            <a:pPr marL="285750" indent="-285750">
+              <a:buFont typeface="Arial" panose="020B0604020202020204" pitchFamily="34" charset="0"/>
+              <a:buChar char="•"/>
+            </a:pPr>
+            <a:r>
+              <a:rPr lang="en-GB" dirty="0"/>
+              <a:t>S</a:t>
+            </a:r>
+            <a:r>
+              <a:rPr lang="en-CH" dirty="0"/>
+              <a:t>ends email if threshold is exceeded</a:t>
+            </a:r>
+          </a:p>
+          <a:p>
+            <a:pPr marL="285750" indent="-285750">
+              <a:buFont typeface="Arial" panose="020B0604020202020204" pitchFamily="34" charset="0"/>
+              <a:buChar char="•"/>
+            </a:pPr>
+            <a:r>
+              <a:rPr lang="en-CH" dirty="0"/>
+              <a:t>blabla</a:t>
+            </a:r>
+          </a:p>
+        </p:txBody>
+      </p:sp>
+      <p:sp>
+        <p:nvSpPr>
+          <p:cNvPr id="5" name="Title 4">
+            <a:extLst>
+              <a:ext uri="{FF2B5EF4-FFF2-40B4-BE49-F238E27FC236}">
+                <a16:creationId xmlns:a16="http://schemas.microsoft.com/office/drawing/2014/main" id="{2F0C7BB0-732C-5B4C-9C0C-8A679DC2E673}"/>
+              </a:ext>
+            </a:extLst>
+          </p:cNvPr>
+          <p:cNvSpPr>
+            <a:spLocks noGrp="1"/>
+          </p:cNvSpPr>
+          <p:nvPr>
+            <p:ph type="title"/>
+          </p:nvPr>
+        </p:nvSpPr>
+        <p:spPr/>
+        <p:txBody>
+          <a:bodyPr/>
+          <a:lstStyle/>
+          <a:p>
+            <a:r>
+              <a:rPr lang="en-CH" dirty="0"/>
+              <a:t>Backend Server</a:t>
+            </a:r>
+          </a:p>
+        </p:txBody>
+      </p:sp>
+    </p:spTree>
+    <p:extLst>
+      <p:ext uri="{BB962C8B-B14F-4D97-AF65-F5344CB8AC3E}">
+        <p14:creationId xmlns:p14="http://schemas.microsoft.com/office/powerpoint/2010/main" val="1916244907"/>
+      </p:ext>
+    </p:extLst>
+  </p:cSld>
+  <p:clrMapOvr>
+    <a:masterClrMapping/>
+  </p:clrMapOvr>
+</p:sld>
+</file>
+
+<file path=ppt/slides/slide11.xml><?xml version="1.0" encoding="utf-8"?>
+<p:sld xmlns:a="http://schemas.openxmlformats.org/drawingml/2006/main" xmlns:r="http://schemas.openxmlformats.org/officeDocument/2006/relationships" xmlns:p="http://schemas.openxmlformats.org/presentationml/2006/main">
+  <p:cSld>
+    <p:spTree>
+      <p:nvGrpSpPr>
+        <p:cNvPr id="1" name=""/>
+        <p:cNvGrpSpPr/>
+        <p:nvPr/>
+      </p:nvGrpSpPr>
+      <p:grpSpPr>
+        <a:xfrm>
+          <a:off x="0" y="0"/>
+          <a:ext cx="0" cy="0"/>
+          <a:chOff x="0" y="0"/>
+          <a:chExt cx="0" cy="0"/>
+        </a:xfrm>
+      </p:grpSpPr>
+      <p:sp>
+        <p:nvSpPr>
+          <p:cNvPr id="2" name="Slide Number Placeholder 1">
+            <a:extLst>
+              <a:ext uri="{FF2B5EF4-FFF2-40B4-BE49-F238E27FC236}">
+                <a16:creationId xmlns:a16="http://schemas.microsoft.com/office/drawing/2014/main" id="{645F98D6-6107-CB4C-B76F-D2F098616308}"/>
+              </a:ext>
+            </a:extLst>
+          </p:cNvPr>
+          <p:cNvSpPr>
+            <a:spLocks noGrp="1"/>
+          </p:cNvSpPr>
+          <p:nvPr>
+            <p:ph type="sldNum" sz="quarter" idx="10"/>
+          </p:nvPr>
+        </p:nvSpPr>
+        <p:spPr/>
+        <p:txBody>
+          <a:bodyPr/>
+          <a:lstStyle/>
+          <a:p>
+            <a:fld id="{35052C29-CE5B-4965-8C8E-B011681D2A77}" type="slidenum">
+              <a:rPr lang="de-CH" smtClean="0"/>
+              <a:pPr/>
+              <a:t>11</a:t>
+            </a:fld>
+            <a:endParaRPr lang="de-CH" dirty="0"/>
+          </a:p>
+        </p:txBody>
+      </p:sp>
+      <p:sp>
+        <p:nvSpPr>
+          <p:cNvPr id="3" name="Picture Placeholder 2">
+            <a:extLst>
+              <a:ext uri="{FF2B5EF4-FFF2-40B4-BE49-F238E27FC236}">
+                <a16:creationId xmlns:a16="http://schemas.microsoft.com/office/drawing/2014/main" id="{49270E32-D3B2-9E4D-AC1F-37827FA31709}"/>
+              </a:ext>
+            </a:extLst>
+          </p:cNvPr>
+          <p:cNvSpPr>
+            <a:spLocks noGrp="1"/>
+          </p:cNvSpPr>
+          <p:nvPr>
+            <p:ph type="pic" sz="quarter" idx="11"/>
+          </p:nvPr>
+        </p:nvSpPr>
+        <p:spPr/>
+      </p:sp>
+      <p:sp>
+        <p:nvSpPr>
+          <p:cNvPr id="4" name="Text Placeholder 3">
+            <a:extLst>
+              <a:ext uri="{FF2B5EF4-FFF2-40B4-BE49-F238E27FC236}">
+                <a16:creationId xmlns:a16="http://schemas.microsoft.com/office/drawing/2014/main" id="{6786A87D-21E5-2D4A-B421-3D62B6BAF28F}"/>
+              </a:ext>
+            </a:extLst>
+          </p:cNvPr>
+          <p:cNvSpPr>
+            <a:spLocks noGrp="1"/>
+          </p:cNvSpPr>
+          <p:nvPr>
+            <p:ph type="body" sz="quarter" idx="12"/>
+          </p:nvPr>
+        </p:nvSpPr>
+        <p:spPr/>
+        <p:txBody>
+          <a:bodyPr/>
+          <a:lstStyle/>
+          <a:p>
+            <a:pPr marL="285750" indent="-285750">
+              <a:buFont typeface="Arial" panose="020B0604020202020204" pitchFamily="34" charset="0"/>
+              <a:buChar char="•"/>
+            </a:pPr>
+            <a:r>
+              <a:rPr lang="en-GB" dirty="0"/>
+              <a:t>S</a:t>
+            </a:r>
+            <a:r>
+              <a:rPr lang="en-CH" dirty="0"/>
+              <a:t>hows latest logged measures</a:t>
+            </a:r>
+          </a:p>
+          <a:p>
+            <a:pPr marL="285750" indent="-285750">
+              <a:buFont typeface="Arial" panose="020B0604020202020204" pitchFamily="34" charset="0"/>
+              <a:buChar char="•"/>
+            </a:pPr>
+            <a:r>
+              <a:rPr lang="en-GB" dirty="0"/>
+              <a:t>I</a:t>
+            </a:r>
+            <a:r>
+              <a:rPr lang="en-CH" dirty="0"/>
+              <a:t>mplemented in angular</a:t>
+            </a:r>
+          </a:p>
+        </p:txBody>
+      </p:sp>
+      <p:sp>
+        <p:nvSpPr>
+          <p:cNvPr id="5" name="Title 4">
+            <a:extLst>
+              <a:ext uri="{FF2B5EF4-FFF2-40B4-BE49-F238E27FC236}">
+                <a16:creationId xmlns:a16="http://schemas.microsoft.com/office/drawing/2014/main" id="{E8032442-57F9-0349-980B-7C792B97F8AD}"/>
+              </a:ext>
+            </a:extLst>
+          </p:cNvPr>
+          <p:cNvSpPr>
+            <a:spLocks noGrp="1"/>
+          </p:cNvSpPr>
+          <p:nvPr>
+            <p:ph type="title"/>
+          </p:nvPr>
+        </p:nvSpPr>
+        <p:spPr/>
+        <p:txBody>
+          <a:bodyPr/>
+          <a:lstStyle/>
+          <a:p>
+            <a:r>
+              <a:rPr lang="en-CH" dirty="0"/>
+              <a:t>Frontend</a:t>
+            </a:r>
+          </a:p>
+        </p:txBody>
+      </p:sp>
+    </p:spTree>
+    <p:extLst>
+      <p:ext uri="{BB962C8B-B14F-4D97-AF65-F5344CB8AC3E}">
+        <p14:creationId xmlns:p14="http://schemas.microsoft.com/office/powerpoint/2010/main" val="377564165"/>
+      </p:ext>
+    </p:extLst>
+  </p:cSld>
+  <p:clrMapOvr>
+    <a:masterClrMapping/>
+  </p:clrMapOvr>
+</p:sld>
+</file>
+
+<file path=ppt/slides/slide12.xml><?xml version="1.0" encoding="utf-8"?>
+<p:sld xmlns:a="http://schemas.openxmlformats.org/drawingml/2006/main" xmlns:r="http://schemas.openxmlformats.org/officeDocument/2006/relationships" xmlns:p="http://schemas.openxmlformats.org/presentationml/2006/main">
+  <p:cSld>
+    <p:spTree>
+      <p:nvGrpSpPr>
+        <p:cNvPr id="1" name=""/>
+        <p:cNvGrpSpPr/>
+        <p:nvPr/>
+      </p:nvGrpSpPr>
+      <p:grpSpPr>
+        <a:xfrm>
+          <a:off x="0" y="0"/>
+          <a:ext cx="0" cy="0"/>
+          <a:chOff x="0" y="0"/>
+          <a:chExt cx="0" cy="0"/>
+        </a:xfrm>
+      </p:grpSpPr>
+      <p:sp>
+        <p:nvSpPr>
+          <p:cNvPr id="6" name="Title 5">
+            <a:extLst>
+              <a:ext uri="{FF2B5EF4-FFF2-40B4-BE49-F238E27FC236}">
+                <a16:creationId xmlns:a16="http://schemas.microsoft.com/office/drawing/2014/main" id="{6CFF313E-047F-5048-B7F0-CABB6C43D0E2}"/>
+              </a:ext>
+            </a:extLst>
+          </p:cNvPr>
+          <p:cNvSpPr>
+            <a:spLocks noGrp="1"/>
+          </p:cNvSpPr>
+          <p:nvPr>
+            <p:ph type="title"/>
+          </p:nvPr>
+        </p:nvSpPr>
+        <p:spPr/>
+        <p:txBody>
+          <a:bodyPr/>
+          <a:lstStyle/>
+          <a:p>
+            <a:r>
+              <a:rPr lang="en-CH" dirty="0"/>
+              <a:t>Techstack</a:t>
+            </a:r>
+          </a:p>
+        </p:txBody>
+      </p:sp>
+      <p:sp>
+        <p:nvSpPr>
+          <p:cNvPr id="2" name="Slide Number Placeholder 1">
+            <a:extLst>
+              <a:ext uri="{FF2B5EF4-FFF2-40B4-BE49-F238E27FC236}">
+                <a16:creationId xmlns:a16="http://schemas.microsoft.com/office/drawing/2014/main" id="{F76BC38D-4EA6-A84F-8478-3EAC51B2DF8A}"/>
+              </a:ext>
+            </a:extLst>
+          </p:cNvPr>
+          <p:cNvSpPr>
+            <a:spLocks noGrp="1"/>
+          </p:cNvSpPr>
+          <p:nvPr>
+            <p:ph type="sldNum" sz="quarter" idx="10"/>
+          </p:nvPr>
+        </p:nvSpPr>
+        <p:spPr/>
+        <p:txBody>
+          <a:bodyPr/>
+          <a:lstStyle/>
+          <a:p>
+            <a:fld id="{35052C29-CE5B-4965-8C8E-B011681D2A77}" type="slidenum">
+              <a:rPr lang="de-CH" smtClean="0"/>
+              <a:pPr/>
+              <a:t>12</a:t>
+            </a:fld>
+            <a:endParaRPr lang="de-CH" dirty="0"/>
+          </a:p>
+        </p:txBody>
+      </p:sp>
+      <p:sp>
+        <p:nvSpPr>
+          <p:cNvPr id="7" name="Text Placeholder 6">
+            <a:extLst>
+              <a:ext uri="{FF2B5EF4-FFF2-40B4-BE49-F238E27FC236}">
+                <a16:creationId xmlns:a16="http://schemas.microsoft.com/office/drawing/2014/main" id="{A9F0EA26-CE11-D643-B780-217E580779F8}"/>
+              </a:ext>
+            </a:extLst>
+          </p:cNvPr>
+          <p:cNvSpPr>
+            <a:spLocks noGrp="1"/>
+          </p:cNvSpPr>
+          <p:nvPr>
+            <p:ph type="body" sz="quarter" idx="11"/>
+          </p:nvPr>
+        </p:nvSpPr>
+        <p:spPr/>
+        <p:txBody>
+          <a:bodyPr/>
+          <a:lstStyle/>
+          <a:p>
+            <a:r>
+              <a:rPr lang="en-CH" dirty="0"/>
+              <a:t>LANGUAGES</a:t>
+            </a:r>
+          </a:p>
+          <a:p>
+            <a:pPr marL="285750" indent="-285750">
+              <a:buFont typeface="Arial" panose="020B0604020202020204" pitchFamily="34" charset="0"/>
+              <a:buChar char="•"/>
+            </a:pPr>
+            <a:r>
+              <a:rPr lang="en-GB" dirty="0"/>
+              <a:t>C</a:t>
+            </a:r>
+            <a:r>
+              <a:rPr lang="en-CH" dirty="0"/>
+              <a:t>++</a:t>
+            </a:r>
+          </a:p>
+          <a:p>
+            <a:pPr marL="285750" indent="-285750">
+              <a:buFont typeface="Arial" panose="020B0604020202020204" pitchFamily="34" charset="0"/>
+              <a:buChar char="•"/>
+            </a:pPr>
+            <a:r>
+              <a:rPr lang="en-CH" dirty="0"/>
+              <a:t>Python</a:t>
+            </a:r>
+          </a:p>
+          <a:p>
+            <a:pPr marL="285750" indent="-285750">
+              <a:buFont typeface="Arial" panose="020B0604020202020204" pitchFamily="34" charset="0"/>
+              <a:buChar char="•"/>
+            </a:pPr>
+            <a:r>
+              <a:rPr lang="en-CH" dirty="0"/>
+              <a:t>Typescript</a:t>
+            </a:r>
+          </a:p>
+        </p:txBody>
+      </p:sp>
+      <p:sp>
+        <p:nvSpPr>
+          <p:cNvPr id="8" name="Text Placeholder 7">
+            <a:extLst>
+              <a:ext uri="{FF2B5EF4-FFF2-40B4-BE49-F238E27FC236}">
+                <a16:creationId xmlns:a16="http://schemas.microsoft.com/office/drawing/2014/main" id="{0B97D142-7AEC-3F4B-93D0-8B6E0536417F}"/>
+              </a:ext>
+            </a:extLst>
+          </p:cNvPr>
+          <p:cNvSpPr>
+            <a:spLocks noGrp="1"/>
+          </p:cNvSpPr>
+          <p:nvPr>
+            <p:ph type="body" sz="quarter" idx="12"/>
+          </p:nvPr>
+        </p:nvSpPr>
+        <p:spPr/>
+        <p:txBody>
+          <a:bodyPr/>
+          <a:lstStyle/>
+          <a:p>
+            <a:r>
+              <a:rPr lang="en-CH" dirty="0"/>
+              <a:t>FRAMEWORKS</a:t>
+            </a:r>
+          </a:p>
+          <a:p>
+            <a:pPr marL="285750" indent="-285750">
+              <a:buFont typeface="Arial" panose="020B0604020202020204" pitchFamily="34" charset="0"/>
+              <a:buChar char="•"/>
+            </a:pPr>
+            <a:r>
+              <a:rPr lang="en-GB" dirty="0"/>
+              <a:t>E</a:t>
+            </a:r>
+            <a:r>
+              <a:rPr lang="en-CH" dirty="0"/>
+              <a:t>spressif</a:t>
+            </a:r>
+          </a:p>
+          <a:p>
+            <a:pPr marL="285750" indent="-285750">
+              <a:buFont typeface="Arial" panose="020B0604020202020204" pitchFamily="34" charset="0"/>
+              <a:buChar char="•"/>
+            </a:pPr>
+            <a:r>
+              <a:rPr lang="en-CH" dirty="0"/>
+              <a:t>Angular</a:t>
+            </a:r>
+          </a:p>
+        </p:txBody>
+      </p:sp>
+      <p:sp>
+        <p:nvSpPr>
+          <p:cNvPr id="9" name="Text Placeholder 8">
+            <a:extLst>
+              <a:ext uri="{FF2B5EF4-FFF2-40B4-BE49-F238E27FC236}">
+                <a16:creationId xmlns:a16="http://schemas.microsoft.com/office/drawing/2014/main" id="{8B348E2D-2A87-6643-9C8F-9303D57C6CA5}"/>
+              </a:ext>
+            </a:extLst>
+          </p:cNvPr>
+          <p:cNvSpPr>
+            <a:spLocks noGrp="1"/>
+          </p:cNvSpPr>
+          <p:nvPr>
+            <p:ph type="body" sz="quarter" idx="13"/>
+          </p:nvPr>
+        </p:nvSpPr>
+        <p:spPr/>
+        <p:txBody>
+          <a:bodyPr/>
+          <a:lstStyle/>
+          <a:p>
+            <a:r>
+              <a:rPr lang="en-CH" dirty="0"/>
+              <a:t>HARDWARE</a:t>
+            </a:r>
+          </a:p>
+          <a:p>
+            <a:pPr marL="285750" indent="-285750">
+              <a:buFont typeface="Arial" panose="020B0604020202020204" pitchFamily="34" charset="0"/>
+              <a:buChar char="•"/>
+            </a:pPr>
+            <a:r>
+              <a:rPr lang="en-CH" dirty="0"/>
+              <a:t>ESP32</a:t>
+            </a:r>
+          </a:p>
+          <a:p>
+            <a:pPr marL="285750" indent="-285750">
+              <a:buFont typeface="Arial" panose="020B0604020202020204" pitchFamily="34" charset="0"/>
+              <a:buChar char="•"/>
+            </a:pPr>
+            <a:r>
+              <a:rPr lang="en-CH" dirty="0"/>
+              <a:t>Raspberry Pi zero</a:t>
+            </a:r>
+          </a:p>
+          <a:p>
+            <a:pPr marL="285750" indent="-285750">
+              <a:buFont typeface="Arial" panose="020B0604020202020204" pitchFamily="34" charset="0"/>
+              <a:buChar char="•"/>
+            </a:pPr>
+            <a:r>
+              <a:rPr lang="en-CH" dirty="0"/>
+              <a:t>Piezo Sensors</a:t>
+            </a:r>
+          </a:p>
+          <a:p>
+            <a:pPr marL="285750" indent="-285750">
+              <a:buFont typeface="Arial" panose="020B0604020202020204" pitchFamily="34" charset="0"/>
+              <a:buChar char="•"/>
+            </a:pPr>
+            <a:r>
+              <a:rPr lang="en-CH" dirty="0"/>
+              <a:t>Voltage pulse circuits</a:t>
+            </a:r>
+          </a:p>
+        </p:txBody>
+      </p:sp>
+    </p:spTree>
+    <p:extLst>
+      <p:ext uri="{BB962C8B-B14F-4D97-AF65-F5344CB8AC3E}">
+        <p14:creationId xmlns:p14="http://schemas.microsoft.com/office/powerpoint/2010/main" val="72945321"/>
+      </p:ext>
+    </p:extLst>
+  </p:cSld>
+  <p:clrMapOvr>
+    <a:masterClrMapping/>
+  </p:clrMapOvr>
+</p:sld>
+</file>
+
+<file path=ppt/slides/slide13.xml><?xml version="1.0" encoding="utf-8"?>
+<p:sld xmlns:a="http://schemas.openxmlformats.org/drawingml/2006/main" xmlns:r="http://schemas.openxmlformats.org/officeDocument/2006/relationships" xmlns:p="http://schemas.openxmlformats.org/presentationml/2006/main">
+  <p:cSld>
+    <p:spTree>
+      <p:nvGrpSpPr>
+        <p:cNvPr id="1" name=""/>
+        <p:cNvGrpSpPr/>
+        <p:nvPr/>
+      </p:nvGrpSpPr>
+      <p:grpSpPr>
+        <a:xfrm>
+          <a:off x="0" y="0"/>
+          <a:ext cx="0" cy="0"/>
+          <a:chOff x="0" y="0"/>
+          <a:chExt cx="0" cy="0"/>
+        </a:xfrm>
+      </p:grpSpPr>
+      <p:sp>
+        <p:nvSpPr>
+          <p:cNvPr id="2" name="Title 1">
+            <a:extLst>
+              <a:ext uri="{FF2B5EF4-FFF2-40B4-BE49-F238E27FC236}">
+                <a16:creationId xmlns:a16="http://schemas.microsoft.com/office/drawing/2014/main" id="{795E6E60-B1E7-FB4E-AF40-5F086E626ADD}"/>
+              </a:ext>
+            </a:extLst>
+          </p:cNvPr>
+          <p:cNvSpPr>
+            <a:spLocks noGrp="1"/>
+          </p:cNvSpPr>
+          <p:nvPr>
+            <p:ph type="title"/>
+          </p:nvPr>
+        </p:nvSpPr>
+        <p:spPr>
+          <a:xfrm>
+            <a:off x="3290716" y="864972"/>
+            <a:ext cx="5315123" cy="372760"/>
+          </a:xfrm>
+        </p:spPr>
+        <p:txBody>
+          <a:bodyPr/>
+          <a:lstStyle/>
+          <a:p>
+            <a:r>
+              <a:rPr lang="en-GB" dirty="0"/>
+              <a:t>Questions</a:t>
+            </a:r>
+          </a:p>
+        </p:txBody>
+      </p:sp>
+      <p:sp>
+        <p:nvSpPr>
+          <p:cNvPr id="3" name="Slide Number Placeholder 2">
+            <a:extLst>
+              <a:ext uri="{FF2B5EF4-FFF2-40B4-BE49-F238E27FC236}">
+                <a16:creationId xmlns:a16="http://schemas.microsoft.com/office/drawing/2014/main" id="{18D25F9D-7E5F-DB4A-9D90-07C6924B26A1}"/>
+              </a:ext>
+            </a:extLst>
+          </p:cNvPr>
+          <p:cNvSpPr>
+            <a:spLocks noGrp="1"/>
+          </p:cNvSpPr>
+          <p:nvPr>
+            <p:ph type="sldNum" sz="quarter" idx="10"/>
+          </p:nvPr>
+        </p:nvSpPr>
+        <p:spPr>
+          <a:xfrm>
+            <a:off x="8419364" y="0"/>
+            <a:ext cx="537069" cy="337532"/>
+          </a:xfrm>
+        </p:spPr>
+        <p:txBody>
+          <a:bodyPr/>
+          <a:lstStyle/>
+          <a:p>
+            <a:fld id="{35052C29-CE5B-4965-8C8E-B011681D2A77}" type="slidenum">
+              <a:rPr lang="de-CH" smtClean="0"/>
+              <a:pPr/>
+              <a:t>13</a:t>
+            </a:fld>
+            <a:endParaRPr lang="de-CH" dirty="0"/>
+          </a:p>
+        </p:txBody>
+      </p:sp>
+      <p:sp>
+        <p:nvSpPr>
+          <p:cNvPr id="4" name="Text Placeholder 3">
+            <a:extLst>
+              <a:ext uri="{FF2B5EF4-FFF2-40B4-BE49-F238E27FC236}">
+                <a16:creationId xmlns:a16="http://schemas.microsoft.com/office/drawing/2014/main" id="{4AB505A9-BBFB-014C-B32C-39A8D15BE0BD}"/>
+              </a:ext>
+            </a:extLst>
+          </p:cNvPr>
+          <p:cNvSpPr>
+            <a:spLocks noGrp="1"/>
+          </p:cNvSpPr>
+          <p:nvPr>
+            <p:ph type="body" sz="quarter" idx="11"/>
+          </p:nvPr>
+        </p:nvSpPr>
+        <p:spPr>
+          <a:xfrm>
+            <a:off x="3290716" y="1645355"/>
+            <a:ext cx="5315122" cy="2953634"/>
+          </a:xfrm>
+        </p:spPr>
+        <p:txBody>
+          <a:bodyPr/>
+          <a:lstStyle/>
+          <a:p>
+            <a:r>
+              <a:rPr lang="en-GB" dirty="0"/>
+              <a:t>Thank you for your attention</a:t>
+            </a:r>
+          </a:p>
+          <a:p>
+            <a:pPr lvl="1"/>
+            <a:r>
+              <a:rPr lang="en-GB" dirty="0"/>
+              <a:t>Group02, HS2020</a:t>
+            </a:r>
+          </a:p>
+        </p:txBody>
+      </p:sp>
+    </p:spTree>
+    <p:extLst>
+      <p:ext uri="{BB962C8B-B14F-4D97-AF65-F5344CB8AC3E}">
+        <p14:creationId xmlns:p14="http://schemas.microsoft.com/office/powerpoint/2010/main" val="1104460962"/>
+      </p:ext>
+    </p:extLst>
+  </p:cSld>
+  <p:clrMapOvr>
+    <a:masterClrMapping/>
+  </p:clrMapOvr>
+</p:sld>
+</file>
+
 <file path=ppt/slides/slide2.xml><?xml version="1.0" encoding="utf-8"?>
 <p:sld xmlns:a="http://schemas.openxmlformats.org/drawingml/2006/main" xmlns:r="http://schemas.openxmlformats.org/officeDocument/2006/relationships" xmlns:p="http://schemas.openxmlformats.org/presentationml/2006/main">
   <p:cSld>
@@ -16421,10 +17151,38 @@
       </p:grpSpPr>
       <p:sp>
         <p:nvSpPr>
-          <p:cNvPr id="6" name="Slide Number Placeholder 5">
+          <p:cNvPr id="9" name="Title 8">
             <a:extLst>
               <a:ext uri="{FF2B5EF4-FFF2-40B4-BE49-F238E27FC236}">
-                <a16:creationId xmlns:a16="http://schemas.microsoft.com/office/drawing/2014/main" id="{AC451B28-5211-914C-BE4B-7A97AC1BFC35}"/>
+                <a16:creationId xmlns:a16="http://schemas.microsoft.com/office/drawing/2014/main" id="{D10E5EDF-A42A-E141-B039-523CE273DF8F}"/>
+              </a:ext>
+            </a:extLst>
+          </p:cNvPr>
+          <p:cNvSpPr>
+            <a:spLocks noGrp="1"/>
+          </p:cNvSpPr>
+          <p:nvPr>
+            <p:ph type="title"/>
+          </p:nvPr>
+        </p:nvSpPr>
+        <p:spPr/>
+        <p:txBody>
+          <a:bodyPr/>
+          <a:lstStyle/>
+          <a:p>
+            <a:r>
+              <a:rPr lang="en-CH" dirty="0"/>
+              <a:t>Agenda</a:t>
+            </a:r>
+          </a:p>
+        </p:txBody>
+      </p:sp>
+      <p:sp>
+        <p:nvSpPr>
+          <p:cNvPr id="2" name="Slide Number Placeholder 1">
+            <a:extLst>
+              <a:ext uri="{FF2B5EF4-FFF2-40B4-BE49-F238E27FC236}">
+                <a16:creationId xmlns:a16="http://schemas.microsoft.com/office/drawing/2014/main" id="{5556F50E-AB26-0A43-BF5D-7484BB7B3162}"/>
               </a:ext>
             </a:extLst>
           </p:cNvPr>
@@ -16451,10 +17209,10 @@
       </p:sp>
       <p:sp>
         <p:nvSpPr>
-          <p:cNvPr id="31" name="Picture Placeholder 30">
+          <p:cNvPr id="10" name="Text Placeholder 9">
             <a:extLst>
               <a:ext uri="{FF2B5EF4-FFF2-40B4-BE49-F238E27FC236}">
-                <a16:creationId xmlns:a16="http://schemas.microsoft.com/office/drawing/2014/main" id="{D015AF73-2CBF-504C-A3F9-A2A915E36A73}"/>
+                <a16:creationId xmlns:a16="http://schemas.microsoft.com/office/drawing/2014/main" id="{BEAE2C40-F034-A548-A980-F06D6149FC3D}"/>
               </a:ext>
             </a:extLst>
           </p:cNvPr>
@@ -16462,17 +17220,27 @@
             <a:spLocks noGrp="1"/>
           </p:cNvSpPr>
           <p:nvPr>
-            <p:ph type="pic" sz="quarter" idx="11"/>
+            <p:ph type="body" sz="quarter" idx="11"/>
           </p:nvPr>
         </p:nvSpPr>
         <p:spPr/>
-      </p:sp>
-      <p:sp>
-        <p:nvSpPr>
-          <p:cNvPr id="32" name="Text Placeholder 31">
+        <p:txBody>
+          <a:bodyPr/>
+          <a:lstStyle/>
+          <a:p>
+            <a:r>
+              <a:rPr lang="en-CH" dirty="0"/>
+              <a:t>Intro</a:t>
+            </a:r>
+          </a:p>
+        </p:txBody>
+      </p:sp>
+      <p:sp>
+        <p:nvSpPr>
+          <p:cNvPr id="11" name="Text Placeholder 10">
             <a:extLst>
               <a:ext uri="{FF2B5EF4-FFF2-40B4-BE49-F238E27FC236}">
-                <a16:creationId xmlns:a16="http://schemas.microsoft.com/office/drawing/2014/main" id="{8FFA1C8C-C21B-7545-8F75-1B2DEBBBFF30}"/>
+                <a16:creationId xmlns:a16="http://schemas.microsoft.com/office/drawing/2014/main" id="{1B7E72FF-D618-8A49-805A-8810A1BA8CBA}"/>
               </a:ext>
             </a:extLst>
           </p:cNvPr>
@@ -16488,34 +17256,19 @@
           <a:bodyPr/>
           <a:lstStyle/>
           <a:p>
-            <a:pPr marL="285750" indent="-285750">
-              <a:buFont typeface="Arial" panose="020B0604020202020204" pitchFamily="34" charset="0"/>
-              <a:buChar char="•"/>
-            </a:pPr>
-            <a:r>
-              <a:rPr lang="en-GB" dirty="0"/>
-              <a:t>D</a:t>
-            </a:r>
-            <a:r>
-              <a:rPr lang="en-CH"/>
-              <a:t>efined structure and roles</a:t>
-            </a:r>
-          </a:p>
-          <a:p>
-            <a:pPr marL="285750" indent="-285750">
-              <a:buFont typeface="Arial" panose="020B0604020202020204" pitchFamily="34" charset="0"/>
-              <a:buChar char="•"/>
-            </a:pPr>
-            <a:endParaRPr lang="en-CH"/>
-          </a:p>
-        </p:txBody>
-      </p:sp>
-      <p:sp>
-        <p:nvSpPr>
-          <p:cNvPr id="5" name="Title 4">
+            <a:r>
+              <a:rPr lang="en-CH" dirty="0"/>
+              <a:t>Project Organisation</a:t>
+            </a:r>
+          </a:p>
+        </p:txBody>
+      </p:sp>
+      <p:sp>
+        <p:nvSpPr>
+          <p:cNvPr id="12" name="Text Placeholder 11">
             <a:extLst>
               <a:ext uri="{FF2B5EF4-FFF2-40B4-BE49-F238E27FC236}">
-                <a16:creationId xmlns:a16="http://schemas.microsoft.com/office/drawing/2014/main" id="{905E79EE-E057-2A44-BEF3-A2F9B5644381}"/>
+                <a16:creationId xmlns:a16="http://schemas.microsoft.com/office/drawing/2014/main" id="{E6573004-56CC-9648-9A08-667727948E97}"/>
               </a:ext>
             </a:extLst>
           </p:cNvPr>
@@ -16523,7 +17276,7 @@
             <a:spLocks noGrp="1"/>
           </p:cNvSpPr>
           <p:nvPr>
-            <p:ph type="title"/>
+            <p:ph type="body" sz="quarter" idx="13"/>
           </p:nvPr>
         </p:nvSpPr>
         <p:spPr/>
@@ -16532,21 +17285,72 @@
           <a:lstStyle/>
           <a:p>
             <a:r>
-              <a:rPr lang="en-US" dirty="0"/>
-              <a:t>Project </a:t>
-            </a:r>
-            <a:r>
-              <a:rPr lang="en-US" dirty="0" err="1"/>
-              <a:t>Organisation</a:t>
-            </a:r>
-            <a:endParaRPr lang="en-US" dirty="0"/>
+              <a:rPr lang="en-CH" dirty="0"/>
+              <a:t>Integrated Circuits</a:t>
+            </a:r>
+          </a:p>
+        </p:txBody>
+      </p:sp>
+      <p:sp>
+        <p:nvSpPr>
+          <p:cNvPr id="13" name="Text Placeholder 12">
+            <a:extLst>
+              <a:ext uri="{FF2B5EF4-FFF2-40B4-BE49-F238E27FC236}">
+                <a16:creationId xmlns:a16="http://schemas.microsoft.com/office/drawing/2014/main" id="{203AE47C-5250-9A4D-8420-024063E75862}"/>
+              </a:ext>
+            </a:extLst>
+          </p:cNvPr>
+          <p:cNvSpPr>
+            <a:spLocks noGrp="1"/>
+          </p:cNvSpPr>
+          <p:nvPr>
+            <p:ph type="body" sz="quarter" idx="14"/>
+          </p:nvPr>
+        </p:nvSpPr>
+        <p:spPr/>
+        <p:txBody>
+          <a:bodyPr/>
+          <a:lstStyle/>
+          <a:p>
+            <a:r>
+              <a:rPr lang="en-CH" dirty="0"/>
+              <a:t>ESP32</a:t>
+            </a:r>
+          </a:p>
+        </p:txBody>
+      </p:sp>
+      <p:sp>
+        <p:nvSpPr>
+          <p:cNvPr id="14" name="Text Placeholder 13">
+            <a:extLst>
+              <a:ext uri="{FF2B5EF4-FFF2-40B4-BE49-F238E27FC236}">
+                <a16:creationId xmlns:a16="http://schemas.microsoft.com/office/drawing/2014/main" id="{5120CBC0-CF88-F043-88A6-CFE5AF6E7100}"/>
+              </a:ext>
+            </a:extLst>
+          </p:cNvPr>
+          <p:cNvSpPr>
+            <a:spLocks noGrp="1"/>
+          </p:cNvSpPr>
+          <p:nvPr>
+            <p:ph type="body" sz="quarter" idx="15"/>
+          </p:nvPr>
+        </p:nvSpPr>
+        <p:spPr/>
+        <p:txBody>
+          <a:bodyPr/>
+          <a:lstStyle/>
+          <a:p>
+            <a:r>
+              <a:rPr lang="en-CH" dirty="0"/>
+              <a:t>Raspberry Pi</a:t>
+            </a:r>
           </a:p>
         </p:txBody>
       </p:sp>
     </p:spTree>
     <p:extLst>
       <p:ext uri="{BB962C8B-B14F-4D97-AF65-F5344CB8AC3E}">
-        <p14:creationId xmlns:p14="http://schemas.microsoft.com/office/powerpoint/2010/main" val="748614534"/>
+        <p14:creationId xmlns:p14="http://schemas.microsoft.com/office/powerpoint/2010/main" val="1141375771"/>
       </p:ext>
     </p:extLst>
   </p:cSld>
@@ -16575,6 +17379,399 @@
       </p:grpSpPr>
       <p:sp>
         <p:nvSpPr>
+          <p:cNvPr id="2" name="Content Placeholder 1">
+            <a:extLst>
+              <a:ext uri="{FF2B5EF4-FFF2-40B4-BE49-F238E27FC236}">
+                <a16:creationId xmlns:a16="http://schemas.microsoft.com/office/drawing/2014/main" id="{6D1E6B88-9E28-B342-96E5-7C335569B8FD}"/>
+              </a:ext>
+            </a:extLst>
+          </p:cNvPr>
+          <p:cNvSpPr>
+            <a:spLocks noGrp="1"/>
+          </p:cNvSpPr>
+          <p:nvPr>
+            <p:ph sz="quarter" idx="13"/>
+          </p:nvPr>
+        </p:nvSpPr>
+        <p:spPr/>
+        <p:txBody>
+          <a:bodyPr/>
+          <a:lstStyle/>
+          <a:p>
+            <a:endParaRPr lang="en-CH"/>
+          </a:p>
+        </p:txBody>
+      </p:sp>
+      <p:sp>
+        <p:nvSpPr>
+          <p:cNvPr id="3" name="Title 2">
+            <a:extLst>
+              <a:ext uri="{FF2B5EF4-FFF2-40B4-BE49-F238E27FC236}">
+                <a16:creationId xmlns:a16="http://schemas.microsoft.com/office/drawing/2014/main" id="{3ADEEA3F-5B53-3441-A1BE-2A23A992E24C}"/>
+              </a:ext>
+            </a:extLst>
+          </p:cNvPr>
+          <p:cNvSpPr>
+            <a:spLocks noGrp="1"/>
+          </p:cNvSpPr>
+          <p:nvPr>
+            <p:ph type="title"/>
+          </p:nvPr>
+        </p:nvSpPr>
+        <p:spPr/>
+        <p:txBody>
+          <a:bodyPr/>
+          <a:lstStyle/>
+          <a:p>
+            <a:r>
+              <a:rPr lang="en-CH" dirty="0"/>
+              <a:t>Intro</a:t>
+            </a:r>
+          </a:p>
+        </p:txBody>
+      </p:sp>
+      <p:sp>
+        <p:nvSpPr>
+          <p:cNvPr id="4" name="Slide Number Placeholder 3">
+            <a:extLst>
+              <a:ext uri="{FF2B5EF4-FFF2-40B4-BE49-F238E27FC236}">
+                <a16:creationId xmlns:a16="http://schemas.microsoft.com/office/drawing/2014/main" id="{CB1DA87D-48D0-A04E-96FA-49566E21B539}"/>
+              </a:ext>
+            </a:extLst>
+          </p:cNvPr>
+          <p:cNvSpPr>
+            <a:spLocks noGrp="1"/>
+          </p:cNvSpPr>
+          <p:nvPr>
+            <p:ph type="sldNum" sz="quarter" idx="10"/>
+          </p:nvPr>
+        </p:nvSpPr>
+        <p:spPr/>
+        <p:txBody>
+          <a:bodyPr/>
+          <a:lstStyle/>
+          <a:p>
+            <a:fld id="{35052C29-CE5B-4965-8C8E-B011681D2A77}" type="slidenum">
+              <a:rPr lang="de-CH" smtClean="0"/>
+              <a:pPr/>
+              <a:t>3</a:t>
+            </a:fld>
+            <a:endParaRPr lang="de-CH" dirty="0"/>
+          </a:p>
+        </p:txBody>
+      </p:sp>
+      <p:sp>
+        <p:nvSpPr>
+          <p:cNvPr id="5" name="Text Placeholder 4">
+            <a:extLst>
+              <a:ext uri="{FF2B5EF4-FFF2-40B4-BE49-F238E27FC236}">
+                <a16:creationId xmlns:a16="http://schemas.microsoft.com/office/drawing/2014/main" id="{01A94F8E-1014-054B-A10F-B688F8CCFC37}"/>
+              </a:ext>
+            </a:extLst>
+          </p:cNvPr>
+          <p:cNvSpPr>
+            <a:spLocks noGrp="1"/>
+          </p:cNvSpPr>
+          <p:nvPr>
+            <p:ph type="body" sz="quarter" idx="12"/>
+          </p:nvPr>
+        </p:nvSpPr>
+        <p:spPr/>
+        <p:txBody>
+          <a:bodyPr/>
+          <a:lstStyle/>
+          <a:p>
+            <a:r>
+              <a:rPr lang="en-GB" dirty="0"/>
+              <a:t>S</a:t>
+            </a:r>
+            <a:r>
+              <a:rPr lang="en-CH" dirty="0"/>
+              <a:t>ome Intro</a:t>
+            </a:r>
+          </a:p>
+        </p:txBody>
+      </p:sp>
+    </p:spTree>
+    <p:extLst>
+      <p:ext uri="{BB962C8B-B14F-4D97-AF65-F5344CB8AC3E}">
+        <p14:creationId xmlns:p14="http://schemas.microsoft.com/office/powerpoint/2010/main" val="3982081235"/>
+      </p:ext>
+    </p:extLst>
+  </p:cSld>
+  <p:clrMapOvr>
+    <a:masterClrMapping/>
+  </p:clrMapOvr>
+</p:sld>
+</file>
+
+<file path=ppt/slides/slide4.xml><?xml version="1.0" encoding="utf-8"?>
+<p:sld xmlns:a="http://schemas.openxmlformats.org/drawingml/2006/main" xmlns:r="http://schemas.openxmlformats.org/officeDocument/2006/relationships" xmlns:p="http://schemas.openxmlformats.org/presentationml/2006/main">
+  <p:cSld>
+    <p:spTree>
+      <p:nvGrpSpPr>
+        <p:cNvPr id="1" name=""/>
+        <p:cNvGrpSpPr/>
+        <p:nvPr/>
+      </p:nvGrpSpPr>
+      <p:grpSpPr>
+        <a:xfrm>
+          <a:off x="0" y="0"/>
+          <a:ext cx="0" cy="0"/>
+          <a:chOff x="0" y="0"/>
+          <a:chExt cx="0" cy="0"/>
+        </a:xfrm>
+      </p:grpSpPr>
+      <p:sp>
+        <p:nvSpPr>
+          <p:cNvPr id="6" name="Slide Number Placeholder 5">
+            <a:extLst>
+              <a:ext uri="{FF2B5EF4-FFF2-40B4-BE49-F238E27FC236}">
+                <a16:creationId xmlns:a16="http://schemas.microsoft.com/office/drawing/2014/main" id="{AC451B28-5211-914C-BE4B-7A97AC1BFC35}"/>
+              </a:ext>
+            </a:extLst>
+          </p:cNvPr>
+          <p:cNvSpPr>
+            <a:spLocks noGrp="1"/>
+          </p:cNvSpPr>
+          <p:nvPr>
+            <p:ph type="sldNum" sz="quarter" idx="10"/>
+          </p:nvPr>
+        </p:nvSpPr>
+        <p:spPr/>
+        <p:txBody>
+          <a:bodyPr/>
+          <a:lstStyle/>
+          <a:p>
+            <a:fld id="{35052C29-CE5B-4965-8C8E-B011681D2A77}" type="slidenum">
+              <a:rPr lang="de-CH" smtClean="0"/>
+              <a:pPr/>
+              <a:t>4</a:t>
+            </a:fld>
+            <a:endParaRPr lang="de-CH" dirty="0"/>
+          </a:p>
+        </p:txBody>
+      </p:sp>
+      <p:sp>
+        <p:nvSpPr>
+          <p:cNvPr id="31" name="Picture Placeholder 30">
+            <a:extLst>
+              <a:ext uri="{FF2B5EF4-FFF2-40B4-BE49-F238E27FC236}">
+                <a16:creationId xmlns:a16="http://schemas.microsoft.com/office/drawing/2014/main" id="{D015AF73-2CBF-504C-A3F9-A2A915E36A73}"/>
+              </a:ext>
+            </a:extLst>
+          </p:cNvPr>
+          <p:cNvSpPr>
+            <a:spLocks noGrp="1"/>
+          </p:cNvSpPr>
+          <p:nvPr>
+            <p:ph type="pic" sz="quarter" idx="11"/>
+          </p:nvPr>
+        </p:nvSpPr>
+        <p:spPr/>
+      </p:sp>
+      <p:sp>
+        <p:nvSpPr>
+          <p:cNvPr id="32" name="Text Placeholder 31">
+            <a:extLst>
+              <a:ext uri="{FF2B5EF4-FFF2-40B4-BE49-F238E27FC236}">
+                <a16:creationId xmlns:a16="http://schemas.microsoft.com/office/drawing/2014/main" id="{8FFA1C8C-C21B-7545-8F75-1B2DEBBBFF30}"/>
+              </a:ext>
+            </a:extLst>
+          </p:cNvPr>
+          <p:cNvSpPr>
+            <a:spLocks noGrp="1"/>
+          </p:cNvSpPr>
+          <p:nvPr>
+            <p:ph type="body" sz="quarter" idx="12"/>
+          </p:nvPr>
+        </p:nvSpPr>
+        <p:spPr/>
+        <p:txBody>
+          <a:bodyPr/>
+          <a:lstStyle/>
+          <a:p>
+            <a:pPr marL="285750" indent="-285750">
+              <a:buFont typeface="Arial" panose="020B0604020202020204" pitchFamily="34" charset="0"/>
+              <a:buChar char="•"/>
+            </a:pPr>
+            <a:r>
+              <a:rPr lang="en-GB" dirty="0"/>
+              <a:t>D</a:t>
+            </a:r>
+            <a:r>
+              <a:rPr lang="en-CH"/>
+              <a:t>efined structure and roles</a:t>
+            </a:r>
+          </a:p>
+          <a:p>
+            <a:pPr marL="285750" indent="-285750">
+              <a:buFont typeface="Arial" panose="020B0604020202020204" pitchFamily="34" charset="0"/>
+              <a:buChar char="•"/>
+            </a:pPr>
+            <a:endParaRPr lang="en-CH"/>
+          </a:p>
+        </p:txBody>
+      </p:sp>
+      <p:sp>
+        <p:nvSpPr>
+          <p:cNvPr id="5" name="Title 4">
+            <a:extLst>
+              <a:ext uri="{FF2B5EF4-FFF2-40B4-BE49-F238E27FC236}">
+                <a16:creationId xmlns:a16="http://schemas.microsoft.com/office/drawing/2014/main" id="{905E79EE-E057-2A44-BEF3-A2F9B5644381}"/>
+              </a:ext>
+            </a:extLst>
+          </p:cNvPr>
+          <p:cNvSpPr>
+            <a:spLocks noGrp="1"/>
+          </p:cNvSpPr>
+          <p:nvPr>
+            <p:ph type="title"/>
+          </p:nvPr>
+        </p:nvSpPr>
+        <p:spPr/>
+        <p:txBody>
+          <a:bodyPr/>
+          <a:lstStyle/>
+          <a:p>
+            <a:r>
+              <a:rPr lang="en-US" dirty="0"/>
+              <a:t>Project </a:t>
+            </a:r>
+            <a:r>
+              <a:rPr lang="en-US" dirty="0" err="1"/>
+              <a:t>Organisation</a:t>
+            </a:r>
+            <a:endParaRPr lang="en-US" dirty="0"/>
+          </a:p>
+        </p:txBody>
+      </p:sp>
+    </p:spTree>
+    <p:extLst>
+      <p:ext uri="{BB962C8B-B14F-4D97-AF65-F5344CB8AC3E}">
+        <p14:creationId xmlns:p14="http://schemas.microsoft.com/office/powerpoint/2010/main" val="748614534"/>
+      </p:ext>
+    </p:extLst>
+  </p:cSld>
+  <p:clrMapOvr>
+    <a:masterClrMapping/>
+  </p:clrMapOvr>
+</p:sld>
+</file>
+
+<file path=ppt/slides/slide5.xml><?xml version="1.0" encoding="utf-8"?>
+<p:sld xmlns:a="http://schemas.openxmlformats.org/drawingml/2006/main" xmlns:r="http://schemas.openxmlformats.org/officeDocument/2006/relationships" xmlns:p="http://schemas.openxmlformats.org/presentationml/2006/main">
+  <p:cSld>
+    <p:spTree>
+      <p:nvGrpSpPr>
+        <p:cNvPr id="1" name=""/>
+        <p:cNvGrpSpPr/>
+        <p:nvPr/>
+      </p:nvGrpSpPr>
+      <p:grpSpPr>
+        <a:xfrm>
+          <a:off x="0" y="0"/>
+          <a:ext cx="0" cy="0"/>
+          <a:chOff x="0" y="0"/>
+          <a:chExt cx="0" cy="0"/>
+        </a:xfrm>
+      </p:grpSpPr>
+      <p:pic>
+        <p:nvPicPr>
+          <p:cNvPr id="15" name="Picture Placeholder 14">
+            <a:extLst>
+              <a:ext uri="{FF2B5EF4-FFF2-40B4-BE49-F238E27FC236}">
+                <a16:creationId xmlns:a16="http://schemas.microsoft.com/office/drawing/2014/main" id="{E88E6AC8-FCCE-E942-809F-E0249528DDBC}"/>
+              </a:ext>
+            </a:extLst>
+          </p:cNvPr>
+          <p:cNvPicPr>
+            <a:picLocks noGrp="1" noChangeAspect="1"/>
+          </p:cNvPicPr>
+          <p:nvPr>
+            <p:ph type="pic" sz="quarter" idx="10"/>
+          </p:nvPr>
+        </p:nvPicPr>
+        <p:blipFill>
+          <a:blip r:embed="rId2">
+            <a:extLst>
+              <a:ext uri="{28A0092B-C50C-407E-A947-70E740481C1C}">
+                <a14:useLocalDpi xmlns:a14="http://schemas.microsoft.com/office/drawing/2010/main" val="0"/>
+              </a:ext>
+            </a:extLst>
+          </a:blip>
+          <a:srcRect l="26806" r="26806"/>
+          <a:stretch>
+            <a:fillRect/>
+          </a:stretch>
+        </p:blipFill>
+        <p:spPr/>
+      </p:pic>
+      <p:sp>
+        <p:nvSpPr>
+          <p:cNvPr id="3" name="Title 2">
+            <a:extLst>
+              <a:ext uri="{FF2B5EF4-FFF2-40B4-BE49-F238E27FC236}">
+                <a16:creationId xmlns:a16="http://schemas.microsoft.com/office/drawing/2014/main" id="{61DC3233-DC51-EC49-9081-BF86DCA12C1D}"/>
+              </a:ext>
+            </a:extLst>
+          </p:cNvPr>
+          <p:cNvSpPr>
+            <a:spLocks noGrp="1"/>
+          </p:cNvSpPr>
+          <p:nvPr>
+            <p:ph type="title"/>
+          </p:nvPr>
+        </p:nvSpPr>
+        <p:spPr>
+          <a:xfrm>
+            <a:off x="691979" y="1221963"/>
+            <a:ext cx="3682265" cy="3383203"/>
+          </a:xfrm>
+        </p:spPr>
+        <p:txBody>
+          <a:bodyPr/>
+          <a:lstStyle/>
+          <a:p>
+            <a:r>
+              <a:rPr lang="en-CH" dirty="0"/>
+              <a:t>Integrated Circuits</a:t>
+            </a:r>
+          </a:p>
+        </p:txBody>
+      </p:sp>
+    </p:spTree>
+    <p:extLst>
+      <p:ext uri="{BB962C8B-B14F-4D97-AF65-F5344CB8AC3E}">
+        <p14:creationId xmlns:p14="http://schemas.microsoft.com/office/powerpoint/2010/main" val="4129074532"/>
+      </p:ext>
+    </p:extLst>
+  </p:cSld>
+  <p:clrMapOvr>
+    <a:masterClrMapping/>
+  </p:clrMapOvr>
+</p:sld>
+</file>
+
+<file path=ppt/slides/slide6.xml><?xml version="1.0" encoding="utf-8"?>
+<p:sld xmlns:a="http://schemas.openxmlformats.org/drawingml/2006/main" xmlns:r="http://schemas.openxmlformats.org/officeDocument/2006/relationships" xmlns:p="http://schemas.openxmlformats.org/presentationml/2006/main">
+  <p:cSld>
+    <p:spTree>
+      <p:nvGrpSpPr>
+        <p:cNvPr id="1" name=""/>
+        <p:cNvGrpSpPr/>
+        <p:nvPr/>
+      </p:nvGrpSpPr>
+      <p:grpSpPr>
+        <a:xfrm>
+          <a:off x="0" y="0"/>
+          <a:ext cx="0" cy="0"/>
+          <a:chOff x="0" y="0"/>
+          <a:chExt cx="0" cy="0"/>
+        </a:xfrm>
+      </p:grpSpPr>
+      <p:sp>
+        <p:nvSpPr>
           <p:cNvPr id="4" name="Slide Number Placeholder 3">
             <a:extLst>
               <a:ext uri="{FF2B5EF4-FFF2-40B4-BE49-F238E27FC236}">
@@ -16597,7 +17794,7 @@
             <a:fld id="{35052C29-CE5B-4965-8C8E-B011681D2A77}" type="slidenum">
               <a:rPr lang="de-CH" smtClean="0"/>
               <a:pPr/>
-              <a:t>3</a:t>
+              <a:t>6</a:t>
             </a:fld>
             <a:endParaRPr lang="de-CH" dirty="0"/>
           </a:p>
@@ -16707,527 +17904,6 @@
 </p:sld>
 </file>
 
-<file path=ppt/slides/slide4.xml><?xml version="1.0" encoding="utf-8"?>
-<p:sld xmlns:a="http://schemas.openxmlformats.org/drawingml/2006/main" xmlns:r="http://schemas.openxmlformats.org/officeDocument/2006/relationships" xmlns:p="http://schemas.openxmlformats.org/presentationml/2006/main">
-  <p:cSld>
-    <p:spTree>
-      <p:nvGrpSpPr>
-        <p:cNvPr id="1" name=""/>
-        <p:cNvGrpSpPr/>
-        <p:nvPr/>
-      </p:nvGrpSpPr>
-      <p:grpSpPr>
-        <a:xfrm>
-          <a:off x="0" y="0"/>
-          <a:ext cx="0" cy="0"/>
-          <a:chOff x="0" y="0"/>
-          <a:chExt cx="0" cy="0"/>
-        </a:xfrm>
-      </p:grpSpPr>
-      <p:sp>
-        <p:nvSpPr>
-          <p:cNvPr id="2" name="Slide Number Placeholder 1">
-            <a:extLst>
-              <a:ext uri="{FF2B5EF4-FFF2-40B4-BE49-F238E27FC236}">
-                <a16:creationId xmlns:a16="http://schemas.microsoft.com/office/drawing/2014/main" id="{0EF2724E-5507-264F-B1C7-8FD6FD14EEF5}"/>
-              </a:ext>
-            </a:extLst>
-          </p:cNvPr>
-          <p:cNvSpPr>
-            <a:spLocks noGrp="1"/>
-          </p:cNvSpPr>
-          <p:nvPr>
-            <p:ph type="sldNum" sz="quarter" idx="10"/>
-          </p:nvPr>
-        </p:nvSpPr>
-        <p:spPr/>
-        <p:txBody>
-          <a:bodyPr/>
-          <a:lstStyle/>
-          <a:p>
-            <a:fld id="{35052C29-CE5B-4965-8C8E-B011681D2A77}" type="slidenum">
-              <a:rPr lang="de-CH" smtClean="0"/>
-              <a:pPr/>
-              <a:t>4</a:t>
-            </a:fld>
-            <a:endParaRPr lang="de-CH" dirty="0"/>
-          </a:p>
-        </p:txBody>
-      </p:sp>
-      <p:pic>
-        <p:nvPicPr>
-          <p:cNvPr id="7" name="Picture Placeholder 6">
-            <a:extLst>
-              <a:ext uri="{FF2B5EF4-FFF2-40B4-BE49-F238E27FC236}">
-                <a16:creationId xmlns:a16="http://schemas.microsoft.com/office/drawing/2014/main" id="{26BC1D9D-C949-C943-8C65-04932B6B0051}"/>
-              </a:ext>
-            </a:extLst>
-          </p:cNvPr>
-          <p:cNvPicPr>
-            <a:picLocks noGrp="1" noChangeAspect="1"/>
-          </p:cNvPicPr>
-          <p:nvPr>
-            <p:ph type="pic" sz="quarter" idx="11"/>
-          </p:nvPr>
-        </p:nvPicPr>
-        <p:blipFill rotWithShape="1">
-          <a:blip r:embed="rId3">
-            <a:extLst>
-              <a:ext uri="{28A0092B-C50C-407E-A947-70E740481C1C}">
-                <a14:useLocalDpi xmlns:a14="http://schemas.microsoft.com/office/drawing/2010/main" val="0"/>
-              </a:ext>
-            </a:extLst>
-          </a:blip>
-          <a:srcRect l="12776" r="4470"/>
-          <a:stretch/>
-        </p:blipFill>
-        <p:spPr>
-          <a:xfrm>
-            <a:off x="-4762" y="0"/>
-            <a:ext cx="4303712" cy="5145088"/>
-          </a:xfrm>
-        </p:spPr>
-      </p:pic>
-      <p:sp>
-        <p:nvSpPr>
-          <p:cNvPr id="4" name="Text Placeholder 3">
-            <a:extLst>
-              <a:ext uri="{FF2B5EF4-FFF2-40B4-BE49-F238E27FC236}">
-                <a16:creationId xmlns:a16="http://schemas.microsoft.com/office/drawing/2014/main" id="{F8738085-E8CA-AA45-8842-D8E6EC881CFF}"/>
-              </a:ext>
-            </a:extLst>
-          </p:cNvPr>
-          <p:cNvSpPr>
-            <a:spLocks noGrp="1"/>
-          </p:cNvSpPr>
-          <p:nvPr>
-            <p:ph type="body" sz="quarter" idx="12"/>
-          </p:nvPr>
-        </p:nvSpPr>
-        <p:spPr/>
-        <p:txBody>
-          <a:bodyPr/>
-          <a:lstStyle/>
-          <a:p>
-            <a:r>
-              <a:rPr lang="en-GB" dirty="0"/>
-              <a:t>Consists of 3 Basis Modules</a:t>
-            </a:r>
-          </a:p>
-          <a:p>
-            <a:pPr marL="285750" indent="-285750">
-              <a:buFont typeface="Arial" panose="020B0604020202020204" pitchFamily="34" charset="0"/>
-              <a:buChar char="•"/>
-            </a:pPr>
-            <a:r>
-              <a:rPr lang="en-CH" dirty="0"/>
-              <a:t>Reader on ADC Pins</a:t>
-            </a:r>
-          </a:p>
-          <a:p>
-            <a:pPr marL="285750" indent="-285750">
-              <a:buFont typeface="Arial" panose="020B0604020202020204" pitchFamily="34" charset="0"/>
-              <a:buChar char="•"/>
-            </a:pPr>
-            <a:r>
-              <a:rPr lang="en-CH" dirty="0"/>
-              <a:t>TCP-Client transmit data through TCP Sockets</a:t>
-            </a:r>
-          </a:p>
-          <a:p>
-            <a:pPr marL="285750" indent="-285750">
-              <a:buFont typeface="Arial" panose="020B0604020202020204" pitchFamily="34" charset="0"/>
-              <a:buChar char="•"/>
-            </a:pPr>
-            <a:r>
-              <a:rPr lang="en-CH" dirty="0"/>
-              <a:t>WiFi connector establish connection to Access Point</a:t>
-            </a:r>
-          </a:p>
-        </p:txBody>
-      </p:sp>
-      <p:sp>
-        <p:nvSpPr>
-          <p:cNvPr id="5" name="Title 4">
-            <a:extLst>
-              <a:ext uri="{FF2B5EF4-FFF2-40B4-BE49-F238E27FC236}">
-                <a16:creationId xmlns:a16="http://schemas.microsoft.com/office/drawing/2014/main" id="{C2226FFE-0BC3-FA41-B583-E73D6AFD0AD1}"/>
-              </a:ext>
-            </a:extLst>
-          </p:cNvPr>
-          <p:cNvSpPr>
-            <a:spLocks noGrp="1"/>
-          </p:cNvSpPr>
-          <p:nvPr>
-            <p:ph type="title"/>
-          </p:nvPr>
-        </p:nvSpPr>
-        <p:spPr/>
-        <p:txBody>
-          <a:bodyPr/>
-          <a:lstStyle/>
-          <a:p>
-            <a:r>
-              <a:rPr lang="en-CH" dirty="0"/>
-              <a:t>ESP32 Application</a:t>
-            </a:r>
-          </a:p>
-        </p:txBody>
-      </p:sp>
-    </p:spTree>
-    <p:extLst>
-      <p:ext uri="{BB962C8B-B14F-4D97-AF65-F5344CB8AC3E}">
-        <p14:creationId xmlns:p14="http://schemas.microsoft.com/office/powerpoint/2010/main" val="321649863"/>
-      </p:ext>
-    </p:extLst>
-  </p:cSld>
-  <p:clrMapOvr>
-    <a:masterClrMapping/>
-  </p:clrMapOvr>
-</p:sld>
-</file>
-
-<file path=ppt/slides/slide5.xml><?xml version="1.0" encoding="utf-8"?>
-<p:sld xmlns:a="http://schemas.openxmlformats.org/drawingml/2006/main" xmlns:r="http://schemas.openxmlformats.org/officeDocument/2006/relationships" xmlns:p="http://schemas.openxmlformats.org/presentationml/2006/main">
-  <p:cSld>
-    <p:spTree>
-      <p:nvGrpSpPr>
-        <p:cNvPr id="1" name=""/>
-        <p:cNvGrpSpPr/>
-        <p:nvPr/>
-      </p:nvGrpSpPr>
-      <p:grpSpPr>
-        <a:xfrm>
-          <a:off x="0" y="0"/>
-          <a:ext cx="0" cy="0"/>
-          <a:chOff x="0" y="0"/>
-          <a:chExt cx="0" cy="0"/>
-        </a:xfrm>
-      </p:grpSpPr>
-      <p:sp>
-        <p:nvSpPr>
-          <p:cNvPr id="2" name="Slide Number Placeholder 1">
-            <a:extLst>
-              <a:ext uri="{FF2B5EF4-FFF2-40B4-BE49-F238E27FC236}">
-                <a16:creationId xmlns:a16="http://schemas.microsoft.com/office/drawing/2014/main" id="{BFEBC4ED-6EFC-C74C-9CD4-140350AB390E}"/>
-              </a:ext>
-            </a:extLst>
-          </p:cNvPr>
-          <p:cNvSpPr>
-            <a:spLocks noGrp="1"/>
-          </p:cNvSpPr>
-          <p:nvPr>
-            <p:ph type="sldNum" sz="quarter" idx="10"/>
-          </p:nvPr>
-        </p:nvSpPr>
-        <p:spPr/>
-        <p:txBody>
-          <a:bodyPr/>
-          <a:lstStyle/>
-          <a:p>
-            <a:fld id="{35052C29-CE5B-4965-8C8E-B011681D2A77}" type="slidenum">
-              <a:rPr lang="de-CH" smtClean="0"/>
-              <a:pPr/>
-              <a:t>5</a:t>
-            </a:fld>
-            <a:endParaRPr lang="de-CH" dirty="0"/>
-          </a:p>
-        </p:txBody>
-      </p:sp>
-      <p:sp>
-        <p:nvSpPr>
-          <p:cNvPr id="4" name="Text Placeholder 3">
-            <a:extLst>
-              <a:ext uri="{FF2B5EF4-FFF2-40B4-BE49-F238E27FC236}">
-                <a16:creationId xmlns:a16="http://schemas.microsoft.com/office/drawing/2014/main" id="{6D728FEE-2D90-8B4D-A1FC-A0B591B99A07}"/>
-              </a:ext>
-            </a:extLst>
-          </p:cNvPr>
-          <p:cNvSpPr>
-            <a:spLocks noGrp="1"/>
-          </p:cNvSpPr>
-          <p:nvPr>
-            <p:ph type="body" sz="quarter" idx="12"/>
-          </p:nvPr>
-        </p:nvSpPr>
-        <p:spPr/>
-        <p:txBody>
-          <a:bodyPr/>
-          <a:lstStyle/>
-          <a:p>
-            <a:pPr marL="285750" indent="-285750">
-              <a:buFont typeface="Arial" panose="020B0604020202020204" pitchFamily="34" charset="0"/>
-              <a:buChar char="•"/>
-            </a:pPr>
-            <a:endParaRPr lang="en-GB" dirty="0"/>
-          </a:p>
-          <a:p>
-            <a:pPr marL="285750" indent="-285750">
-              <a:buFont typeface="Arial" panose="020B0604020202020204" pitchFamily="34" charset="0"/>
-              <a:buChar char="•"/>
-            </a:pPr>
-            <a:r>
-              <a:rPr lang="en-GB" dirty="0" err="1"/>
-              <a:t>WiFi</a:t>
-            </a:r>
-            <a:r>
-              <a:rPr lang="en-GB" dirty="0"/>
-              <a:t> Settings and Server-Address is c</a:t>
-            </a:r>
-            <a:r>
-              <a:rPr lang="en-CH" dirty="0"/>
-              <a:t>onfigurable through terminal command idf.py menuconfig</a:t>
-            </a:r>
-          </a:p>
-          <a:p>
-            <a:pPr marL="285750" indent="-285750">
-              <a:buFont typeface="Arial" panose="020B0604020202020204" pitchFamily="34" charset="0"/>
-              <a:buChar char="•"/>
-            </a:pPr>
-            <a:r>
-              <a:rPr lang="en-CH" dirty="0"/>
-              <a:t>IDF-Environment required</a:t>
-            </a:r>
-          </a:p>
-        </p:txBody>
-      </p:sp>
-      <p:sp>
-        <p:nvSpPr>
-          <p:cNvPr id="5" name="Title 4">
-            <a:extLst>
-              <a:ext uri="{FF2B5EF4-FFF2-40B4-BE49-F238E27FC236}">
-                <a16:creationId xmlns:a16="http://schemas.microsoft.com/office/drawing/2014/main" id="{5184AAAB-026C-464C-846F-EA22E4B84180}"/>
-              </a:ext>
-            </a:extLst>
-          </p:cNvPr>
-          <p:cNvSpPr>
-            <a:spLocks noGrp="1"/>
-          </p:cNvSpPr>
-          <p:nvPr>
-            <p:ph type="title"/>
-          </p:nvPr>
-        </p:nvSpPr>
-        <p:spPr/>
-        <p:txBody>
-          <a:bodyPr/>
-          <a:lstStyle/>
-          <a:p>
-            <a:r>
-              <a:rPr lang="en-CH" dirty="0"/>
-              <a:t>ESP32 Configuration</a:t>
-            </a:r>
-          </a:p>
-        </p:txBody>
-      </p:sp>
-      <p:pic>
-        <p:nvPicPr>
-          <p:cNvPr id="11" name="Picture Placeholder 10">
-            <a:extLst>
-              <a:ext uri="{FF2B5EF4-FFF2-40B4-BE49-F238E27FC236}">
-                <a16:creationId xmlns:a16="http://schemas.microsoft.com/office/drawing/2014/main" id="{15BDDCCC-5BFF-D243-B542-FFE8D3F0C1C8}"/>
-              </a:ext>
-            </a:extLst>
-          </p:cNvPr>
-          <p:cNvPicPr>
-            <a:picLocks noGrp="1" noChangeAspect="1"/>
-          </p:cNvPicPr>
-          <p:nvPr>
-            <p:ph type="pic" sz="quarter" idx="11"/>
-          </p:nvPr>
-        </p:nvPicPr>
-        <p:blipFill rotWithShape="1">
-          <a:blip r:embed="rId3">
-            <a:extLst>
-              <a:ext uri="{28A0092B-C50C-407E-A947-70E740481C1C}">
-                <a14:useLocalDpi xmlns:a14="http://schemas.microsoft.com/office/drawing/2010/main" val="0"/>
-              </a:ext>
-            </a:extLst>
-          </a:blip>
-          <a:srcRect l="183" r="58104"/>
-          <a:stretch/>
-        </p:blipFill>
-        <p:spPr>
-          <a:xfrm>
-            <a:off x="-4762" y="0"/>
-            <a:ext cx="4303712" cy="5145088"/>
-          </a:xfrm>
-        </p:spPr>
-      </p:pic>
-    </p:spTree>
-    <p:extLst>
-      <p:ext uri="{BB962C8B-B14F-4D97-AF65-F5344CB8AC3E}">
-        <p14:creationId xmlns:p14="http://schemas.microsoft.com/office/powerpoint/2010/main" val="2175117835"/>
-      </p:ext>
-    </p:extLst>
-  </p:cSld>
-  <p:clrMapOvr>
-    <a:masterClrMapping/>
-  </p:clrMapOvr>
-</p:sld>
-</file>
-
-<file path=ppt/slides/slide6.xml><?xml version="1.0" encoding="utf-8"?>
-<p:sld xmlns:a="http://schemas.openxmlformats.org/drawingml/2006/main" xmlns:r="http://schemas.openxmlformats.org/officeDocument/2006/relationships" xmlns:p="http://schemas.openxmlformats.org/presentationml/2006/main">
-  <p:cSld>
-    <p:spTree>
-      <p:nvGrpSpPr>
-        <p:cNvPr id="1" name=""/>
-        <p:cNvGrpSpPr/>
-        <p:nvPr/>
-      </p:nvGrpSpPr>
-      <p:grpSpPr>
-        <a:xfrm>
-          <a:off x="0" y="0"/>
-          <a:ext cx="0" cy="0"/>
-          <a:chOff x="0" y="0"/>
-          <a:chExt cx="0" cy="0"/>
-        </a:xfrm>
-      </p:grpSpPr>
-      <p:sp>
-        <p:nvSpPr>
-          <p:cNvPr id="2" name="Slide Number Placeholder 1">
-            <a:extLst>
-              <a:ext uri="{FF2B5EF4-FFF2-40B4-BE49-F238E27FC236}">
-                <a16:creationId xmlns:a16="http://schemas.microsoft.com/office/drawing/2014/main" id="{4631623E-3887-4641-BFA2-23E27942F318}"/>
-              </a:ext>
-            </a:extLst>
-          </p:cNvPr>
-          <p:cNvSpPr>
-            <a:spLocks noGrp="1"/>
-          </p:cNvSpPr>
-          <p:nvPr>
-            <p:ph type="sldNum" sz="quarter" idx="10"/>
-          </p:nvPr>
-        </p:nvSpPr>
-        <p:spPr/>
-        <p:txBody>
-          <a:bodyPr/>
-          <a:lstStyle/>
-          <a:p>
-            <a:fld id="{35052C29-CE5B-4965-8C8E-B011681D2A77}" type="slidenum">
-              <a:rPr lang="de-CH" smtClean="0"/>
-              <a:pPr/>
-              <a:t>6</a:t>
-            </a:fld>
-            <a:endParaRPr lang="de-CH" dirty="0"/>
-          </a:p>
-        </p:txBody>
-      </p:sp>
-      <p:sp>
-        <p:nvSpPr>
-          <p:cNvPr id="3" name="Picture Placeholder 2">
-            <a:extLst>
-              <a:ext uri="{FF2B5EF4-FFF2-40B4-BE49-F238E27FC236}">
-                <a16:creationId xmlns:a16="http://schemas.microsoft.com/office/drawing/2014/main" id="{0B90880E-AA3A-0D4C-844A-13394ADEA08E}"/>
-              </a:ext>
-            </a:extLst>
-          </p:cNvPr>
-          <p:cNvSpPr>
-            <a:spLocks noGrp="1"/>
-          </p:cNvSpPr>
-          <p:nvPr>
-            <p:ph type="pic" sz="quarter" idx="11"/>
-          </p:nvPr>
-        </p:nvSpPr>
-        <p:spPr/>
-      </p:sp>
-      <p:sp>
-        <p:nvSpPr>
-          <p:cNvPr id="4" name="Text Placeholder 3">
-            <a:extLst>
-              <a:ext uri="{FF2B5EF4-FFF2-40B4-BE49-F238E27FC236}">
-                <a16:creationId xmlns:a16="http://schemas.microsoft.com/office/drawing/2014/main" id="{213FF006-CD16-F148-A4A8-7AEF056AAE4D}"/>
-              </a:ext>
-            </a:extLst>
-          </p:cNvPr>
-          <p:cNvSpPr>
-            <a:spLocks noGrp="1"/>
-          </p:cNvSpPr>
-          <p:nvPr>
-            <p:ph type="body" sz="quarter" idx="12"/>
-          </p:nvPr>
-        </p:nvSpPr>
-        <p:spPr/>
-        <p:txBody>
-          <a:bodyPr/>
-          <a:lstStyle/>
-          <a:p>
-            <a:pPr marL="285750" indent="-285750">
-              <a:buFont typeface="Arial" panose="020B0604020202020204" pitchFamily="34" charset="0"/>
-              <a:buChar char="•"/>
-            </a:pPr>
-            <a:r>
-              <a:rPr lang="en-CH" dirty="0"/>
-              <a:t>Implemented in Python</a:t>
-            </a:r>
-          </a:p>
-          <a:p>
-            <a:pPr marL="285750" indent="-285750">
-              <a:buFont typeface="Arial" panose="020B0604020202020204" pitchFamily="34" charset="0"/>
-              <a:buChar char="•"/>
-            </a:pPr>
-            <a:r>
-              <a:rPr lang="en-GB" dirty="0"/>
-              <a:t>S</a:t>
-            </a:r>
-            <a:r>
-              <a:rPr lang="en-CH" dirty="0"/>
-              <a:t>ends email if threshold is exceeded</a:t>
-            </a:r>
-          </a:p>
-          <a:p>
-            <a:pPr marL="285750" indent="-285750">
-              <a:buFont typeface="Arial" panose="020B0604020202020204" pitchFamily="34" charset="0"/>
-              <a:buChar char="•"/>
-            </a:pPr>
-            <a:r>
-              <a:rPr lang="en-CH" dirty="0"/>
-              <a:t>blabla</a:t>
-            </a:r>
-          </a:p>
-        </p:txBody>
-      </p:sp>
-      <p:sp>
-        <p:nvSpPr>
-          <p:cNvPr id="5" name="Title 4">
-            <a:extLst>
-              <a:ext uri="{FF2B5EF4-FFF2-40B4-BE49-F238E27FC236}">
-                <a16:creationId xmlns:a16="http://schemas.microsoft.com/office/drawing/2014/main" id="{2F0C7BB0-732C-5B4C-9C0C-8A679DC2E673}"/>
-              </a:ext>
-            </a:extLst>
-          </p:cNvPr>
-          <p:cNvSpPr>
-            <a:spLocks noGrp="1"/>
-          </p:cNvSpPr>
-          <p:nvPr>
-            <p:ph type="title"/>
-          </p:nvPr>
-        </p:nvSpPr>
-        <p:spPr/>
-        <p:txBody>
-          <a:bodyPr/>
-          <a:lstStyle/>
-          <a:p>
-            <a:r>
-              <a:rPr lang="en-CH" dirty="0"/>
-              <a:t>Backend Server</a:t>
-            </a:r>
-          </a:p>
-        </p:txBody>
-      </p:sp>
-    </p:spTree>
-    <p:extLst>
-      <p:ext uri="{BB962C8B-B14F-4D97-AF65-F5344CB8AC3E}">
-        <p14:creationId xmlns:p14="http://schemas.microsoft.com/office/powerpoint/2010/main" val="1916244907"/>
-      </p:ext>
-    </p:extLst>
-  </p:cSld>
-  <p:clrMapOvr>
-    <a:masterClrMapping/>
-  </p:clrMapOvr>
-</p:sld>
-</file>
-
 <file path=ppt/slides/slide7.xml><?xml version="1.0" encoding="utf-8"?>
 <p:sld xmlns:a="http://schemas.openxmlformats.org/drawingml/2006/main" xmlns:r="http://schemas.openxmlformats.org/officeDocument/2006/relationships" xmlns:p="http://schemas.openxmlformats.org/presentationml/2006/main">
   <p:cSld>
@@ -17245,42 +17921,43 @@
           <a:chExt cx="0" cy="0"/>
         </a:xfrm>
       </p:grpSpPr>
-      <p:sp>
-        <p:nvSpPr>
-          <p:cNvPr id="2" name="Slide Number Placeholder 1">
+      <p:pic>
+        <p:nvPicPr>
+          <p:cNvPr id="5" name="Picture Placeholder 4">
             <a:extLst>
               <a:ext uri="{FF2B5EF4-FFF2-40B4-BE49-F238E27FC236}">
-                <a16:creationId xmlns:a16="http://schemas.microsoft.com/office/drawing/2014/main" id="{645F98D6-6107-CB4C-B76F-D2F098616308}"/>
+                <a16:creationId xmlns:a16="http://schemas.microsoft.com/office/drawing/2014/main" id="{CF21ABAF-C465-5748-9B23-B18BB1AAFFA1}"/>
               </a:ext>
             </a:extLst>
           </p:cNvPr>
-          <p:cNvSpPr>
-            <a:spLocks noGrp="1"/>
-          </p:cNvSpPr>
-          <p:nvPr>
-            <p:ph type="sldNum" sz="quarter" idx="10"/>
-          </p:nvPr>
-        </p:nvSpPr>
+          <p:cNvPicPr>
+            <a:picLocks noGrp="1" noChangeAspect="1"/>
+          </p:cNvPicPr>
+          <p:nvPr>
+            <p:ph type="pic" sz="quarter" idx="10"/>
+          </p:nvPr>
+        </p:nvPicPr>
+        <p:blipFill>
+          <a:blip r:embed="rId2">
+            <a:extLst>
+              <a:ext uri="{28A0092B-C50C-407E-A947-70E740481C1C}">
+                <a14:useLocalDpi xmlns:a14="http://schemas.microsoft.com/office/drawing/2010/main" val="0"/>
+              </a:ext>
+            </a:extLst>
+          </a:blip>
+          <a:srcRect l="10076" r="10076"/>
+          <a:stretch>
+            <a:fillRect/>
+          </a:stretch>
+        </p:blipFill>
         <p:spPr/>
-        <p:txBody>
-          <a:bodyPr/>
-          <a:lstStyle/>
-          <a:p>
-            <a:fld id="{35052C29-CE5B-4965-8C8E-B011681D2A77}" type="slidenum">
-              <a:rPr lang="de-CH" smtClean="0"/>
-              <a:pPr/>
-              <a:t>7</a:t>
-            </a:fld>
-            <a:endParaRPr lang="de-CH" dirty="0"/>
-          </a:p>
-        </p:txBody>
-      </p:sp>
-      <p:sp>
-        <p:nvSpPr>
-          <p:cNvPr id="3" name="Picture Placeholder 2">
+      </p:pic>
+      <p:sp>
+        <p:nvSpPr>
+          <p:cNvPr id="3" name="Title 2">
             <a:extLst>
               <a:ext uri="{FF2B5EF4-FFF2-40B4-BE49-F238E27FC236}">
-                <a16:creationId xmlns:a16="http://schemas.microsoft.com/office/drawing/2014/main" id="{49270E32-D3B2-9E4D-AC1F-37827FA31709}"/>
+                <a16:creationId xmlns:a16="http://schemas.microsoft.com/office/drawing/2014/main" id="{61DC3233-DC51-EC49-9081-BF86DCA12C1D}"/>
               </a:ext>
             </a:extLst>
           </p:cNvPr>
@@ -17288,85 +17965,17 @@
             <a:spLocks noGrp="1"/>
           </p:cNvSpPr>
           <p:nvPr>
-            <p:ph type="pic" sz="quarter" idx="11"/>
+            <p:ph type="title"/>
           </p:nvPr>
         </p:nvSpPr>
         <p:spPr/>
-      </p:sp>
-      <p:sp>
-        <p:nvSpPr>
-          <p:cNvPr id="4" name="Text Placeholder 3">
-            <a:extLst>
-              <a:ext uri="{FF2B5EF4-FFF2-40B4-BE49-F238E27FC236}">
-                <a16:creationId xmlns:a16="http://schemas.microsoft.com/office/drawing/2014/main" id="{6786A87D-21E5-2D4A-B421-3D62B6BAF28F}"/>
-              </a:ext>
-            </a:extLst>
-          </p:cNvPr>
-          <p:cNvSpPr>
-            <a:spLocks noGrp="1"/>
-          </p:cNvSpPr>
-          <p:nvPr>
-            <p:ph type="body" sz="quarter" idx="12"/>
-          </p:nvPr>
-        </p:nvSpPr>
-        <p:spPr/>
         <p:txBody>
           <a:bodyPr/>
           <a:lstStyle/>
           <a:p>
-            <a:pPr marL="285750" indent="-285750">
-              <a:buFont typeface="Arial" panose="020B0604020202020204" pitchFamily="34" charset="0"/>
-              <a:buChar char="•"/>
-            </a:pPr>
-            <a:r>
-              <a:rPr lang="en-GB" dirty="0"/>
-              <a:t>S</a:t>
-            </a:r>
             <a:r>
               <a:rPr lang="en-CH" dirty="0"/>
-              <a:t>hows latest logged measures</a:t>
-            </a:r>
-          </a:p>
-          <a:p>
-            <a:pPr marL="285750" indent="-285750">
-              <a:buFont typeface="Arial" panose="020B0604020202020204" pitchFamily="34" charset="0"/>
-              <a:buChar char="•"/>
-            </a:pPr>
-            <a:r>
-              <a:rPr lang="en-GB" dirty="0"/>
-              <a:t>I</a:t>
-            </a:r>
-            <a:r>
-              <a:rPr lang="en-CH" dirty="0"/>
-              <a:t>mplemented in angular</a:t>
-            </a:r>
-          </a:p>
-        </p:txBody>
-      </p:sp>
-      <p:sp>
-        <p:nvSpPr>
-          <p:cNvPr id="5" name="Title 4">
-            <a:extLst>
-              <a:ext uri="{FF2B5EF4-FFF2-40B4-BE49-F238E27FC236}">
-                <a16:creationId xmlns:a16="http://schemas.microsoft.com/office/drawing/2014/main" id="{E8032442-57F9-0349-980B-7C792B97F8AD}"/>
-              </a:ext>
-            </a:extLst>
-          </p:cNvPr>
-          <p:cNvSpPr>
-            <a:spLocks noGrp="1"/>
-          </p:cNvSpPr>
-          <p:nvPr>
-            <p:ph type="title"/>
-          </p:nvPr>
-        </p:nvSpPr>
-        <p:spPr/>
-        <p:txBody>
-          <a:bodyPr/>
-          <a:lstStyle/>
-          <a:p>
-            <a:r>
-              <a:rPr lang="en-CH" dirty="0"/>
-              <a:t>Frontend</a:t>
+              <a:t>Espressif ESP32</a:t>
             </a:r>
           </a:p>
         </p:txBody>
@@ -17374,7 +17983,7 @@
     </p:spTree>
     <p:extLst>
       <p:ext uri="{BB962C8B-B14F-4D97-AF65-F5344CB8AC3E}">
-        <p14:creationId xmlns:p14="http://schemas.microsoft.com/office/powerpoint/2010/main" val="377564165"/>
+        <p14:creationId xmlns:p14="http://schemas.microsoft.com/office/powerpoint/2010/main" val="3584613023"/>
       </p:ext>
     </p:extLst>
   </p:cSld>
@@ -17403,38 +18012,10 @@
       </p:grpSpPr>
       <p:sp>
         <p:nvSpPr>
-          <p:cNvPr id="6" name="Title 5">
-            <a:extLst>
-              <a:ext uri="{FF2B5EF4-FFF2-40B4-BE49-F238E27FC236}">
-                <a16:creationId xmlns:a16="http://schemas.microsoft.com/office/drawing/2014/main" id="{6CFF313E-047F-5048-B7F0-CABB6C43D0E2}"/>
-              </a:ext>
-            </a:extLst>
-          </p:cNvPr>
-          <p:cNvSpPr>
-            <a:spLocks noGrp="1"/>
-          </p:cNvSpPr>
-          <p:nvPr>
-            <p:ph type="title"/>
-          </p:nvPr>
-        </p:nvSpPr>
-        <p:spPr/>
-        <p:txBody>
-          <a:bodyPr/>
-          <a:lstStyle/>
-          <a:p>
-            <a:r>
-              <a:rPr lang="en-CH" dirty="0"/>
-              <a:t>Techstack</a:t>
-            </a:r>
-          </a:p>
-        </p:txBody>
-      </p:sp>
-      <p:sp>
-        <p:nvSpPr>
           <p:cNvPr id="2" name="Slide Number Placeholder 1">
             <a:extLst>
               <a:ext uri="{FF2B5EF4-FFF2-40B4-BE49-F238E27FC236}">
-                <a16:creationId xmlns:a16="http://schemas.microsoft.com/office/drawing/2014/main" id="{F76BC38D-4EA6-A84F-8478-3EAC51B2DF8A}"/>
+                <a16:creationId xmlns:a16="http://schemas.microsoft.com/office/drawing/2014/main" id="{BFEBC4ED-6EFC-C74C-9CD4-140350AB390E}"/>
               </a:ext>
             </a:extLst>
           </p:cNvPr>
@@ -17461,10 +18042,10 @@
       </p:sp>
       <p:sp>
         <p:nvSpPr>
-          <p:cNvPr id="7" name="Text Placeholder 6">
+          <p:cNvPr id="4" name="Text Placeholder 3">
             <a:extLst>
               <a:ext uri="{FF2B5EF4-FFF2-40B4-BE49-F238E27FC236}">
-                <a16:creationId xmlns:a16="http://schemas.microsoft.com/office/drawing/2014/main" id="{A9F0EA26-CE11-D643-B780-217E580779F8}"/>
+                <a16:creationId xmlns:a16="http://schemas.microsoft.com/office/drawing/2014/main" id="{6D728FEE-2D90-8B4D-A1FC-A0B591B99A07}"/>
               </a:ext>
             </a:extLst>
           </p:cNvPr>
@@ -17472,32 +18053,19 @@
             <a:spLocks noGrp="1"/>
           </p:cNvSpPr>
           <p:nvPr>
-            <p:ph type="body" sz="quarter" idx="11"/>
+            <p:ph type="body" sz="quarter" idx="12"/>
           </p:nvPr>
         </p:nvSpPr>
         <p:spPr/>
         <p:txBody>
           <a:bodyPr/>
           <a:lstStyle/>
-          <a:p>
-            <a:r>
-              <a:rPr lang="en-CH" dirty="0"/>
-              <a:t>LANGUAGES</a:t>
-            </a:r>
-          </a:p>
           <a:p>
             <a:pPr marL="285750" indent="-285750">
               <a:buFont typeface="Arial" panose="020B0604020202020204" pitchFamily="34" charset="0"/>
               <a:buChar char="•"/>
             </a:pPr>
-            <a:r>
-              <a:rPr lang="en-GB" dirty="0"/>
-              <a:t>C</a:t>
-            </a:r>
-            <a:r>
-              <a:rPr lang="en-CH" dirty="0"/>
-              <a:t>++</a:t>
-            </a:r>
+            <a:endParaRPr lang="en-GB" dirty="0"/>
           </a:p>
           <a:p>
             <a:pPr marL="285750" indent="-285750">
@@ -17505,8 +18073,16 @@
               <a:buChar char="•"/>
             </a:pPr>
             <a:r>
+              <a:rPr lang="en-GB" dirty="0" err="1"/>
+              <a:t>WiFi</a:t>
+            </a:r>
+            <a:r>
+              <a:rPr lang="en-GB" dirty="0"/>
+              <a:t> Settings and Server-Address is c</a:t>
+            </a:r>
+            <a:r>
               <a:rPr lang="en-CH" dirty="0"/>
-              <a:t>Python</a:t>
+              <a:t>onfigurable through terminal with command «idf.py menuconfig»</a:t>
             </a:r>
           </a:p>
           <a:p>
@@ -17516,17 +18092,17 @@
             </a:pPr>
             <a:r>
               <a:rPr lang="en-CH" dirty="0"/>
-              <a:t>Typescript</a:t>
-            </a:r>
-          </a:p>
-        </p:txBody>
-      </p:sp>
-      <p:sp>
-        <p:nvSpPr>
-          <p:cNvPr id="8" name="Text Placeholder 7">
+              <a:t>IDF-Environment required</a:t>
+            </a:r>
+          </a:p>
+        </p:txBody>
+      </p:sp>
+      <p:sp>
+        <p:nvSpPr>
+          <p:cNvPr id="5" name="Title 4">
             <a:extLst>
               <a:ext uri="{FF2B5EF4-FFF2-40B4-BE49-F238E27FC236}">
-                <a16:creationId xmlns:a16="http://schemas.microsoft.com/office/drawing/2014/main" id="{0B97D142-7AEC-3F4B-93D0-8B6E0536417F}"/>
+                <a16:creationId xmlns:a16="http://schemas.microsoft.com/office/drawing/2014/main" id="{5184AAAB-026C-464C-846F-EA22E4B84180}"/>
               </a:ext>
             </a:extLst>
           </p:cNvPr>
@@ -17534,7 +18110,7 @@
             <a:spLocks noGrp="1"/>
           </p:cNvSpPr>
           <p:nvPr>
-            <p:ph type="body" sz="quarter" idx="12"/>
+            <p:ph type="title"/>
           </p:nvPr>
         </p:nvSpPr>
         <p:spPr/>
@@ -17544,107 +18120,49 @@
           <a:p>
             <a:r>
               <a:rPr lang="en-CH" dirty="0"/>
-              <a:t>FRAMEWORKS</a:t>
-            </a:r>
-          </a:p>
-          <a:p>
-            <a:pPr marL="285750" indent="-285750">
-              <a:buFont typeface="Arial" panose="020B0604020202020204" pitchFamily="34" charset="0"/>
-              <a:buChar char="•"/>
-            </a:pPr>
-            <a:r>
-              <a:rPr lang="en-GB" dirty="0"/>
-              <a:t>E</a:t>
-            </a:r>
-            <a:r>
-              <a:rPr lang="en-CH" dirty="0"/>
-              <a:t>spressif</a:t>
-            </a:r>
-          </a:p>
-          <a:p>
-            <a:pPr marL="285750" indent="-285750">
-              <a:buFont typeface="Arial" panose="020B0604020202020204" pitchFamily="34" charset="0"/>
-              <a:buChar char="•"/>
-            </a:pPr>
-            <a:r>
-              <a:rPr lang="en-CH" dirty="0"/>
-              <a:t>Angular</a:t>
-            </a:r>
-          </a:p>
-        </p:txBody>
-      </p:sp>
-      <p:sp>
-        <p:nvSpPr>
-          <p:cNvPr id="9" name="Text Placeholder 8">
+              <a:t>ESP32 Configuration</a:t>
+            </a:r>
+          </a:p>
+        </p:txBody>
+      </p:sp>
+      <p:pic>
+        <p:nvPicPr>
+          <p:cNvPr id="11" name="Picture Placeholder 10">
             <a:extLst>
               <a:ext uri="{FF2B5EF4-FFF2-40B4-BE49-F238E27FC236}">
-                <a16:creationId xmlns:a16="http://schemas.microsoft.com/office/drawing/2014/main" id="{8B348E2D-2A87-6643-9C8F-9303D57C6CA5}"/>
+                <a16:creationId xmlns:a16="http://schemas.microsoft.com/office/drawing/2014/main" id="{15BDDCCC-5BFF-D243-B542-FFE8D3F0C1C8}"/>
               </a:ext>
             </a:extLst>
           </p:cNvPr>
-          <p:cNvSpPr>
-            <a:spLocks noGrp="1"/>
-          </p:cNvSpPr>
-          <p:nvPr>
-            <p:ph type="body" sz="quarter" idx="13"/>
-          </p:nvPr>
-        </p:nvSpPr>
-        <p:spPr/>
-        <p:txBody>
-          <a:bodyPr/>
-          <a:lstStyle/>
-          <a:p>
-            <a:r>
-              <a:rPr lang="en-CH" dirty="0"/>
-              <a:t>HARDWARE</a:t>
-            </a:r>
-          </a:p>
-          <a:p>
-            <a:pPr marL="285750" indent="-285750">
-              <a:buFont typeface="Arial" panose="020B0604020202020204" pitchFamily="34" charset="0"/>
-              <a:buChar char="•"/>
-            </a:pPr>
-            <a:r>
-              <a:rPr lang="en-CH" dirty="0"/>
-              <a:t>ESP32</a:t>
-            </a:r>
-          </a:p>
-          <a:p>
-            <a:pPr marL="285750" indent="-285750">
-              <a:buFont typeface="Arial" panose="020B0604020202020204" pitchFamily="34" charset="0"/>
-              <a:buChar char="•"/>
-            </a:pPr>
-            <a:r>
-              <a:rPr lang="en-CH" dirty="0"/>
-              <a:t>Raspberry Pi zero</a:t>
-            </a:r>
-          </a:p>
-          <a:p>
-            <a:pPr marL="285750" indent="-285750">
-              <a:buFont typeface="Arial" panose="020B0604020202020204" pitchFamily="34" charset="0"/>
-              <a:buChar char="•"/>
-            </a:pPr>
-            <a:r>
-              <a:rPr lang="en-CH" dirty="0"/>
-              <a:t>Piezo Sensors</a:t>
-            </a:r>
-          </a:p>
-          <a:p>
-            <a:pPr marL="285750" indent="-285750">
-              <a:buFont typeface="Arial" panose="020B0604020202020204" pitchFamily="34" charset="0"/>
-              <a:buChar char="•"/>
-            </a:pPr>
-            <a:r>
-              <a:rPr lang="en-CH" dirty="0"/>
-              <a:t>Voltage pulse circuits</a:t>
-            </a:r>
-          </a:p>
-        </p:txBody>
-      </p:sp>
+          <p:cNvPicPr>
+            <a:picLocks noGrp="1" noChangeAspect="1"/>
+          </p:cNvPicPr>
+          <p:nvPr>
+            <p:ph type="pic" sz="quarter" idx="11"/>
+          </p:nvPr>
+        </p:nvPicPr>
+        <p:blipFill rotWithShape="1">
+          <a:blip r:embed="rId3">
+            <a:extLst>
+              <a:ext uri="{28A0092B-C50C-407E-A947-70E740481C1C}">
+                <a14:useLocalDpi xmlns:a14="http://schemas.microsoft.com/office/drawing/2010/main" val="0"/>
+              </a:ext>
+            </a:extLst>
+          </a:blip>
+          <a:srcRect l="183" r="58104"/>
+          <a:stretch/>
+        </p:blipFill>
+        <p:spPr>
+          <a:xfrm>
+            <a:off x="-4762" y="0"/>
+            <a:ext cx="4303712" cy="5145088"/>
+          </a:xfrm>
+        </p:spPr>
+      </p:pic>
     </p:spTree>
     <p:extLst>
       <p:ext uri="{BB962C8B-B14F-4D97-AF65-F5344CB8AC3E}">
-        <p14:creationId xmlns:p14="http://schemas.microsoft.com/office/powerpoint/2010/main" val="72945321"/>
+        <p14:creationId xmlns:p14="http://schemas.microsoft.com/office/powerpoint/2010/main" val="2175117835"/>
       </p:ext>
     </p:extLst>
   </p:cSld>
@@ -17673,10 +18191,10 @@
       </p:grpSpPr>
       <p:sp>
         <p:nvSpPr>
-          <p:cNvPr id="2" name="Title 1">
+          <p:cNvPr id="2" name="Slide Number Placeholder 1">
             <a:extLst>
               <a:ext uri="{FF2B5EF4-FFF2-40B4-BE49-F238E27FC236}">
-                <a16:creationId xmlns:a16="http://schemas.microsoft.com/office/drawing/2014/main" id="{795E6E60-B1E7-FB4E-AF40-5F086E626ADD}"/>
+                <a16:creationId xmlns:a16="http://schemas.microsoft.com/office/drawing/2014/main" id="{0EF2724E-5507-264F-B1C7-8FD6FD14EEF5}"/>
               </a:ext>
             </a:extLst>
           </p:cNvPr>
@@ -17684,48 +18202,10 @@
             <a:spLocks noGrp="1"/>
           </p:cNvSpPr>
           <p:nvPr>
-            <p:ph type="title"/>
-          </p:nvPr>
-        </p:nvSpPr>
-        <p:spPr>
-          <a:xfrm>
-            <a:off x="3290716" y="864972"/>
-            <a:ext cx="5315123" cy="372760"/>
-          </a:xfrm>
-        </p:spPr>
-        <p:txBody>
-          <a:bodyPr/>
-          <a:lstStyle/>
-          <a:p>
-            <a:r>
-              <a:rPr lang="en-GB" dirty="0"/>
-              <a:t>Questions</a:t>
-            </a:r>
-          </a:p>
-        </p:txBody>
-      </p:sp>
-      <p:sp>
-        <p:nvSpPr>
-          <p:cNvPr id="3" name="Slide Number Placeholder 2">
-            <a:extLst>
-              <a:ext uri="{FF2B5EF4-FFF2-40B4-BE49-F238E27FC236}">
-                <a16:creationId xmlns:a16="http://schemas.microsoft.com/office/drawing/2014/main" id="{18D25F9D-7E5F-DB4A-9D90-07C6924B26A1}"/>
-              </a:ext>
-            </a:extLst>
-          </p:cNvPr>
-          <p:cNvSpPr>
-            <a:spLocks noGrp="1"/>
-          </p:cNvSpPr>
-          <p:nvPr>
             <p:ph type="sldNum" sz="quarter" idx="10"/>
           </p:nvPr>
         </p:nvSpPr>
-        <p:spPr>
-          <a:xfrm>
-            <a:off x="8419364" y="0"/>
-            <a:ext cx="537069" cy="337532"/>
-          </a:xfrm>
-        </p:spPr>
+        <p:spPr/>
         <p:txBody>
           <a:bodyPr/>
           <a:lstStyle/>
@@ -17739,12 +18219,46 @@
           </a:p>
         </p:txBody>
       </p:sp>
+      <p:pic>
+        <p:nvPicPr>
+          <p:cNvPr id="7" name="Picture Placeholder 6">
+            <a:extLst>
+              <a:ext uri="{FF2B5EF4-FFF2-40B4-BE49-F238E27FC236}">
+                <a16:creationId xmlns:a16="http://schemas.microsoft.com/office/drawing/2014/main" id="{26BC1D9D-C949-C943-8C65-04932B6B0051}"/>
+              </a:ext>
+            </a:extLst>
+          </p:cNvPr>
+          <p:cNvPicPr>
+            <a:picLocks noGrp="1" noChangeAspect="1"/>
+          </p:cNvPicPr>
+          <p:nvPr>
+            <p:ph type="pic" sz="quarter" idx="11"/>
+          </p:nvPr>
+        </p:nvPicPr>
+        <p:blipFill rotWithShape="1">
+          <a:blip r:embed="rId3">
+            <a:extLst>
+              <a:ext uri="{28A0092B-C50C-407E-A947-70E740481C1C}">
+                <a14:useLocalDpi xmlns:a14="http://schemas.microsoft.com/office/drawing/2010/main" val="0"/>
+              </a:ext>
+            </a:extLst>
+          </a:blip>
+          <a:srcRect l="12776" r="4470"/>
+          <a:stretch/>
+        </p:blipFill>
+        <p:spPr>
+          <a:xfrm>
+            <a:off x="-4762" y="0"/>
+            <a:ext cx="4303712" cy="5145088"/>
+          </a:xfrm>
+        </p:spPr>
+      </p:pic>
       <p:sp>
         <p:nvSpPr>
           <p:cNvPr id="4" name="Text Placeholder 3">
             <a:extLst>
               <a:ext uri="{FF2B5EF4-FFF2-40B4-BE49-F238E27FC236}">
-                <a16:creationId xmlns:a16="http://schemas.microsoft.com/office/drawing/2014/main" id="{4AB505A9-BBFB-014C-B32C-39A8D15BE0BD}"/>
+                <a16:creationId xmlns:a16="http://schemas.microsoft.com/office/drawing/2014/main" id="{F8738085-E8CA-AA45-8842-D8E6EC881CFF}"/>
               </a:ext>
             </a:extLst>
           </p:cNvPr>
@@ -17752,29 +18266,85 @@
             <a:spLocks noGrp="1"/>
           </p:cNvSpPr>
           <p:nvPr>
-            <p:ph type="body" sz="quarter" idx="11"/>
-          </p:nvPr>
-        </p:nvSpPr>
-        <p:spPr>
-          <a:xfrm>
-            <a:off x="3290716" y="1645355"/>
-            <a:ext cx="5315122" cy="2953634"/>
-          </a:xfrm>
-        </p:spPr>
+            <p:ph type="body" sz="quarter" idx="12"/>
+          </p:nvPr>
+        </p:nvSpPr>
+        <p:spPr/>
         <p:txBody>
           <a:bodyPr/>
           <a:lstStyle/>
           <a:p>
             <a:r>
               <a:rPr lang="en-GB" dirty="0"/>
-              <a:t>Thank you for your attention</a:t>
-            </a:r>
-          </a:p>
-          <a:p>
-            <a:pPr lvl="1"/>
-            <a:r>
-              <a:rPr lang="en-GB" dirty="0"/>
-              <a:t>Group02, HS2020</a:t>
+              <a:t>Consists of 3 Basis Modules</a:t>
+            </a:r>
+          </a:p>
+          <a:p>
+            <a:pPr marL="285750" indent="-285750">
+              <a:buFont typeface="Arial" panose="020B0604020202020204" pitchFamily="34" charset="0"/>
+              <a:buChar char="•"/>
+            </a:pPr>
+            <a:r>
+              <a:rPr lang="en-CH" dirty="0"/>
+              <a:t>ADC Reader </a:t>
+            </a:r>
+          </a:p>
+          <a:p>
+            <a:pPr marL="285750" indent="-285750">
+              <a:buFont typeface="Arial" panose="020B0604020202020204" pitchFamily="34" charset="0"/>
+              <a:buChar char="•"/>
+            </a:pPr>
+            <a:r>
+              <a:rPr lang="en-CH" dirty="0"/>
+              <a:t>WiFi connector establish connection to an Access Point</a:t>
+            </a:r>
+          </a:p>
+          <a:p>
+            <a:pPr marL="285750" indent="-285750">
+              <a:buFont typeface="Arial" panose="020B0604020202020204" pitchFamily="34" charset="0"/>
+              <a:buChar char="•"/>
+            </a:pPr>
+            <a:r>
+              <a:rPr lang="en-CH" dirty="0"/>
+              <a:t>TCP-Client transmits data through TCP Sockets</a:t>
+            </a:r>
+          </a:p>
+          <a:p>
+            <a:pPr marL="285750" indent="-285750">
+              <a:buFont typeface="Arial" panose="020B0604020202020204" pitchFamily="34" charset="0"/>
+              <a:buChar char="•"/>
+            </a:pPr>
+            <a:r>
+              <a:rPr lang="en-CH" dirty="0"/>
+              <a:t>Sleep Mode</a:t>
+            </a:r>
+          </a:p>
+        </p:txBody>
+      </p:sp>
+      <p:sp>
+        <p:nvSpPr>
+          <p:cNvPr id="5" name="Title 4">
+            <a:extLst>
+              <a:ext uri="{FF2B5EF4-FFF2-40B4-BE49-F238E27FC236}">
+                <a16:creationId xmlns:a16="http://schemas.microsoft.com/office/drawing/2014/main" id="{C2226FFE-0BC3-FA41-B583-E73D6AFD0AD1}"/>
+              </a:ext>
+            </a:extLst>
+          </p:cNvPr>
+          <p:cNvSpPr>
+            <a:spLocks noGrp="1"/>
+          </p:cNvSpPr>
+          <p:nvPr>
+            <p:ph type="title"/>
+          </p:nvPr>
+        </p:nvSpPr>
+        <p:spPr/>
+        <p:txBody>
+          <a:bodyPr/>
+          <a:lstStyle/>
+          <a:p>
+            <a:r>
+              <a:rPr lang="en-CH" dirty="0"/>
+              <a:t>ESP32 Application</a:t>
             </a:r>
           </a:p>
         </p:txBody>
@@ -17782,7 +18352,7 @@
     </p:spTree>
     <p:extLst>
       <p:ext uri="{BB962C8B-B14F-4D97-AF65-F5344CB8AC3E}">
-        <p14:creationId xmlns:p14="http://schemas.microsoft.com/office/powerpoint/2010/main" val="1104460962"/>
+        <p14:creationId xmlns:p14="http://schemas.microsoft.com/office/powerpoint/2010/main" val="321649863"/>
       </p:ext>
     </p:extLst>
   </p:cSld>

--- a/doc/presentation.pptx
+++ b/doc/presentation.pptx
@@ -18,8 +18,8 @@
     <p:sldId id="270" r:id="rId6"/>
     <p:sldId id="261" r:id="rId7"/>
     <p:sldId id="267" r:id="rId8"/>
-    <p:sldId id="263" r:id="rId9"/>
-    <p:sldId id="262" r:id="rId10"/>
+    <p:sldId id="262" r:id="rId9"/>
+    <p:sldId id="263" r:id="rId10"/>
     <p:sldId id="264" r:id="rId11"/>
     <p:sldId id="265" r:id="rId12"/>
     <p:sldId id="266" r:id="rId13"/>
@@ -904,7 +904,7 @@
     </p:spTree>
     <p:extLst>
       <p:ext uri="{BB962C8B-B14F-4D97-AF65-F5344CB8AC3E}">
-        <p14:creationId xmlns:p14="http://schemas.microsoft.com/office/powerpoint/2010/main" val="1936474330"/>
+        <p14:creationId xmlns:p14="http://schemas.microsoft.com/office/powerpoint/2010/main" val="3063915823"/>
       </p:ext>
     </p:extLst>
   </p:cSld>
@@ -988,7 +988,7 @@
     </p:spTree>
     <p:extLst>
       <p:ext uri="{BB962C8B-B14F-4D97-AF65-F5344CB8AC3E}">
-        <p14:creationId xmlns:p14="http://schemas.microsoft.com/office/powerpoint/2010/main" val="3063915823"/>
+        <p14:creationId xmlns:p14="http://schemas.microsoft.com/office/powerpoint/2010/main" val="1936474330"/>
       </p:ext>
     </p:extLst>
   </p:cSld>
@@ -18015,7 +18015,7 @@
           <p:cNvPr id="2" name="Slide Number Placeholder 1">
             <a:extLst>
               <a:ext uri="{FF2B5EF4-FFF2-40B4-BE49-F238E27FC236}">
-                <a16:creationId xmlns:a16="http://schemas.microsoft.com/office/drawing/2014/main" id="{BFEBC4ED-6EFC-C74C-9CD4-140350AB390E}"/>
+                <a16:creationId xmlns:a16="http://schemas.microsoft.com/office/drawing/2014/main" id="{0EF2724E-5507-264F-B1C7-8FD6FD14EEF5}"/>
               </a:ext>
             </a:extLst>
           </p:cNvPr>
@@ -18040,97 +18040,12 @@
           </a:p>
         </p:txBody>
       </p:sp>
-      <p:sp>
-        <p:nvSpPr>
-          <p:cNvPr id="4" name="Text Placeholder 3">
+      <p:pic>
+        <p:nvPicPr>
+          <p:cNvPr id="7" name="Picture Placeholder 6">
             <a:extLst>
               <a:ext uri="{FF2B5EF4-FFF2-40B4-BE49-F238E27FC236}">
-                <a16:creationId xmlns:a16="http://schemas.microsoft.com/office/drawing/2014/main" id="{6D728FEE-2D90-8B4D-A1FC-A0B591B99A07}"/>
-              </a:ext>
-            </a:extLst>
-          </p:cNvPr>
-          <p:cNvSpPr>
-            <a:spLocks noGrp="1"/>
-          </p:cNvSpPr>
-          <p:nvPr>
-            <p:ph type="body" sz="quarter" idx="12"/>
-          </p:nvPr>
-        </p:nvSpPr>
-        <p:spPr/>
-        <p:txBody>
-          <a:bodyPr/>
-          <a:lstStyle/>
-          <a:p>
-            <a:pPr marL="285750" indent="-285750">
-              <a:buFont typeface="Arial" panose="020B0604020202020204" pitchFamily="34" charset="0"/>
-              <a:buChar char="•"/>
-            </a:pPr>
-            <a:endParaRPr lang="en-GB" dirty="0"/>
-          </a:p>
-          <a:p>
-            <a:pPr marL="285750" indent="-285750">
-              <a:buFont typeface="Arial" panose="020B0604020202020204" pitchFamily="34" charset="0"/>
-              <a:buChar char="•"/>
-            </a:pPr>
-            <a:r>
-              <a:rPr lang="en-GB" dirty="0" err="1"/>
-              <a:t>WiFi</a:t>
-            </a:r>
-            <a:r>
-              <a:rPr lang="en-GB" dirty="0"/>
-              <a:t> Settings and Server-Address is c</a:t>
-            </a:r>
-            <a:r>
-              <a:rPr lang="en-CH" dirty="0"/>
-              <a:t>onfigurable through terminal with command «idf.py menuconfig»</a:t>
-            </a:r>
-          </a:p>
-          <a:p>
-            <a:pPr marL="285750" indent="-285750">
-              <a:buFont typeface="Arial" panose="020B0604020202020204" pitchFamily="34" charset="0"/>
-              <a:buChar char="•"/>
-            </a:pPr>
-            <a:r>
-              <a:rPr lang="en-CH" dirty="0"/>
-              <a:t>IDF-Environment required</a:t>
-            </a:r>
-          </a:p>
-        </p:txBody>
-      </p:sp>
-      <p:sp>
-        <p:nvSpPr>
-          <p:cNvPr id="5" name="Title 4">
-            <a:extLst>
-              <a:ext uri="{FF2B5EF4-FFF2-40B4-BE49-F238E27FC236}">
-                <a16:creationId xmlns:a16="http://schemas.microsoft.com/office/drawing/2014/main" id="{5184AAAB-026C-464C-846F-EA22E4B84180}"/>
-              </a:ext>
-            </a:extLst>
-          </p:cNvPr>
-          <p:cNvSpPr>
-            <a:spLocks noGrp="1"/>
-          </p:cNvSpPr>
-          <p:nvPr>
-            <p:ph type="title"/>
-          </p:nvPr>
-        </p:nvSpPr>
-        <p:spPr/>
-        <p:txBody>
-          <a:bodyPr/>
-          <a:lstStyle/>
-          <a:p>
-            <a:r>
-              <a:rPr lang="en-CH" dirty="0"/>
-              <a:t>ESP32 Configuration</a:t>
-            </a:r>
-          </a:p>
-        </p:txBody>
-      </p:sp>
-      <p:pic>
-        <p:nvPicPr>
-          <p:cNvPr id="11" name="Picture Placeholder 10">
-            <a:extLst>
-              <a:ext uri="{FF2B5EF4-FFF2-40B4-BE49-F238E27FC236}">
-                <a16:creationId xmlns:a16="http://schemas.microsoft.com/office/drawing/2014/main" id="{15BDDCCC-5BFF-D243-B542-FFE8D3F0C1C8}"/>
+                <a16:creationId xmlns:a16="http://schemas.microsoft.com/office/drawing/2014/main" id="{26BC1D9D-C949-C943-8C65-04932B6B0051}"/>
               </a:ext>
             </a:extLst>
           </p:cNvPr>
@@ -18149,20 +18064,106 @@
               </a:ext>
             </a:extLst>
           </a:blip>
-          <a:srcRect l="183" r="58104"/>
+          <a:srcRect l="1525" r="23971"/>
           <a:stretch/>
         </p:blipFill>
         <p:spPr>
           <a:xfrm>
             <a:off x="-4762" y="0"/>
-            <a:ext cx="4303712" cy="5145088"/>
+            <a:ext cx="4302000" cy="5145088"/>
           </a:xfrm>
         </p:spPr>
       </p:pic>
+      <p:sp>
+        <p:nvSpPr>
+          <p:cNvPr id="4" name="Text Placeholder 3">
+            <a:extLst>
+              <a:ext uri="{FF2B5EF4-FFF2-40B4-BE49-F238E27FC236}">
+                <a16:creationId xmlns:a16="http://schemas.microsoft.com/office/drawing/2014/main" id="{F8738085-E8CA-AA45-8842-D8E6EC881CFF}"/>
+              </a:ext>
+            </a:extLst>
+          </p:cNvPr>
+          <p:cNvSpPr>
+            <a:spLocks noGrp="1"/>
+          </p:cNvSpPr>
+          <p:nvPr>
+            <p:ph type="body" sz="quarter" idx="12"/>
+          </p:nvPr>
+        </p:nvSpPr>
+        <p:spPr/>
+        <p:txBody>
+          <a:bodyPr/>
+          <a:lstStyle/>
+          <a:p>
+            <a:r>
+              <a:rPr lang="en-GB" dirty="0"/>
+              <a:t>Consists of 3 Basis Modules</a:t>
+            </a:r>
+          </a:p>
+          <a:p>
+            <a:pPr marL="285750" indent="-285750">
+              <a:buFont typeface="Arial" panose="020B0604020202020204" pitchFamily="34" charset="0"/>
+              <a:buChar char="•"/>
+            </a:pPr>
+            <a:r>
+              <a:rPr lang="en-CH" dirty="0"/>
+              <a:t>ADC Reader measure sensors</a:t>
+            </a:r>
+          </a:p>
+          <a:p>
+            <a:pPr marL="285750" indent="-285750">
+              <a:buFont typeface="Arial" panose="020B0604020202020204" pitchFamily="34" charset="0"/>
+              <a:buChar char="•"/>
+            </a:pPr>
+            <a:r>
+              <a:rPr lang="en-CH" dirty="0"/>
+              <a:t>WiFi connector establish connection to an Access Point</a:t>
+            </a:r>
+          </a:p>
+          <a:p>
+            <a:pPr marL="285750" indent="-285750">
+              <a:buFont typeface="Arial" panose="020B0604020202020204" pitchFamily="34" charset="0"/>
+              <a:buChar char="•"/>
+            </a:pPr>
+            <a:r>
+              <a:rPr lang="en-CH" dirty="0"/>
+              <a:t>TCP-Client transmits data through TCP Sockets</a:t>
+            </a:r>
+          </a:p>
+        </p:txBody>
+      </p:sp>
+      <p:sp>
+        <p:nvSpPr>
+          <p:cNvPr id="5" name="Title 4">
+            <a:extLst>
+              <a:ext uri="{FF2B5EF4-FFF2-40B4-BE49-F238E27FC236}">
+                <a16:creationId xmlns:a16="http://schemas.microsoft.com/office/drawing/2014/main" id="{C2226FFE-0BC3-FA41-B583-E73D6AFD0AD1}"/>
+              </a:ext>
+            </a:extLst>
+          </p:cNvPr>
+          <p:cNvSpPr>
+            <a:spLocks noGrp="1"/>
+          </p:cNvSpPr>
+          <p:nvPr>
+            <p:ph type="title"/>
+          </p:nvPr>
+        </p:nvSpPr>
+        <p:spPr/>
+        <p:txBody>
+          <a:bodyPr/>
+          <a:lstStyle/>
+          <a:p>
+            <a:r>
+              <a:rPr lang="en-CH" dirty="0"/>
+              <a:t>ESP32 Application</a:t>
+            </a:r>
+          </a:p>
+        </p:txBody>
+      </p:sp>
     </p:spTree>
     <p:extLst>
       <p:ext uri="{BB962C8B-B14F-4D97-AF65-F5344CB8AC3E}">
-        <p14:creationId xmlns:p14="http://schemas.microsoft.com/office/powerpoint/2010/main" val="2175117835"/>
+        <p14:creationId xmlns:p14="http://schemas.microsoft.com/office/powerpoint/2010/main" val="321649863"/>
       </p:ext>
     </p:extLst>
   </p:cSld>
@@ -18194,7 +18195,7 @@
           <p:cNvPr id="2" name="Slide Number Placeholder 1">
             <a:extLst>
               <a:ext uri="{FF2B5EF4-FFF2-40B4-BE49-F238E27FC236}">
-                <a16:creationId xmlns:a16="http://schemas.microsoft.com/office/drawing/2014/main" id="{0EF2724E-5507-264F-B1C7-8FD6FD14EEF5}"/>
+                <a16:creationId xmlns:a16="http://schemas.microsoft.com/office/drawing/2014/main" id="{BFEBC4ED-6EFC-C74C-9CD4-140350AB390E}"/>
               </a:ext>
             </a:extLst>
           </p:cNvPr>
@@ -18219,12 +18220,86 @@
           </a:p>
         </p:txBody>
       </p:sp>
+      <p:sp>
+        <p:nvSpPr>
+          <p:cNvPr id="4" name="Text Placeholder 3">
+            <a:extLst>
+              <a:ext uri="{FF2B5EF4-FFF2-40B4-BE49-F238E27FC236}">
+                <a16:creationId xmlns:a16="http://schemas.microsoft.com/office/drawing/2014/main" id="{6D728FEE-2D90-8B4D-A1FC-A0B591B99A07}"/>
+              </a:ext>
+            </a:extLst>
+          </p:cNvPr>
+          <p:cNvSpPr>
+            <a:spLocks noGrp="1"/>
+          </p:cNvSpPr>
+          <p:nvPr>
+            <p:ph type="body" sz="quarter" idx="12"/>
+          </p:nvPr>
+        </p:nvSpPr>
+        <p:spPr/>
+        <p:txBody>
+          <a:bodyPr/>
+          <a:lstStyle/>
+          <a:p>
+            <a:pPr marL="285750" indent="-285750">
+              <a:buFont typeface="Arial" panose="020B0604020202020204" pitchFamily="34" charset="0"/>
+              <a:buChar char="•"/>
+            </a:pPr>
+            <a:r>
+              <a:rPr lang="en-GB" dirty="0" err="1"/>
+              <a:t>WiFi</a:t>
+            </a:r>
+            <a:r>
+              <a:rPr lang="en-GB" dirty="0"/>
+              <a:t> Settings</a:t>
+            </a:r>
+          </a:p>
+          <a:p>
+            <a:pPr marL="285750" indent="-285750">
+              <a:buFont typeface="Arial" panose="020B0604020202020204" pitchFamily="34" charset="0"/>
+              <a:buChar char="•"/>
+            </a:pPr>
+            <a:r>
+              <a:rPr lang="en-GB" dirty="0"/>
+              <a:t>Server Address</a:t>
+            </a:r>
+          </a:p>
+        </p:txBody>
+      </p:sp>
+      <p:sp>
+        <p:nvSpPr>
+          <p:cNvPr id="5" name="Title 4">
+            <a:extLst>
+              <a:ext uri="{FF2B5EF4-FFF2-40B4-BE49-F238E27FC236}">
+                <a16:creationId xmlns:a16="http://schemas.microsoft.com/office/drawing/2014/main" id="{5184AAAB-026C-464C-846F-EA22E4B84180}"/>
+              </a:ext>
+            </a:extLst>
+          </p:cNvPr>
+          <p:cNvSpPr>
+            <a:spLocks noGrp="1"/>
+          </p:cNvSpPr>
+          <p:nvPr>
+            <p:ph type="title"/>
+          </p:nvPr>
+        </p:nvSpPr>
+        <p:spPr/>
+        <p:txBody>
+          <a:bodyPr/>
+          <a:lstStyle/>
+          <a:p>
+            <a:r>
+              <a:rPr lang="en-CH" dirty="0"/>
+              <a:t>ESP32 Config</a:t>
+            </a:r>
+          </a:p>
+        </p:txBody>
+      </p:sp>
       <p:pic>
         <p:nvPicPr>
-          <p:cNvPr id="7" name="Picture Placeholder 6">
+          <p:cNvPr id="11" name="Picture Placeholder 10">
             <a:extLst>
               <a:ext uri="{FF2B5EF4-FFF2-40B4-BE49-F238E27FC236}">
-                <a16:creationId xmlns:a16="http://schemas.microsoft.com/office/drawing/2014/main" id="{26BC1D9D-C949-C943-8C65-04932B6B0051}"/>
+                <a16:creationId xmlns:a16="http://schemas.microsoft.com/office/drawing/2014/main" id="{15BDDCCC-5BFF-D243-B542-FFE8D3F0C1C8}"/>
               </a:ext>
             </a:extLst>
           </p:cNvPr>
@@ -18243,7 +18318,7 @@
               </a:ext>
             </a:extLst>
           </a:blip>
-          <a:srcRect l="12776" r="4470"/>
+          <a:srcRect l="183" r="58104"/>
           <a:stretch/>
         </p:blipFill>
         <p:spPr>
@@ -18253,106 +18328,10 @@
           </a:xfrm>
         </p:spPr>
       </p:pic>
-      <p:sp>
-        <p:nvSpPr>
-          <p:cNvPr id="4" name="Text Placeholder 3">
-            <a:extLst>
-              <a:ext uri="{FF2B5EF4-FFF2-40B4-BE49-F238E27FC236}">
-                <a16:creationId xmlns:a16="http://schemas.microsoft.com/office/drawing/2014/main" id="{F8738085-E8CA-AA45-8842-D8E6EC881CFF}"/>
-              </a:ext>
-            </a:extLst>
-          </p:cNvPr>
-          <p:cNvSpPr>
-            <a:spLocks noGrp="1"/>
-          </p:cNvSpPr>
-          <p:nvPr>
-            <p:ph type="body" sz="quarter" idx="12"/>
-          </p:nvPr>
-        </p:nvSpPr>
-        <p:spPr/>
-        <p:txBody>
-          <a:bodyPr/>
-          <a:lstStyle/>
-          <a:p>
-            <a:r>
-              <a:rPr lang="en-GB" dirty="0"/>
-              <a:t>Consists of 3 Basis Modules</a:t>
-            </a:r>
-          </a:p>
-          <a:p>
-            <a:pPr marL="285750" indent="-285750">
-              <a:buFont typeface="Arial" panose="020B0604020202020204" pitchFamily="34" charset="0"/>
-              <a:buChar char="•"/>
-            </a:pPr>
-            <a:r>
-              <a:rPr lang="en-CH" dirty="0"/>
-              <a:t>ADC Reader </a:t>
-            </a:r>
-          </a:p>
-          <a:p>
-            <a:pPr marL="285750" indent="-285750">
-              <a:buFont typeface="Arial" panose="020B0604020202020204" pitchFamily="34" charset="0"/>
-              <a:buChar char="•"/>
-            </a:pPr>
-            <a:r>
-              <a:rPr lang="en-CH" dirty="0"/>
-              <a:t>WiFi connector establish connection to an Access Point</a:t>
-            </a:r>
-          </a:p>
-          <a:p>
-            <a:pPr marL="285750" indent="-285750">
-              <a:buFont typeface="Arial" panose="020B0604020202020204" pitchFamily="34" charset="0"/>
-              <a:buChar char="•"/>
-            </a:pPr>
-            <a:r>
-              <a:rPr lang="en-CH" dirty="0"/>
-              <a:t>TCP-Client transmits data through TCP Sockets</a:t>
-            </a:r>
-          </a:p>
-          <a:p>
-            <a:pPr marL="285750" indent="-285750">
-              <a:buFont typeface="Arial" panose="020B0604020202020204" pitchFamily="34" charset="0"/>
-              <a:buChar char="•"/>
-            </a:pPr>
-            <a:r>
-              <a:rPr lang="en-CH" dirty="0"/>
-              <a:t>Sleep Mode</a:t>
-            </a:r>
-          </a:p>
-        </p:txBody>
-      </p:sp>
-      <p:sp>
-        <p:nvSpPr>
-          <p:cNvPr id="5" name="Title 4">
-            <a:extLst>
-              <a:ext uri="{FF2B5EF4-FFF2-40B4-BE49-F238E27FC236}">
-                <a16:creationId xmlns:a16="http://schemas.microsoft.com/office/drawing/2014/main" id="{C2226FFE-0BC3-FA41-B583-E73D6AFD0AD1}"/>
-              </a:ext>
-            </a:extLst>
-          </p:cNvPr>
-          <p:cNvSpPr>
-            <a:spLocks noGrp="1"/>
-          </p:cNvSpPr>
-          <p:nvPr>
-            <p:ph type="title"/>
-          </p:nvPr>
-        </p:nvSpPr>
-        <p:spPr/>
-        <p:txBody>
-          <a:bodyPr/>
-          <a:lstStyle/>
-          <a:p>
-            <a:r>
-              <a:rPr lang="en-CH" dirty="0"/>
-              <a:t>ESP32 Application</a:t>
-            </a:r>
-          </a:p>
-        </p:txBody>
-      </p:sp>
     </p:spTree>
     <p:extLst>
       <p:ext uri="{BB962C8B-B14F-4D97-AF65-F5344CB8AC3E}">
-        <p14:creationId xmlns:p14="http://schemas.microsoft.com/office/powerpoint/2010/main" val="321649863"/>
+        <p14:creationId xmlns:p14="http://schemas.microsoft.com/office/powerpoint/2010/main" val="2175117835"/>
       </p:ext>
     </p:extLst>
   </p:cSld>

--- a/doc/presentation.pptx
+++ b/doc/presentation.pptx
@@ -18318,13 +18318,13 @@
               </a:ext>
             </a:extLst>
           </a:blip>
-          <a:srcRect l="183" r="58104"/>
+          <a:srcRect l="4778" t="8605" r="57795" b="-8575"/>
           <a:stretch/>
         </p:blipFill>
         <p:spPr>
           <a:xfrm>
-            <a:off x="-4762" y="0"/>
-            <a:ext cx="4303712" cy="5145088"/>
+            <a:off x="-3602" y="-6"/>
+            <a:ext cx="4302000" cy="6408000"/>
           </a:xfrm>
         </p:spPr>
       </p:pic>

--- a/doc/presentation.pptx
+++ b/doc/presentation.pptx
@@ -229,7 +229,7 @@
           <a:p>
             <a:fld id="{FD8B9E88-11D9-4CF2-9006-FB7E61EB12D3}" type="datetimeFigureOut">
               <a:rPr lang="de-CH" smtClean="0"/>
-              <a:t>06.01.21</a:t>
+              <a:t>07.01.2021</a:t>
             </a:fld>
             <a:endParaRPr lang="de-CH"/>
           </a:p>
@@ -295,7 +295,7 @@
           <a:p>
             <a:fld id="{2654C08F-5C88-4081-B486-8E61B3DA56B3}" type="slidenum">
               <a:rPr lang="de-CH" smtClean="0"/>
-              <a:t>‹#›</a:t>
+              <a:t>‹Nr.›</a:t>
             </a:fld>
             <a:endParaRPr lang="de-CH"/>
           </a:p>
@@ -394,7 +394,7 @@
           <a:p>
             <a:fld id="{26FCBF76-4842-428B-B9BC-895BFCC1E707}" type="datetimeFigureOut">
               <a:rPr lang="de-CH" smtClean="0"/>
-              <a:t>06.01.21</a:t>
+              <a:t>07.01.2021</a:t>
             </a:fld>
             <a:endParaRPr lang="de-CH"/>
           </a:p>
@@ -553,7 +553,7 @@
           <a:p>
             <a:fld id="{08563647-1664-4460-855C-29C43A086786}" type="slidenum">
               <a:rPr lang="de-CH" smtClean="0"/>
-              <a:t>‹#›</a:t>
+              <a:t>‹Nr.›</a:t>
             </a:fld>
             <a:endParaRPr lang="de-CH"/>
           </a:p>
@@ -2647,7 +2647,7 @@
             <a:fld id="{35052C29-CE5B-4965-8C8E-B011681D2A77}" type="slidenum">
               <a:rPr lang="de-CH" smtClean="0"/>
               <a:pPr/>
-              <a:t>‹#›</a:t>
+              <a:t>‹Nr.›</a:t>
             </a:fld>
             <a:endParaRPr lang="de-CH" dirty="0"/>
           </a:p>
@@ -2778,7 +2778,7 @@
             <a:fld id="{35052C29-CE5B-4965-8C8E-B011681D2A77}" type="slidenum">
               <a:rPr lang="de-CH" smtClean="0"/>
               <a:pPr/>
-              <a:t>‹#›</a:t>
+              <a:t>‹Nr.›</a:t>
             </a:fld>
             <a:endParaRPr lang="de-CH" dirty="0"/>
           </a:p>
@@ -3014,7 +3014,7 @@
             <a:fld id="{35052C29-CE5B-4965-8C8E-B011681D2A77}" type="slidenum">
               <a:rPr lang="de-CH" smtClean="0"/>
               <a:pPr/>
-              <a:t>‹#›</a:t>
+              <a:t>‹Nr.›</a:t>
             </a:fld>
             <a:endParaRPr lang="de-CH" dirty="0"/>
           </a:p>
@@ -3388,7 +3388,7 @@
             <a:fld id="{35052C29-CE5B-4965-8C8E-B011681D2A77}" type="slidenum">
               <a:rPr lang="de-CH" smtClean="0"/>
               <a:pPr/>
-              <a:t>‹#›</a:t>
+              <a:t>‹Nr.›</a:t>
             </a:fld>
             <a:endParaRPr lang="de-CH" dirty="0"/>
           </a:p>
@@ -3554,7 +3554,7 @@
             <a:fld id="{35052C29-CE5B-4965-8C8E-B011681D2A77}" type="slidenum">
               <a:rPr lang="de-CH" smtClean="0"/>
               <a:pPr/>
-              <a:t>‹#›</a:t>
+              <a:t>‹Nr.›</a:t>
             </a:fld>
             <a:endParaRPr lang="de-CH" dirty="0"/>
           </a:p>
@@ -3724,7 +3724,7 @@
             <a:fld id="{35052C29-CE5B-4965-8C8E-B011681D2A77}" type="slidenum">
               <a:rPr lang="de-CH" smtClean="0"/>
               <a:pPr/>
-              <a:t>‹#›</a:t>
+              <a:t>‹Nr.›</a:t>
             </a:fld>
             <a:endParaRPr lang="de-CH" dirty="0"/>
           </a:p>
@@ -3929,7 +3929,7 @@
             <a:fld id="{35052C29-CE5B-4965-8C8E-B011681D2A77}" type="slidenum">
               <a:rPr lang="de-CH" smtClean="0"/>
               <a:pPr/>
-              <a:t>‹#›</a:t>
+              <a:t>‹Nr.›</a:t>
             </a:fld>
             <a:endParaRPr lang="de-CH" dirty="0"/>
           </a:p>
@@ -4435,7 +4435,7 @@
             <a:fld id="{35052C29-CE5B-4965-8C8E-B011681D2A77}" type="slidenum">
               <a:rPr lang="de-CH" smtClean="0"/>
               <a:pPr/>
-              <a:t>‹#›</a:t>
+              <a:t>‹Nr.›</a:t>
             </a:fld>
             <a:endParaRPr lang="de-CH" dirty="0"/>
           </a:p>
@@ -4938,7 +4938,7 @@
             <a:fld id="{35052C29-CE5B-4965-8C8E-B011681D2A77}" type="slidenum">
               <a:rPr lang="de-CH" smtClean="0"/>
               <a:pPr/>
-              <a:t>‹#›</a:t>
+              <a:t>‹Nr.›</a:t>
             </a:fld>
             <a:endParaRPr lang="de-CH" dirty="0"/>
           </a:p>
@@ -5634,7 +5634,7 @@
             <a:fld id="{35052C29-CE5B-4965-8C8E-B011681D2A77}" type="slidenum">
               <a:rPr lang="de-CH" smtClean="0"/>
               <a:pPr/>
-              <a:t>‹#›</a:t>
+              <a:t>‹Nr.›</a:t>
             </a:fld>
             <a:endParaRPr lang="de-CH" dirty="0"/>
           </a:p>
@@ -6314,7 +6314,7 @@
             <a:fld id="{35052C29-CE5B-4965-8C8E-B011681D2A77}" type="slidenum">
               <a:rPr lang="de-CH" smtClean="0"/>
               <a:pPr/>
-              <a:t>‹#›</a:t>
+              <a:t>‹Nr.›</a:t>
             </a:fld>
             <a:endParaRPr lang="de-CH" dirty="0"/>
           </a:p>
@@ -7653,7 +7653,7 @@
             <a:fld id="{35052C29-CE5B-4965-8C8E-B011681D2A77}" type="slidenum">
               <a:rPr lang="de-CH" smtClean="0"/>
               <a:pPr/>
-              <a:t>‹#›</a:t>
+              <a:t>‹Nr.›</a:t>
             </a:fld>
             <a:endParaRPr lang="de-CH" dirty="0"/>
           </a:p>
@@ -8010,7 +8010,7 @@
             <a:fld id="{35052C29-CE5B-4965-8C8E-B011681D2A77}" type="slidenum">
               <a:rPr lang="de-CH" smtClean="0"/>
               <a:pPr/>
-              <a:t>‹#›</a:t>
+              <a:t>‹Nr.›</a:t>
             </a:fld>
             <a:endParaRPr lang="de-CH" dirty="0"/>
           </a:p>
@@ -8290,7 +8290,7 @@
             <a:fld id="{35052C29-CE5B-4965-8C8E-B011681D2A77}" type="slidenum">
               <a:rPr lang="de-CH" smtClean="0"/>
               <a:pPr/>
-              <a:t>‹#›</a:t>
+              <a:t>‹Nr.›</a:t>
             </a:fld>
             <a:endParaRPr lang="de-CH" dirty="0"/>
           </a:p>
@@ -8593,7 +8593,7 @@
             <a:fld id="{35052C29-CE5B-4965-8C8E-B011681D2A77}" type="slidenum">
               <a:rPr lang="de-CH" smtClean="0"/>
               <a:pPr/>
-              <a:t>‹#›</a:t>
+              <a:t>‹Nr.›</a:t>
             </a:fld>
             <a:endParaRPr lang="de-CH" dirty="0"/>
           </a:p>
@@ -8886,7 +8886,7 @@
             <a:fld id="{35052C29-CE5B-4965-8C8E-B011681D2A77}" type="slidenum">
               <a:rPr lang="de-CH" smtClean="0"/>
               <a:pPr/>
-              <a:t>‹#›</a:t>
+              <a:t>‹Nr.›</a:t>
             </a:fld>
             <a:endParaRPr lang="de-CH" dirty="0"/>
           </a:p>
@@ -9191,7 +9191,7 @@
             <a:fld id="{35052C29-CE5B-4965-8C8E-B011681D2A77}" type="slidenum">
               <a:rPr lang="de-CH" smtClean="0"/>
               <a:pPr/>
-              <a:t>‹#›</a:t>
+              <a:t>‹Nr.›</a:t>
             </a:fld>
             <a:endParaRPr lang="de-CH" dirty="0"/>
           </a:p>
@@ -9378,7 +9378,7 @@
             <a:fld id="{35052C29-CE5B-4965-8C8E-B011681D2A77}" type="slidenum">
               <a:rPr lang="de-CH" smtClean="0"/>
               <a:pPr/>
-              <a:t>‹#›</a:t>
+              <a:t>‹Nr.›</a:t>
             </a:fld>
             <a:endParaRPr lang="de-CH" dirty="0"/>
           </a:p>
@@ -10418,7 +10418,7 @@
             <a:fld id="{35052C29-CE5B-4965-8C8E-B011681D2A77}" type="slidenum">
               <a:rPr lang="de-CH" smtClean="0"/>
               <a:pPr/>
-              <a:t>‹#›</a:t>
+              <a:t>‹Nr.›</a:t>
             </a:fld>
             <a:endParaRPr lang="de-CH" dirty="0"/>
           </a:p>
@@ -10797,7 +10797,7 @@
             <a:fld id="{35052C29-CE5B-4965-8C8E-B011681D2A77}" type="slidenum">
               <a:rPr lang="de-CH" smtClean="0"/>
               <a:pPr/>
-              <a:t>‹#›</a:t>
+              <a:t>‹Nr.›</a:t>
             </a:fld>
             <a:endParaRPr lang="de-CH" dirty="0"/>
           </a:p>
@@ -11321,7 +11321,7 @@
             <a:fld id="{35052C29-CE5B-4965-8C8E-B011681D2A77}" type="slidenum">
               <a:rPr lang="de-CH" smtClean="0"/>
               <a:pPr/>
-              <a:t>‹#›</a:t>
+              <a:t>‹Nr.›</a:t>
             </a:fld>
             <a:endParaRPr lang="de-CH" dirty="0"/>
           </a:p>
@@ -11645,7 +11645,7 @@
             <a:fld id="{35052C29-CE5B-4965-8C8E-B011681D2A77}" type="slidenum">
               <a:rPr lang="de-CH" smtClean="0"/>
               <a:pPr/>
-              <a:t>‹#›</a:t>
+              <a:t>‹Nr.›</a:t>
             </a:fld>
             <a:endParaRPr lang="de-CH" dirty="0"/>
           </a:p>
@@ -11939,7 +11939,7 @@
             <a:fld id="{35052C29-CE5B-4965-8C8E-B011681D2A77}" type="slidenum">
               <a:rPr lang="de-CH" smtClean="0"/>
               <a:pPr/>
-              <a:t>‹#›</a:t>
+              <a:t>‹Nr.›</a:t>
             </a:fld>
             <a:endParaRPr lang="de-CH" dirty="0"/>
           </a:p>
@@ -13755,7 +13755,7 @@
             <a:fld id="{35052C29-CE5B-4965-8C8E-B011681D2A77}" type="slidenum">
               <a:rPr lang="de-CH" smtClean="0"/>
               <a:pPr/>
-              <a:t>‹#›</a:t>
+              <a:t>‹Nr.›</a:t>
             </a:fld>
             <a:endParaRPr lang="de-CH" dirty="0"/>
           </a:p>
@@ -15347,7 +15347,7 @@
             <a:fld id="{35052C29-CE5B-4965-8C8E-B011681D2A77}" type="slidenum">
               <a:rPr lang="de-CH" smtClean="0"/>
               <a:pPr/>
-              <a:t>‹#›</a:t>
+              <a:t>‹Nr.›</a:t>
             </a:fld>
             <a:endParaRPr lang="de-CH" dirty="0"/>
           </a:p>
@@ -15671,7 +15671,7 @@
             <a:fld id="{35052C29-CE5B-4965-8C8E-B011681D2A77}" type="slidenum">
               <a:rPr lang="de-CH" smtClean="0"/>
               <a:pPr/>
-              <a:t>‹#›</a:t>
+              <a:t>‹Nr.›</a:t>
             </a:fld>
             <a:endParaRPr lang="de-CH" dirty="0"/>
           </a:p>
@@ -16498,7 +16498,11 @@
             </a:pPr>
             <a:r>
               <a:rPr lang="en-CH" dirty="0"/>
-              <a:t>Implemented in Python</a:t>
+              <a:t>Implemented in</a:t>
+            </a:r>
+            <a:r>
+              <a:rPr lang="de-CH" dirty="0"/>
+              <a:t> .NET Core</a:t>
             </a:r>
           </a:p>
           <a:p>
@@ -16507,13 +16511,30 @@
               <a:buChar char="•"/>
             </a:pPr>
             <a:r>
-              <a:rPr lang="en-GB" dirty="0"/>
-              <a:t>S</a:t>
-            </a:r>
-            <a:r>
-              <a:rPr lang="en-CH" dirty="0"/>
-              <a:t>ends email if threshold is exceeded</a:t>
-            </a:r>
+              <a:rPr lang="de-CH" dirty="0" err="1"/>
+              <a:t>Receives</a:t>
+            </a:r>
+            <a:r>
+              <a:rPr lang="de-CH" dirty="0"/>
+              <a:t> TCP </a:t>
+            </a:r>
+            <a:r>
+              <a:rPr lang="de-CH" dirty="0" err="1"/>
+              <a:t>packages</a:t>
+            </a:r>
+            <a:r>
+              <a:rPr lang="de-CH" dirty="0"/>
+              <a:t> </a:t>
+            </a:r>
+            <a:r>
+              <a:rPr lang="de-CH" dirty="0" err="1"/>
+              <a:t>from</a:t>
+            </a:r>
+            <a:r>
+              <a:rPr lang="de-CH" dirty="0"/>
+              <a:t> ESP32</a:t>
+            </a:r>
+            <a:endParaRPr lang="en-CH" dirty="0"/>
           </a:p>
           <a:p>
             <a:pPr marL="285750" indent="-285750">
@@ -16521,8 +16542,12 @@
               <a:buChar char="•"/>
             </a:pPr>
             <a:r>
+              <a:rPr lang="en-GB" dirty="0"/>
+              <a:t>S</a:t>
+            </a:r>
+            <a:r>
               <a:rPr lang="en-CH" dirty="0"/>
-              <a:t>blabla</a:t>
+              <a:t>ends email if threshold is exceeded</a:t>
             </a:r>
           </a:p>
         </p:txBody>
@@ -16615,24 +16640,37 @@
           </a:p>
         </p:txBody>
       </p:sp>
-      <p:sp>
-        <p:nvSpPr>
-          <p:cNvPr id="3" name="Picture Placeholder 2">
+      <p:pic>
+        <p:nvPicPr>
+          <p:cNvPr id="9" name="Bildplatzhalter 8">
             <a:extLst>
               <a:ext uri="{FF2B5EF4-FFF2-40B4-BE49-F238E27FC236}">
-                <a16:creationId xmlns:a16="http://schemas.microsoft.com/office/drawing/2014/main" id="{49270E32-D3B2-9E4D-AC1F-37827FA31709}"/>
+                <a16:creationId xmlns:a16="http://schemas.microsoft.com/office/drawing/2014/main" id="{82FA9768-FC19-4B86-BD89-638EED0E915F}"/>
               </a:ext>
             </a:extLst>
           </p:cNvPr>
-          <p:cNvSpPr>
-            <a:spLocks noGrp="1"/>
-          </p:cNvSpPr>
+          <p:cNvPicPr>
+            <a:picLocks noGrp="1" noChangeAspect="1"/>
+          </p:cNvPicPr>
           <p:nvPr>
             <p:ph type="pic" sz="quarter" idx="11"/>
           </p:nvPr>
-        </p:nvSpPr>
+        </p:nvPicPr>
+        <p:blipFill>
+          <a:blip r:embed="rId2">
+            <a:extLst>
+              <a:ext uri="{28A0092B-C50C-407E-A947-70E740481C1C}">
+                <a14:useLocalDpi xmlns:a14="http://schemas.microsoft.com/office/drawing/2010/main" val="0"/>
+              </a:ext>
+            </a:extLst>
+          </a:blip>
+          <a:srcRect l="19068" r="19068"/>
+          <a:stretch>
+            <a:fillRect/>
+          </a:stretch>
+        </p:blipFill>
         <p:spPr/>
-      </p:sp>
+      </p:pic>
       <p:sp>
         <p:nvSpPr>
           <p:cNvPr id="4" name="Text Placeholder 3">
@@ -16664,8 +16702,45 @@
             </a:r>
             <a:r>
               <a:rPr lang="en-CH" dirty="0"/>
-              <a:t>hows latest logged measures</a:t>
-            </a:r>
+              <a:t>hows </a:t>
+            </a:r>
+            <a:r>
+              <a:rPr lang="de-CH" dirty="0" err="1"/>
+              <a:t>whole</a:t>
+            </a:r>
+            <a:r>
+              <a:rPr lang="de-CH" dirty="0"/>
+              <a:t> </a:t>
+            </a:r>
+            <a:r>
+              <a:rPr lang="de-CH" dirty="0" err="1"/>
+              <a:t>measurement</a:t>
+            </a:r>
+            <a:r>
+              <a:rPr lang="de-CH" dirty="0"/>
+              <a:t> </a:t>
+            </a:r>
+            <a:r>
+              <a:rPr lang="de-CH" dirty="0" err="1"/>
+              <a:t>history</a:t>
+            </a:r>
+            <a:r>
+              <a:rPr lang="de-CH" dirty="0"/>
+              <a:t> and last 24h </a:t>
+            </a:r>
+            <a:r>
+              <a:rPr lang="de-CH" dirty="0" err="1"/>
+              <a:t>history</a:t>
+            </a:r>
+            <a:r>
+              <a:rPr lang="de-CH" dirty="0"/>
+              <a:t> in a </a:t>
+            </a:r>
+            <a:r>
+              <a:rPr lang="de-CH" dirty="0" err="1"/>
+              <a:t>chart</a:t>
+            </a:r>
+            <a:endParaRPr lang="en-CH" dirty="0"/>
           </a:p>
           <a:p>
             <a:pPr marL="285750" indent="-285750">
@@ -16678,7 +16753,55 @@
             </a:r>
             <a:r>
               <a:rPr lang="en-CH" dirty="0"/>
-              <a:t>mplemented in angular</a:t>
+              <a:t>mplemented in </a:t>
+            </a:r>
+            <a:r>
+              <a:rPr lang="de-CH" dirty="0"/>
+              <a:t>ASP.NET Core</a:t>
+            </a:r>
+          </a:p>
+          <a:p>
+            <a:pPr marL="285750" indent="-285750">
+              <a:buFont typeface="Arial" panose="020B0604020202020204" pitchFamily="34" charset="0"/>
+              <a:buChar char="•"/>
+            </a:pPr>
+            <a:r>
+              <a:rPr lang="de-CH" dirty="0" err="1"/>
+              <a:t>Hosted</a:t>
+            </a:r>
+            <a:r>
+              <a:rPr lang="de-CH" dirty="0"/>
+              <a:t> on Raspberry Pi 0 W</a:t>
+            </a:r>
+          </a:p>
+          <a:p>
+            <a:pPr marL="285750" indent="-285750">
+              <a:buFont typeface="Arial" panose="020B0604020202020204" pitchFamily="34" charset="0"/>
+              <a:buChar char="•"/>
+            </a:pPr>
+            <a:r>
+              <a:rPr lang="de-CH" dirty="0" err="1"/>
+              <a:t>Buildable</a:t>
+            </a:r>
+            <a:r>
+              <a:rPr lang="de-CH" dirty="0"/>
+              <a:t> </a:t>
+            </a:r>
+            <a:r>
+              <a:rPr lang="de-CH" dirty="0" err="1"/>
+              <a:t>for</a:t>
+            </a:r>
+            <a:r>
+              <a:rPr lang="de-CH" dirty="0"/>
+              <a:t> all </a:t>
+            </a:r>
+            <a:r>
+              <a:rPr lang="de-CH" dirty="0" err="1"/>
+              <a:t>plattforms</a:t>
+            </a:r>
+            <a:r>
+              <a:rPr lang="de-CH" dirty="0"/>
+              <a:t> (inclusive Linux)</a:t>
             </a:r>
           </a:p>
         </p:txBody>
@@ -16858,6 +16981,18 @@
               <a:rPr lang="en-CH" dirty="0"/>
               <a:t>Typescript</a:t>
             </a:r>
+            <a:endParaRPr lang="de-CH" dirty="0"/>
+          </a:p>
+          <a:p>
+            <a:pPr marL="285750" indent="-285750">
+              <a:buFont typeface="Arial" panose="020B0604020202020204" pitchFamily="34" charset="0"/>
+              <a:buChar char="•"/>
+            </a:pPr>
+            <a:r>
+              <a:rPr lang="de-CH" dirty="0"/>
+              <a:t>C#</a:t>
+            </a:r>
+            <a:endParaRPr lang="en-CH" dirty="0"/>
           </a:p>
         </p:txBody>
       </p:sp>
@@ -16907,9 +17042,20 @@
               <a:buChar char="•"/>
             </a:pPr>
             <a:r>
-              <a:rPr lang="en-CH" dirty="0"/>
-              <a:t>Angular</a:t>
-            </a:r>
+              <a:rPr lang="de-CH" dirty="0"/>
+              <a:t>.NET Core</a:t>
+            </a:r>
+          </a:p>
+          <a:p>
+            <a:pPr marL="285750" indent="-285750">
+              <a:buFont typeface="Arial" panose="020B0604020202020204" pitchFamily="34" charset="0"/>
+              <a:buChar char="•"/>
+            </a:pPr>
+            <a:r>
+              <a:rPr lang="de-CH" dirty="0"/>
+              <a:t>ASP.NET Core</a:t>
+            </a:r>
+            <a:endParaRPr lang="en-CH" dirty="0"/>
           </a:p>
         </p:txBody>
       </p:sp>
@@ -17938,7 +18084,7 @@
           </p:nvPr>
         </p:nvPicPr>
         <p:blipFill>
-          <a:blip r:embed="rId2">
+          <a:blip r:embed="rId2" cstate="print">
             <a:extLst>
               <a:ext uri="{28A0092B-C50C-407E-A947-70E740481C1C}">
                 <a14:useLocalDpi xmlns:a14="http://schemas.microsoft.com/office/drawing/2010/main" val="0"/>
@@ -18057,7 +18203,7 @@
           </p:nvPr>
         </p:nvPicPr>
         <p:blipFill rotWithShape="1">
-          <a:blip r:embed="rId3">
+          <a:blip r:embed="rId3" cstate="print">
             <a:extLst>
               <a:ext uri="{28A0092B-C50C-407E-A947-70E740481C1C}">
                 <a14:useLocalDpi xmlns:a14="http://schemas.microsoft.com/office/drawing/2010/main" val="0"/>

--- a/doc/presentation.pptx
+++ b/doc/presentation.pptx
@@ -5,30 +5,28 @@
     <p:sldMasterId id="2147483695" r:id="rId1"/>
   </p:sldMasterIdLst>
   <p:notesMasterIdLst>
-    <p:notesMasterId r:id="rId15"/>
+    <p:notesMasterId r:id="rId13"/>
   </p:notesMasterIdLst>
   <p:handoutMasterIdLst>
-    <p:handoutMasterId r:id="rId16"/>
+    <p:handoutMasterId r:id="rId14"/>
   </p:handoutMasterIdLst>
   <p:sldIdLst>
     <p:sldId id="257" r:id="rId2"/>
-    <p:sldId id="268" r:id="rId3"/>
+    <p:sldId id="272" r:id="rId3"/>
     <p:sldId id="269" r:id="rId4"/>
-    <p:sldId id="258" r:id="rId5"/>
-    <p:sldId id="270" r:id="rId6"/>
-    <p:sldId id="261" r:id="rId7"/>
-    <p:sldId id="267" r:id="rId8"/>
-    <p:sldId id="262" r:id="rId9"/>
-    <p:sldId id="263" r:id="rId10"/>
-    <p:sldId id="264" r:id="rId11"/>
-    <p:sldId id="265" r:id="rId12"/>
-    <p:sldId id="266" r:id="rId13"/>
-    <p:sldId id="260" r:id="rId14"/>
+    <p:sldId id="270" r:id="rId5"/>
+    <p:sldId id="261" r:id="rId6"/>
+    <p:sldId id="267" r:id="rId7"/>
+    <p:sldId id="262" r:id="rId8"/>
+    <p:sldId id="263" r:id="rId9"/>
+    <p:sldId id="264" r:id="rId10"/>
+    <p:sldId id="265" r:id="rId11"/>
+    <p:sldId id="260" r:id="rId12"/>
   </p:sldIdLst>
   <p:sldSz cx="9147175" cy="5145088"/>
   <p:notesSz cx="6797675" cy="9926638"/>
   <p:custDataLst>
-    <p:tags r:id="rId17"/>
+    <p:tags r:id="rId15"/>
   </p:custDataLst>
   <p:defaultTextStyle>
     <a:defPPr>
@@ -811,7 +809,7 @@
           <a:p>
             <a:fld id="{08563647-1664-4460-855C-29C43A086786}" type="slidenum">
               <a:rPr lang="de-CH" smtClean="0"/>
-              <a:t>4</a:t>
+              <a:t>2</a:t>
             </a:fld>
             <a:endParaRPr lang="de-CH"/>
           </a:p>
@@ -820,7 +818,7 @@
     </p:spTree>
     <p:extLst>
       <p:ext uri="{BB962C8B-B14F-4D97-AF65-F5344CB8AC3E}">
-        <p14:creationId xmlns:p14="http://schemas.microsoft.com/office/powerpoint/2010/main" val="3685726143"/>
+        <p14:creationId xmlns:p14="http://schemas.microsoft.com/office/powerpoint/2010/main" val="440531463"/>
       </p:ext>
     </p:extLst>
   </p:cSld>
@@ -874,7 +872,7 @@
           <a:bodyPr/>
           <a:lstStyle/>
           <a:p>
-            <a:endParaRPr lang="en-CH" dirty="0"/>
+            <a:endParaRPr lang="aa-ET" dirty="0"/>
           </a:p>
         </p:txBody>
       </p:sp>
@@ -895,7 +893,7 @@
           <a:p>
             <a:fld id="{08563647-1664-4460-855C-29C43A086786}" type="slidenum">
               <a:rPr lang="de-CH" smtClean="0"/>
-              <a:t>8</a:t>
+              <a:t>7</a:t>
             </a:fld>
             <a:endParaRPr lang="de-CH"/>
           </a:p>
@@ -958,7 +956,7 @@
           <a:bodyPr/>
           <a:lstStyle/>
           <a:p>
-            <a:endParaRPr lang="en-CH" dirty="0"/>
+            <a:endParaRPr lang="aa-ET" dirty="0"/>
           </a:p>
         </p:txBody>
       </p:sp>
@@ -979,7 +977,7 @@
           <a:p>
             <a:fld id="{08563647-1664-4460-855C-29C43A086786}" type="slidenum">
               <a:rPr lang="de-CH" smtClean="0"/>
-              <a:t>9</a:t>
+              <a:t>8</a:t>
             </a:fld>
             <a:endParaRPr lang="de-CH"/>
           </a:p>
@@ -1063,7 +1061,7 @@
           <a:p>
             <a:fld id="{08563647-1664-4460-855C-29C43A086786}" type="slidenum">
               <a:rPr lang="de-CH" smtClean="0"/>
-              <a:t>13</a:t>
+              <a:t>11</a:t>
             </a:fld>
             <a:endParaRPr lang="de-CH"/>
           </a:p>
@@ -6179,7 +6177,7 @@
           <p:cNvPr id="3" name="Picture Placeholder 2">
             <a:extLst>
               <a:ext uri="{FF2B5EF4-FFF2-40B4-BE49-F238E27FC236}">
-                <a16:creationId xmlns:a16="http://schemas.microsoft.com/office/drawing/2014/main" id="{E39FF52A-9417-B348-A7BA-C932EC279FA8}"/>
+                <a16:creationId xmlns="" xmlns:a16="http://schemas.microsoft.com/office/drawing/2014/main" id="{E39FF52A-9417-B348-A7BA-C932EC279FA8}"/>
               </a:ext>
             </a:extLst>
           </p:cNvPr>
@@ -10749,7 +10747,7 @@
           <p:cNvPr id="2" name="Title 1">
             <a:extLst>
               <a:ext uri="{FF2B5EF4-FFF2-40B4-BE49-F238E27FC236}">
-                <a16:creationId xmlns:a16="http://schemas.microsoft.com/office/drawing/2014/main" id="{0651CC74-7277-408E-A1B6-10536502E577}"/>
+                <a16:creationId xmlns="" xmlns:a16="http://schemas.microsoft.com/office/drawing/2014/main" id="{0651CC74-7277-408E-A1B6-10536502E577}"/>
               </a:ext>
             </a:extLst>
           </p:cNvPr>
@@ -10778,7 +10776,7 @@
           <p:cNvPr id="3" name="Slide Number Placeholder 2">
             <a:extLst>
               <a:ext uri="{FF2B5EF4-FFF2-40B4-BE49-F238E27FC236}">
-                <a16:creationId xmlns:a16="http://schemas.microsoft.com/office/drawing/2014/main" id="{DD8E39A6-4146-45B5-935E-BF4F490A187B}"/>
+                <a16:creationId xmlns="" xmlns:a16="http://schemas.microsoft.com/office/drawing/2014/main" id="{DD8E39A6-4146-45B5-935E-BF4F490A187B}"/>
               </a:ext>
             </a:extLst>
           </p:cNvPr>
@@ -15718,7 +15716,7 @@
           <p:cNvPr id="4" name="empower - DO NOT DELETE!!!" hidden="1">
             <a:extLst>
               <a:ext uri="{FF2B5EF4-FFF2-40B4-BE49-F238E27FC236}">
-                <a16:creationId xmlns:a16="http://schemas.microsoft.com/office/drawing/2014/main" id="{7F46576E-74F6-450E-989E-40015FDF4796}"/>
+                <a16:creationId xmlns="" xmlns:a16="http://schemas.microsoft.com/office/drawing/2014/main" id="{7F46576E-74F6-450E-989E-40015FDF4796}"/>
               </a:ext>
             </a:extLst>
           </p:cNvPr>
@@ -16144,7 +16142,7 @@
           <p:cNvPr id="1028" name="Picture 4">
             <a:extLst>
               <a:ext uri="{FF2B5EF4-FFF2-40B4-BE49-F238E27FC236}">
-                <a16:creationId xmlns:a16="http://schemas.microsoft.com/office/drawing/2014/main" id="{060018F8-5BA3-2547-9078-BE757BE0275C}"/>
+                <a16:creationId xmlns="" xmlns:a16="http://schemas.microsoft.com/office/drawing/2014/main" id="{060018F8-5BA3-2547-9078-BE757BE0275C}"/>
               </a:ext>
             </a:extLst>
           </p:cNvPr>
@@ -16189,7 +16187,7 @@
           <p:cNvPr id="4" name="Title 3">
             <a:extLst>
               <a:ext uri="{FF2B5EF4-FFF2-40B4-BE49-F238E27FC236}">
-                <a16:creationId xmlns:a16="http://schemas.microsoft.com/office/drawing/2014/main" id="{B0AC8D1B-02BC-40C1-8C91-F45897FDFFCB}"/>
+                <a16:creationId xmlns="" xmlns:a16="http://schemas.microsoft.com/office/drawing/2014/main" id="{B0AC8D1B-02BC-40C1-8C91-F45897FDFFCB}"/>
               </a:ext>
             </a:extLst>
           </p:cNvPr>
@@ -16347,7 +16345,23 @@
                   <a:schemeClr val="lt1"/>
                 </a:solidFill>
               </a:rPr>
-              <a:t> Alexandar, </a:t>
+              <a:t> </a:t>
+            </a:r>
+            <a:r>
+              <a:rPr lang="de-CH" sz="1000" dirty="0" smtClean="0">
+                <a:solidFill>
+                  <a:schemeClr val="lt1"/>
+                </a:solidFill>
+              </a:rPr>
+              <a:t>Aleksandar</a:t>
+            </a:r>
+            <a:r>
+              <a:rPr lang="de-CH" sz="1000" dirty="0">
+                <a:solidFill>
+                  <a:schemeClr val="lt1"/>
+                </a:solidFill>
+              </a:rPr>
+              <a:t>, </a:t>
             </a:r>
             <a:r>
               <a:rPr lang="de-CH" sz="1000" dirty="0" err="1">
@@ -16403,6 +16417,13 @@
     <a:masterClrMapping/>
   </p:clrMapOvr>
   <p:transition spd="slow"/>
+  <p:timing>
+    <p:tnLst>
+      <p:par>
+        <p:cTn id="1" dur="indefinite" restart="never" nodeType="tmRoot"/>
+      </p:par>
+    </p:tnLst>
+  </p:timing>
 </p:sld>
 </file>
 
@@ -16428,7 +16449,7 @@
           <p:cNvPr id="2" name="Slide Number Placeholder 1">
             <a:extLst>
               <a:ext uri="{FF2B5EF4-FFF2-40B4-BE49-F238E27FC236}">
-                <a16:creationId xmlns:a16="http://schemas.microsoft.com/office/drawing/2014/main" id="{4631623E-3887-4641-BFA2-23E27942F318}"/>
+                <a16:creationId xmlns="" xmlns:a16="http://schemas.microsoft.com/office/drawing/2014/main" id="{645F98D6-6107-CB4C-B76F-D2F098616308}"/>
               </a:ext>
             </a:extLst>
           </p:cNvPr>
@@ -16453,30 +16474,43 @@
           </a:p>
         </p:txBody>
       </p:sp>
-      <p:sp>
-        <p:nvSpPr>
-          <p:cNvPr id="3" name="Picture Placeholder 2">
+      <p:pic>
+        <p:nvPicPr>
+          <p:cNvPr id="9" name="Bildplatzhalter 8">
             <a:extLst>
               <a:ext uri="{FF2B5EF4-FFF2-40B4-BE49-F238E27FC236}">
-                <a16:creationId xmlns:a16="http://schemas.microsoft.com/office/drawing/2014/main" id="{0B90880E-AA3A-0D4C-844A-13394ADEA08E}"/>
+                <a16:creationId xmlns="" xmlns:a16="http://schemas.microsoft.com/office/drawing/2014/main" id="{82FA9768-FC19-4B86-BD89-638EED0E915F}"/>
               </a:ext>
             </a:extLst>
           </p:cNvPr>
-          <p:cNvSpPr>
-            <a:spLocks noGrp="1"/>
-          </p:cNvSpPr>
+          <p:cNvPicPr>
+            <a:picLocks noGrp="1" noChangeAspect="1"/>
+          </p:cNvPicPr>
           <p:nvPr>
             <p:ph type="pic" sz="quarter" idx="11"/>
           </p:nvPr>
-        </p:nvSpPr>
+        </p:nvPicPr>
+        <p:blipFill>
+          <a:blip r:embed="rId2">
+            <a:extLst>
+              <a:ext uri="{28A0092B-C50C-407E-A947-70E740481C1C}">
+                <a14:useLocalDpi xmlns:a14="http://schemas.microsoft.com/office/drawing/2010/main" val="0"/>
+              </a:ext>
+            </a:extLst>
+          </a:blip>
+          <a:srcRect l="19068" r="19068"/>
+          <a:stretch>
+            <a:fillRect/>
+          </a:stretch>
+        </p:blipFill>
         <p:spPr/>
-      </p:sp>
+      </p:pic>
       <p:sp>
         <p:nvSpPr>
           <p:cNvPr id="4" name="Text Placeholder 3">
             <a:extLst>
               <a:ext uri="{FF2B5EF4-FFF2-40B4-BE49-F238E27FC236}">
-                <a16:creationId xmlns:a16="http://schemas.microsoft.com/office/drawing/2014/main" id="{213FF006-CD16-F148-A4A8-7AEF056AAE4D}"/>
+                <a16:creationId xmlns="" xmlns:a16="http://schemas.microsoft.com/office/drawing/2014/main" id="{6786A87D-21E5-2D4A-B421-3D62B6BAF28F}"/>
               </a:ext>
             </a:extLst>
           </p:cNvPr>
@@ -16497,13 +16531,50 @@
               <a:buChar char="•"/>
             </a:pPr>
             <a:r>
-              <a:rPr lang="en-CH" dirty="0"/>
-              <a:t>Implemented in</a:t>
+              <a:rPr lang="en-GB" dirty="0"/>
+              <a:t>S</a:t>
+            </a:r>
+            <a:r>
+              <a:rPr lang="aa-ET" dirty="0"/>
+              <a:t>hows </a:t>
+            </a:r>
+            <a:r>
+              <a:rPr lang="de-CH" dirty="0" err="1"/>
+              <a:t>whole</a:t>
             </a:r>
             <a:r>
               <a:rPr lang="de-CH" dirty="0"/>
-              <a:t> .NET Core</a:t>
-            </a:r>
+              <a:t> </a:t>
+            </a:r>
+            <a:r>
+              <a:rPr lang="de-CH" dirty="0" err="1"/>
+              <a:t>measurement</a:t>
+            </a:r>
+            <a:r>
+              <a:rPr lang="de-CH" dirty="0"/>
+              <a:t> </a:t>
+            </a:r>
+            <a:r>
+              <a:rPr lang="de-CH" dirty="0" err="1"/>
+              <a:t>history</a:t>
+            </a:r>
+            <a:r>
+              <a:rPr lang="de-CH" dirty="0"/>
+              <a:t> and last 24h </a:t>
+            </a:r>
+            <a:r>
+              <a:rPr lang="de-CH" dirty="0" err="1"/>
+              <a:t>history</a:t>
+            </a:r>
+            <a:r>
+              <a:rPr lang="de-CH" dirty="0"/>
+              <a:t> in a </a:t>
+            </a:r>
+            <a:r>
+              <a:rPr lang="de-CH" dirty="0" err="1"/>
+              <a:t>chart</a:t>
+            </a:r>
+            <a:endParaRPr lang="aa-ET" dirty="0"/>
           </a:p>
           <a:p>
             <a:pPr marL="285750" indent="-285750">
@@ -16511,30 +16582,17 @@
               <a:buChar char="•"/>
             </a:pPr>
             <a:r>
-              <a:rPr lang="de-CH" dirty="0" err="1"/>
-              <a:t>Receives</a:t>
+              <a:rPr lang="en-GB" dirty="0"/>
+              <a:t>I</a:t>
+            </a:r>
+            <a:r>
+              <a:rPr lang="aa-ET" dirty="0"/>
+              <a:t>mplemented in </a:t>
             </a:r>
             <a:r>
               <a:rPr lang="de-CH" dirty="0"/>
-              <a:t> TCP </a:t>
-            </a:r>
-            <a:r>
-              <a:rPr lang="de-CH" dirty="0" err="1"/>
-              <a:t>packages</a:t>
-            </a:r>
-            <a:r>
-              <a:rPr lang="de-CH" dirty="0"/>
-              <a:t> </a:t>
-            </a:r>
-            <a:r>
-              <a:rPr lang="de-CH" dirty="0" err="1"/>
-              <a:t>from</a:t>
-            </a:r>
-            <a:r>
-              <a:rPr lang="de-CH" dirty="0"/>
-              <a:t> ESP32</a:t>
-            </a:r>
-            <a:endParaRPr lang="en-CH" dirty="0"/>
+              <a:t>ASP.NET Core</a:t>
+            </a:r>
           </a:p>
           <a:p>
             <a:pPr marL="285750" indent="-285750">
@@ -16542,12 +16600,42 @@
               <a:buChar char="•"/>
             </a:pPr>
             <a:r>
-              <a:rPr lang="en-GB" dirty="0"/>
-              <a:t>S</a:t>
-            </a:r>
-            <a:r>
-              <a:rPr lang="en-CH" dirty="0"/>
-              <a:t>ends email if threshold is exceeded</a:t>
+              <a:rPr lang="de-CH" dirty="0" err="1"/>
+              <a:t>Hosted</a:t>
+            </a:r>
+            <a:r>
+              <a:rPr lang="de-CH" dirty="0"/>
+              <a:t> on Raspberry Pi 0 W</a:t>
+            </a:r>
+          </a:p>
+          <a:p>
+            <a:pPr marL="285750" indent="-285750">
+              <a:buFont typeface="Arial" panose="020B0604020202020204" pitchFamily="34" charset="0"/>
+              <a:buChar char="•"/>
+            </a:pPr>
+            <a:r>
+              <a:rPr lang="de-CH" dirty="0" err="1"/>
+              <a:t>Buildable</a:t>
+            </a:r>
+            <a:r>
+              <a:rPr lang="de-CH" dirty="0"/>
+              <a:t> </a:t>
+            </a:r>
+            <a:r>
+              <a:rPr lang="de-CH" dirty="0" err="1"/>
+              <a:t>for</a:t>
+            </a:r>
+            <a:r>
+              <a:rPr lang="de-CH" dirty="0"/>
+              <a:t> all </a:t>
+            </a:r>
+            <a:r>
+              <a:rPr lang="de-CH" dirty="0" err="1"/>
+              <a:t>plattforms</a:t>
+            </a:r>
+            <a:r>
+              <a:rPr lang="de-CH" dirty="0"/>
+              <a:t> (inclusive Linux)</a:t>
             </a:r>
           </a:p>
         </p:txBody>
@@ -16557,7 +16645,7 @@
           <p:cNvPr id="5" name="Title 4">
             <a:extLst>
               <a:ext uri="{FF2B5EF4-FFF2-40B4-BE49-F238E27FC236}">
-                <a16:creationId xmlns:a16="http://schemas.microsoft.com/office/drawing/2014/main" id="{2F0C7BB0-732C-5B4C-9C0C-8A679DC2E673}"/>
+                <a16:creationId xmlns="" xmlns:a16="http://schemas.microsoft.com/office/drawing/2014/main" id="{E8032442-57F9-0349-980B-7C792B97F8AD}"/>
               </a:ext>
             </a:extLst>
           </p:cNvPr>
@@ -16574,8 +16662,8 @@
           <a:lstStyle/>
           <a:p>
             <a:r>
-              <a:rPr lang="en-CH" dirty="0"/>
-              <a:t>Backend Server</a:t>
+              <a:rPr lang="aa-ET" dirty="0"/>
+              <a:t>Frontend</a:t>
             </a:r>
           </a:p>
         </p:txBody>
@@ -16583,13 +16671,20 @@
     </p:spTree>
     <p:extLst>
       <p:ext uri="{BB962C8B-B14F-4D97-AF65-F5344CB8AC3E}">
-        <p14:creationId xmlns:p14="http://schemas.microsoft.com/office/powerpoint/2010/main" val="1916244907"/>
+        <p14:creationId xmlns:p14="http://schemas.microsoft.com/office/powerpoint/2010/main" val="377564165"/>
       </p:ext>
     </p:extLst>
   </p:cSld>
   <p:clrMapOvr>
     <a:masterClrMapping/>
   </p:clrMapOvr>
+  <p:timing>
+    <p:tnLst>
+      <p:par>
+        <p:cTn id="1" dur="indefinite" restart="never" nodeType="tmRoot"/>
+      </p:par>
+    </p:tnLst>
+  </p:timing>
 </p:sld>
 </file>
 
@@ -16612,10 +16707,10 @@
       </p:grpSpPr>
       <p:sp>
         <p:nvSpPr>
-          <p:cNvPr id="2" name="Slide Number Placeholder 1">
+          <p:cNvPr id="2" name="Title 1">
             <a:extLst>
               <a:ext uri="{FF2B5EF4-FFF2-40B4-BE49-F238E27FC236}">
-                <a16:creationId xmlns:a16="http://schemas.microsoft.com/office/drawing/2014/main" id="{645F98D6-6107-CB4C-B76F-D2F098616308}"/>
+                <a16:creationId xmlns="" xmlns:a16="http://schemas.microsoft.com/office/drawing/2014/main" id="{795E6E60-B1E7-FB4E-AF40-5F086E626ADD}"/>
               </a:ext>
             </a:extLst>
           </p:cNvPr>
@@ -16623,10 +16718,49 @@
             <a:spLocks noGrp="1"/>
           </p:cNvSpPr>
           <p:nvPr>
+            <p:ph type="title"/>
+          </p:nvPr>
+        </p:nvSpPr>
+        <p:spPr>
+          <a:xfrm>
+            <a:off x="3290716" y="864972"/>
+            <a:ext cx="5315123" cy="372760"/>
+          </a:xfrm>
+        </p:spPr>
+        <p:txBody>
+          <a:bodyPr/>
+          <a:lstStyle/>
+          <a:p>
+            <a:r>
+              <a:rPr lang="en-GB" dirty="0" smtClean="0"/>
+              <a:t>Demonstration</a:t>
+            </a:r>
+            <a:endParaRPr lang="en-GB" dirty="0"/>
+          </a:p>
+        </p:txBody>
+      </p:sp>
+      <p:sp>
+        <p:nvSpPr>
+          <p:cNvPr id="3" name="Slide Number Placeholder 2">
+            <a:extLst>
+              <a:ext uri="{FF2B5EF4-FFF2-40B4-BE49-F238E27FC236}">
+                <a16:creationId xmlns="" xmlns:a16="http://schemas.microsoft.com/office/drawing/2014/main" id="{18D25F9D-7E5F-DB4A-9D90-07C6924B26A1}"/>
+              </a:ext>
+            </a:extLst>
+          </p:cNvPr>
+          <p:cNvSpPr>
+            <a:spLocks noGrp="1"/>
+          </p:cNvSpPr>
+          <p:nvPr>
             <p:ph type="sldNum" sz="quarter" idx="10"/>
           </p:nvPr>
         </p:nvSpPr>
-        <p:spPr/>
+        <p:spPr>
+          <a:xfrm>
+            <a:off x="8419364" y="0"/>
+            <a:ext cx="537069" cy="337532"/>
+          </a:xfrm>
+        </p:spPr>
         <p:txBody>
           <a:bodyPr/>
           <a:lstStyle/>
@@ -16640,597 +16774,12 @@
           </a:p>
         </p:txBody>
       </p:sp>
-      <p:pic>
-        <p:nvPicPr>
-          <p:cNvPr id="9" name="Bildplatzhalter 8">
-            <a:extLst>
-              <a:ext uri="{FF2B5EF4-FFF2-40B4-BE49-F238E27FC236}">
-                <a16:creationId xmlns:a16="http://schemas.microsoft.com/office/drawing/2014/main" id="{82FA9768-FC19-4B86-BD89-638EED0E915F}"/>
-              </a:ext>
-            </a:extLst>
-          </p:cNvPr>
-          <p:cNvPicPr>
-            <a:picLocks noGrp="1" noChangeAspect="1"/>
-          </p:cNvPicPr>
-          <p:nvPr>
-            <p:ph type="pic" sz="quarter" idx="11"/>
-          </p:nvPr>
-        </p:nvPicPr>
-        <p:blipFill>
-          <a:blip r:embed="rId2">
-            <a:extLst>
-              <a:ext uri="{28A0092B-C50C-407E-A947-70E740481C1C}">
-                <a14:useLocalDpi xmlns:a14="http://schemas.microsoft.com/office/drawing/2010/main" val="0"/>
-              </a:ext>
-            </a:extLst>
-          </a:blip>
-          <a:srcRect l="19068" r="19068"/>
-          <a:stretch>
-            <a:fillRect/>
-          </a:stretch>
-        </p:blipFill>
-        <p:spPr/>
-      </p:pic>
       <p:sp>
         <p:nvSpPr>
           <p:cNvPr id="4" name="Text Placeholder 3">
             <a:extLst>
               <a:ext uri="{FF2B5EF4-FFF2-40B4-BE49-F238E27FC236}">
-                <a16:creationId xmlns:a16="http://schemas.microsoft.com/office/drawing/2014/main" id="{6786A87D-21E5-2D4A-B421-3D62B6BAF28F}"/>
-              </a:ext>
-            </a:extLst>
-          </p:cNvPr>
-          <p:cNvSpPr>
-            <a:spLocks noGrp="1"/>
-          </p:cNvSpPr>
-          <p:nvPr>
-            <p:ph type="body" sz="quarter" idx="12"/>
-          </p:nvPr>
-        </p:nvSpPr>
-        <p:spPr/>
-        <p:txBody>
-          <a:bodyPr/>
-          <a:lstStyle/>
-          <a:p>
-            <a:pPr marL="285750" indent="-285750">
-              <a:buFont typeface="Arial" panose="020B0604020202020204" pitchFamily="34" charset="0"/>
-              <a:buChar char="•"/>
-            </a:pPr>
-            <a:r>
-              <a:rPr lang="en-GB" dirty="0"/>
-              <a:t>S</a:t>
-            </a:r>
-            <a:r>
-              <a:rPr lang="en-CH" dirty="0"/>
-              <a:t>hows </a:t>
-            </a:r>
-            <a:r>
-              <a:rPr lang="de-CH" dirty="0" err="1"/>
-              <a:t>whole</a:t>
-            </a:r>
-            <a:r>
-              <a:rPr lang="de-CH" dirty="0"/>
-              <a:t> </a:t>
-            </a:r>
-            <a:r>
-              <a:rPr lang="de-CH" dirty="0" err="1"/>
-              <a:t>measurement</a:t>
-            </a:r>
-            <a:r>
-              <a:rPr lang="de-CH" dirty="0"/>
-              <a:t> </a:t>
-            </a:r>
-            <a:r>
-              <a:rPr lang="de-CH" dirty="0" err="1"/>
-              <a:t>history</a:t>
-            </a:r>
-            <a:r>
-              <a:rPr lang="de-CH" dirty="0"/>
-              <a:t> and last 24h </a:t>
-            </a:r>
-            <a:r>
-              <a:rPr lang="de-CH" dirty="0" err="1"/>
-              <a:t>history</a:t>
-            </a:r>
-            <a:r>
-              <a:rPr lang="de-CH" dirty="0"/>
-              <a:t> in a </a:t>
-            </a:r>
-            <a:r>
-              <a:rPr lang="de-CH" dirty="0" err="1"/>
-              <a:t>chart</a:t>
-            </a:r>
-            <a:endParaRPr lang="en-CH" dirty="0"/>
-          </a:p>
-          <a:p>
-            <a:pPr marL="285750" indent="-285750">
-              <a:buFont typeface="Arial" panose="020B0604020202020204" pitchFamily="34" charset="0"/>
-              <a:buChar char="•"/>
-            </a:pPr>
-            <a:r>
-              <a:rPr lang="en-GB" dirty="0"/>
-              <a:t>I</a:t>
-            </a:r>
-            <a:r>
-              <a:rPr lang="en-CH" dirty="0"/>
-              <a:t>mplemented in </a:t>
-            </a:r>
-            <a:r>
-              <a:rPr lang="de-CH" dirty="0"/>
-              <a:t>ASP.NET Core</a:t>
-            </a:r>
-          </a:p>
-          <a:p>
-            <a:pPr marL="285750" indent="-285750">
-              <a:buFont typeface="Arial" panose="020B0604020202020204" pitchFamily="34" charset="0"/>
-              <a:buChar char="•"/>
-            </a:pPr>
-            <a:r>
-              <a:rPr lang="de-CH" dirty="0" err="1"/>
-              <a:t>Hosted</a:t>
-            </a:r>
-            <a:r>
-              <a:rPr lang="de-CH" dirty="0"/>
-              <a:t> on Raspberry Pi 0 W</a:t>
-            </a:r>
-          </a:p>
-          <a:p>
-            <a:pPr marL="285750" indent="-285750">
-              <a:buFont typeface="Arial" panose="020B0604020202020204" pitchFamily="34" charset="0"/>
-              <a:buChar char="•"/>
-            </a:pPr>
-            <a:r>
-              <a:rPr lang="de-CH" dirty="0" err="1"/>
-              <a:t>Buildable</a:t>
-            </a:r>
-            <a:r>
-              <a:rPr lang="de-CH" dirty="0"/>
-              <a:t> </a:t>
-            </a:r>
-            <a:r>
-              <a:rPr lang="de-CH" dirty="0" err="1"/>
-              <a:t>for</a:t>
-            </a:r>
-            <a:r>
-              <a:rPr lang="de-CH" dirty="0"/>
-              <a:t> all </a:t>
-            </a:r>
-            <a:r>
-              <a:rPr lang="de-CH" dirty="0" err="1"/>
-              <a:t>plattforms</a:t>
-            </a:r>
-            <a:r>
-              <a:rPr lang="de-CH" dirty="0"/>
-              <a:t> (inclusive Linux)</a:t>
-            </a:r>
-          </a:p>
-        </p:txBody>
-      </p:sp>
-      <p:sp>
-        <p:nvSpPr>
-          <p:cNvPr id="5" name="Title 4">
-            <a:extLst>
-              <a:ext uri="{FF2B5EF4-FFF2-40B4-BE49-F238E27FC236}">
-                <a16:creationId xmlns:a16="http://schemas.microsoft.com/office/drawing/2014/main" id="{E8032442-57F9-0349-980B-7C792B97F8AD}"/>
-              </a:ext>
-            </a:extLst>
-          </p:cNvPr>
-          <p:cNvSpPr>
-            <a:spLocks noGrp="1"/>
-          </p:cNvSpPr>
-          <p:nvPr>
-            <p:ph type="title"/>
-          </p:nvPr>
-        </p:nvSpPr>
-        <p:spPr/>
-        <p:txBody>
-          <a:bodyPr/>
-          <a:lstStyle/>
-          <a:p>
-            <a:r>
-              <a:rPr lang="en-CH" dirty="0"/>
-              <a:t>Frontend</a:t>
-            </a:r>
-          </a:p>
-        </p:txBody>
-      </p:sp>
-    </p:spTree>
-    <p:extLst>
-      <p:ext uri="{BB962C8B-B14F-4D97-AF65-F5344CB8AC3E}">
-        <p14:creationId xmlns:p14="http://schemas.microsoft.com/office/powerpoint/2010/main" val="377564165"/>
-      </p:ext>
-    </p:extLst>
-  </p:cSld>
-  <p:clrMapOvr>
-    <a:masterClrMapping/>
-  </p:clrMapOvr>
-</p:sld>
-</file>
-
-<file path=ppt/slides/slide12.xml><?xml version="1.0" encoding="utf-8"?>
-<p:sld xmlns:a="http://schemas.openxmlformats.org/drawingml/2006/main" xmlns:r="http://schemas.openxmlformats.org/officeDocument/2006/relationships" xmlns:p="http://schemas.openxmlformats.org/presentationml/2006/main">
-  <p:cSld>
-    <p:spTree>
-      <p:nvGrpSpPr>
-        <p:cNvPr id="1" name=""/>
-        <p:cNvGrpSpPr/>
-        <p:nvPr/>
-      </p:nvGrpSpPr>
-      <p:grpSpPr>
-        <a:xfrm>
-          <a:off x="0" y="0"/>
-          <a:ext cx="0" cy="0"/>
-          <a:chOff x="0" y="0"/>
-          <a:chExt cx="0" cy="0"/>
-        </a:xfrm>
-      </p:grpSpPr>
-      <p:sp>
-        <p:nvSpPr>
-          <p:cNvPr id="6" name="Title 5">
-            <a:extLst>
-              <a:ext uri="{FF2B5EF4-FFF2-40B4-BE49-F238E27FC236}">
-                <a16:creationId xmlns:a16="http://schemas.microsoft.com/office/drawing/2014/main" id="{6CFF313E-047F-5048-B7F0-CABB6C43D0E2}"/>
-              </a:ext>
-            </a:extLst>
-          </p:cNvPr>
-          <p:cNvSpPr>
-            <a:spLocks noGrp="1"/>
-          </p:cNvSpPr>
-          <p:nvPr>
-            <p:ph type="title"/>
-          </p:nvPr>
-        </p:nvSpPr>
-        <p:spPr/>
-        <p:txBody>
-          <a:bodyPr/>
-          <a:lstStyle/>
-          <a:p>
-            <a:r>
-              <a:rPr lang="en-CH" dirty="0"/>
-              <a:t>Techstack</a:t>
-            </a:r>
-          </a:p>
-        </p:txBody>
-      </p:sp>
-      <p:sp>
-        <p:nvSpPr>
-          <p:cNvPr id="2" name="Slide Number Placeholder 1">
-            <a:extLst>
-              <a:ext uri="{FF2B5EF4-FFF2-40B4-BE49-F238E27FC236}">
-                <a16:creationId xmlns:a16="http://schemas.microsoft.com/office/drawing/2014/main" id="{F76BC38D-4EA6-A84F-8478-3EAC51B2DF8A}"/>
-              </a:ext>
-            </a:extLst>
-          </p:cNvPr>
-          <p:cNvSpPr>
-            <a:spLocks noGrp="1"/>
-          </p:cNvSpPr>
-          <p:nvPr>
-            <p:ph type="sldNum" sz="quarter" idx="10"/>
-          </p:nvPr>
-        </p:nvSpPr>
-        <p:spPr/>
-        <p:txBody>
-          <a:bodyPr/>
-          <a:lstStyle/>
-          <a:p>
-            <a:fld id="{35052C29-CE5B-4965-8C8E-B011681D2A77}" type="slidenum">
-              <a:rPr lang="de-CH" smtClean="0"/>
-              <a:pPr/>
-              <a:t>12</a:t>
-            </a:fld>
-            <a:endParaRPr lang="de-CH" dirty="0"/>
-          </a:p>
-        </p:txBody>
-      </p:sp>
-      <p:sp>
-        <p:nvSpPr>
-          <p:cNvPr id="7" name="Text Placeholder 6">
-            <a:extLst>
-              <a:ext uri="{FF2B5EF4-FFF2-40B4-BE49-F238E27FC236}">
-                <a16:creationId xmlns:a16="http://schemas.microsoft.com/office/drawing/2014/main" id="{A9F0EA26-CE11-D643-B780-217E580779F8}"/>
-              </a:ext>
-            </a:extLst>
-          </p:cNvPr>
-          <p:cNvSpPr>
-            <a:spLocks noGrp="1"/>
-          </p:cNvSpPr>
-          <p:nvPr>
-            <p:ph type="body" sz="quarter" idx="11"/>
-          </p:nvPr>
-        </p:nvSpPr>
-        <p:spPr/>
-        <p:txBody>
-          <a:bodyPr/>
-          <a:lstStyle/>
-          <a:p>
-            <a:r>
-              <a:rPr lang="en-CH" dirty="0"/>
-              <a:t>LANGUAGES</a:t>
-            </a:r>
-          </a:p>
-          <a:p>
-            <a:pPr marL="285750" indent="-285750">
-              <a:buFont typeface="Arial" panose="020B0604020202020204" pitchFamily="34" charset="0"/>
-              <a:buChar char="•"/>
-            </a:pPr>
-            <a:r>
-              <a:rPr lang="en-GB" dirty="0"/>
-              <a:t>C</a:t>
-            </a:r>
-            <a:r>
-              <a:rPr lang="en-CH" dirty="0"/>
-              <a:t>++</a:t>
-            </a:r>
-          </a:p>
-          <a:p>
-            <a:pPr marL="285750" indent="-285750">
-              <a:buFont typeface="Arial" panose="020B0604020202020204" pitchFamily="34" charset="0"/>
-              <a:buChar char="•"/>
-            </a:pPr>
-            <a:r>
-              <a:rPr lang="en-CH" dirty="0"/>
-              <a:t>Python</a:t>
-            </a:r>
-          </a:p>
-          <a:p>
-            <a:pPr marL="285750" indent="-285750">
-              <a:buFont typeface="Arial" panose="020B0604020202020204" pitchFamily="34" charset="0"/>
-              <a:buChar char="•"/>
-            </a:pPr>
-            <a:r>
-              <a:rPr lang="en-CH" dirty="0"/>
-              <a:t>Typescript</a:t>
-            </a:r>
-            <a:endParaRPr lang="de-CH" dirty="0"/>
-          </a:p>
-          <a:p>
-            <a:pPr marL="285750" indent="-285750">
-              <a:buFont typeface="Arial" panose="020B0604020202020204" pitchFamily="34" charset="0"/>
-              <a:buChar char="•"/>
-            </a:pPr>
-            <a:r>
-              <a:rPr lang="de-CH" dirty="0"/>
-              <a:t>C#</a:t>
-            </a:r>
-            <a:endParaRPr lang="en-CH" dirty="0"/>
-          </a:p>
-        </p:txBody>
-      </p:sp>
-      <p:sp>
-        <p:nvSpPr>
-          <p:cNvPr id="8" name="Text Placeholder 7">
-            <a:extLst>
-              <a:ext uri="{FF2B5EF4-FFF2-40B4-BE49-F238E27FC236}">
-                <a16:creationId xmlns:a16="http://schemas.microsoft.com/office/drawing/2014/main" id="{0B97D142-7AEC-3F4B-93D0-8B6E0536417F}"/>
-              </a:ext>
-            </a:extLst>
-          </p:cNvPr>
-          <p:cNvSpPr>
-            <a:spLocks noGrp="1"/>
-          </p:cNvSpPr>
-          <p:nvPr>
-            <p:ph type="body" sz="quarter" idx="12"/>
-          </p:nvPr>
-        </p:nvSpPr>
-        <p:spPr/>
-        <p:txBody>
-          <a:bodyPr/>
-          <a:lstStyle/>
-          <a:p>
-            <a:r>
-              <a:rPr lang="en-CH" dirty="0"/>
-              <a:t>FRAMEWORKS</a:t>
-            </a:r>
-          </a:p>
-          <a:p>
-            <a:pPr marL="285750" indent="-285750">
-              <a:buFont typeface="Arial" panose="020B0604020202020204" pitchFamily="34" charset="0"/>
-              <a:buChar char="•"/>
-            </a:pPr>
-            <a:r>
-              <a:rPr lang="en-GB" dirty="0"/>
-              <a:t>E</a:t>
-            </a:r>
-            <a:r>
-              <a:rPr lang="en-CH" dirty="0"/>
-              <a:t>spressif</a:t>
-            </a:r>
-          </a:p>
-          <a:p>
-            <a:pPr marL="285750" indent="-285750">
-              <a:buFont typeface="Arial" panose="020B0604020202020204" pitchFamily="34" charset="0"/>
-              <a:buChar char="•"/>
-            </a:pPr>
-            <a:r>
-              <a:rPr lang="de-CH" dirty="0"/>
-              <a:t>.NET Core</a:t>
-            </a:r>
-          </a:p>
-          <a:p>
-            <a:pPr marL="285750" indent="-285750">
-              <a:buFont typeface="Arial" panose="020B0604020202020204" pitchFamily="34" charset="0"/>
-              <a:buChar char="•"/>
-            </a:pPr>
-            <a:r>
-              <a:rPr lang="de-CH" dirty="0"/>
-              <a:t>ASP.NET Core</a:t>
-            </a:r>
-            <a:endParaRPr lang="en-CH" dirty="0"/>
-          </a:p>
-        </p:txBody>
-      </p:sp>
-      <p:sp>
-        <p:nvSpPr>
-          <p:cNvPr id="9" name="Text Placeholder 8">
-            <a:extLst>
-              <a:ext uri="{FF2B5EF4-FFF2-40B4-BE49-F238E27FC236}">
-                <a16:creationId xmlns:a16="http://schemas.microsoft.com/office/drawing/2014/main" id="{8B348E2D-2A87-6643-9C8F-9303D57C6CA5}"/>
-              </a:ext>
-            </a:extLst>
-          </p:cNvPr>
-          <p:cNvSpPr>
-            <a:spLocks noGrp="1"/>
-          </p:cNvSpPr>
-          <p:nvPr>
-            <p:ph type="body" sz="quarter" idx="13"/>
-          </p:nvPr>
-        </p:nvSpPr>
-        <p:spPr/>
-        <p:txBody>
-          <a:bodyPr/>
-          <a:lstStyle/>
-          <a:p>
-            <a:r>
-              <a:rPr lang="en-CH" dirty="0"/>
-              <a:t>HARDWARE</a:t>
-            </a:r>
-          </a:p>
-          <a:p>
-            <a:pPr marL="285750" indent="-285750">
-              <a:buFont typeface="Arial" panose="020B0604020202020204" pitchFamily="34" charset="0"/>
-              <a:buChar char="•"/>
-            </a:pPr>
-            <a:r>
-              <a:rPr lang="en-CH" dirty="0"/>
-              <a:t>ESP32</a:t>
-            </a:r>
-          </a:p>
-          <a:p>
-            <a:pPr marL="285750" indent="-285750">
-              <a:buFont typeface="Arial" panose="020B0604020202020204" pitchFamily="34" charset="0"/>
-              <a:buChar char="•"/>
-            </a:pPr>
-            <a:r>
-              <a:rPr lang="en-CH" dirty="0"/>
-              <a:t>Raspberry Pi zero</a:t>
-            </a:r>
-          </a:p>
-          <a:p>
-            <a:pPr marL="285750" indent="-285750">
-              <a:buFont typeface="Arial" panose="020B0604020202020204" pitchFamily="34" charset="0"/>
-              <a:buChar char="•"/>
-            </a:pPr>
-            <a:r>
-              <a:rPr lang="en-CH" dirty="0"/>
-              <a:t>Piezo Sensors</a:t>
-            </a:r>
-          </a:p>
-          <a:p>
-            <a:pPr marL="285750" indent="-285750">
-              <a:buFont typeface="Arial" panose="020B0604020202020204" pitchFamily="34" charset="0"/>
-              <a:buChar char="•"/>
-            </a:pPr>
-            <a:r>
-              <a:rPr lang="en-CH" dirty="0"/>
-              <a:t>Voltage pulse circuits</a:t>
-            </a:r>
-          </a:p>
-        </p:txBody>
-      </p:sp>
-    </p:spTree>
-    <p:extLst>
-      <p:ext uri="{BB962C8B-B14F-4D97-AF65-F5344CB8AC3E}">
-        <p14:creationId xmlns:p14="http://schemas.microsoft.com/office/powerpoint/2010/main" val="72945321"/>
-      </p:ext>
-    </p:extLst>
-  </p:cSld>
-  <p:clrMapOvr>
-    <a:masterClrMapping/>
-  </p:clrMapOvr>
-</p:sld>
-</file>
-
-<file path=ppt/slides/slide13.xml><?xml version="1.0" encoding="utf-8"?>
-<p:sld xmlns:a="http://schemas.openxmlformats.org/drawingml/2006/main" xmlns:r="http://schemas.openxmlformats.org/officeDocument/2006/relationships" xmlns:p="http://schemas.openxmlformats.org/presentationml/2006/main">
-  <p:cSld>
-    <p:spTree>
-      <p:nvGrpSpPr>
-        <p:cNvPr id="1" name=""/>
-        <p:cNvGrpSpPr/>
-        <p:nvPr/>
-      </p:nvGrpSpPr>
-      <p:grpSpPr>
-        <a:xfrm>
-          <a:off x="0" y="0"/>
-          <a:ext cx="0" cy="0"/>
-          <a:chOff x="0" y="0"/>
-          <a:chExt cx="0" cy="0"/>
-        </a:xfrm>
-      </p:grpSpPr>
-      <p:sp>
-        <p:nvSpPr>
-          <p:cNvPr id="2" name="Title 1">
-            <a:extLst>
-              <a:ext uri="{FF2B5EF4-FFF2-40B4-BE49-F238E27FC236}">
-                <a16:creationId xmlns:a16="http://schemas.microsoft.com/office/drawing/2014/main" id="{795E6E60-B1E7-FB4E-AF40-5F086E626ADD}"/>
-              </a:ext>
-            </a:extLst>
-          </p:cNvPr>
-          <p:cNvSpPr>
-            <a:spLocks noGrp="1"/>
-          </p:cNvSpPr>
-          <p:nvPr>
-            <p:ph type="title"/>
-          </p:nvPr>
-        </p:nvSpPr>
-        <p:spPr>
-          <a:xfrm>
-            <a:off x="3290716" y="864972"/>
-            <a:ext cx="5315123" cy="372760"/>
-          </a:xfrm>
-        </p:spPr>
-        <p:txBody>
-          <a:bodyPr/>
-          <a:lstStyle/>
-          <a:p>
-            <a:r>
-              <a:rPr lang="en-GB" dirty="0"/>
-              <a:t>Questions</a:t>
-            </a:r>
-          </a:p>
-        </p:txBody>
-      </p:sp>
-      <p:sp>
-        <p:nvSpPr>
-          <p:cNvPr id="3" name="Slide Number Placeholder 2">
-            <a:extLst>
-              <a:ext uri="{FF2B5EF4-FFF2-40B4-BE49-F238E27FC236}">
-                <a16:creationId xmlns:a16="http://schemas.microsoft.com/office/drawing/2014/main" id="{18D25F9D-7E5F-DB4A-9D90-07C6924B26A1}"/>
-              </a:ext>
-            </a:extLst>
-          </p:cNvPr>
-          <p:cNvSpPr>
-            <a:spLocks noGrp="1"/>
-          </p:cNvSpPr>
-          <p:nvPr>
-            <p:ph type="sldNum" sz="quarter" idx="10"/>
-          </p:nvPr>
-        </p:nvSpPr>
-        <p:spPr>
-          <a:xfrm>
-            <a:off x="8419364" y="0"/>
-            <a:ext cx="537069" cy="337532"/>
-          </a:xfrm>
-        </p:spPr>
-        <p:txBody>
-          <a:bodyPr/>
-          <a:lstStyle/>
-          <a:p>
-            <a:fld id="{35052C29-CE5B-4965-8C8E-B011681D2A77}" type="slidenum">
-              <a:rPr lang="de-CH" smtClean="0"/>
-              <a:pPr/>
-              <a:t>13</a:t>
-            </a:fld>
-            <a:endParaRPr lang="de-CH" dirty="0"/>
-          </a:p>
-        </p:txBody>
-      </p:sp>
-      <p:sp>
-        <p:nvSpPr>
-          <p:cNvPr id="4" name="Text Placeholder 3">
-            <a:extLst>
-              <a:ext uri="{FF2B5EF4-FFF2-40B4-BE49-F238E27FC236}">
-                <a16:creationId xmlns:a16="http://schemas.microsoft.com/office/drawing/2014/main" id="{4AB505A9-BBFB-014C-B32C-39A8D15BE0BD}"/>
+                <a16:creationId xmlns="" xmlns:a16="http://schemas.microsoft.com/office/drawing/2014/main" id="{4AB505A9-BBFB-014C-B32C-39A8D15BE0BD}"/>
               </a:ext>
             </a:extLst>
           </p:cNvPr>
@@ -17275,6 +16824,13 @@
   <p:clrMapOvr>
     <a:masterClrMapping/>
   </p:clrMapOvr>
+  <p:timing>
+    <p:tnLst>
+      <p:par>
+        <p:cTn id="1" dur="indefinite" restart="never" nodeType="tmRoot"/>
+      </p:par>
+    </p:tnLst>
+  </p:timing>
 </p:sld>
 </file>
 
@@ -17297,38 +16853,10 @@
       </p:grpSpPr>
       <p:sp>
         <p:nvSpPr>
-          <p:cNvPr id="9" name="Title 8">
+          <p:cNvPr id="6" name="Slide Number Placeholder 5">
             <a:extLst>
               <a:ext uri="{FF2B5EF4-FFF2-40B4-BE49-F238E27FC236}">
-                <a16:creationId xmlns:a16="http://schemas.microsoft.com/office/drawing/2014/main" id="{D10E5EDF-A42A-E141-B039-523CE273DF8F}"/>
-              </a:ext>
-            </a:extLst>
-          </p:cNvPr>
-          <p:cNvSpPr>
-            <a:spLocks noGrp="1"/>
-          </p:cNvSpPr>
-          <p:nvPr>
-            <p:ph type="title"/>
-          </p:nvPr>
-        </p:nvSpPr>
-        <p:spPr/>
-        <p:txBody>
-          <a:bodyPr/>
-          <a:lstStyle/>
-          <a:p>
-            <a:r>
-              <a:rPr lang="en-CH" dirty="0"/>
-              <a:t>Agenda</a:t>
-            </a:r>
-          </a:p>
-        </p:txBody>
-      </p:sp>
-      <p:sp>
-        <p:nvSpPr>
-          <p:cNvPr id="2" name="Slide Number Placeholder 1">
-            <a:extLst>
-              <a:ext uri="{FF2B5EF4-FFF2-40B4-BE49-F238E27FC236}">
-                <a16:creationId xmlns:a16="http://schemas.microsoft.com/office/drawing/2014/main" id="{5556F50E-AB26-0A43-BF5D-7484BB7B3162}"/>
+                <a16:creationId xmlns="" xmlns:a16="http://schemas.microsoft.com/office/drawing/2014/main" id="{AC451B28-5211-914C-BE4B-7A97AC1BFC35}"/>
               </a:ext>
             </a:extLst>
           </p:cNvPr>
@@ -17353,20 +16881,43 @@
           </a:p>
         </p:txBody>
       </p:sp>
-      <p:sp>
-        <p:nvSpPr>
-          <p:cNvPr id="10" name="Text Placeholder 9">
+      <p:pic>
+        <p:nvPicPr>
+          <p:cNvPr id="4" name="Bildplatzhalter 3"/>
+          <p:cNvPicPr>
+            <a:picLocks noGrp="1" noChangeAspect="1"/>
+          </p:cNvPicPr>
+          <p:nvPr>
+            <p:ph type="pic" sz="quarter" idx="11"/>
+          </p:nvPr>
+        </p:nvPicPr>
+        <p:blipFill>
+          <a:blip r:embed="rId3">
             <a:extLst>
-              <a:ext uri="{FF2B5EF4-FFF2-40B4-BE49-F238E27FC236}">
-                <a16:creationId xmlns:a16="http://schemas.microsoft.com/office/drawing/2014/main" id="{BEAE2C40-F034-A548-A980-F06D6149FC3D}"/>
+              <a:ext uri="{28A0092B-C50C-407E-A947-70E740481C1C}">
+                <a14:useLocalDpi xmlns:a14="http://schemas.microsoft.com/office/drawing/2010/main" val="0"/>
               </a:ext>
             </a:extLst>
-          </p:cNvPr>
-          <p:cNvSpPr>
-            <a:spLocks noGrp="1"/>
-          </p:cNvSpPr>
-          <p:nvPr>
-            <p:ph type="body" sz="quarter" idx="11"/>
+          </a:blip>
+          <a:stretch>
+            <a:fillRect/>
+          </a:stretch>
+        </p:blipFill>
+        <p:spPr>
+          <a:xfrm>
+            <a:off x="-4762" y="0"/>
+            <a:ext cx="4303712" cy="5145088"/>
+          </a:xfrm>
+        </p:spPr>
+      </p:pic>
+      <p:sp>
+        <p:nvSpPr>
+          <p:cNvPr id="2" name="Titel 1"/>
+          <p:cNvSpPr>
+            <a:spLocks noGrp="1"/>
+          </p:cNvSpPr>
+          <p:nvPr>
+            <p:ph type="title"/>
           </p:nvPr>
         </p:nvSpPr>
         <p:spPr/>
@@ -17375,21 +16926,16 @@
           <a:lstStyle/>
           <a:p>
             <a:r>
-              <a:rPr lang="en-CH" dirty="0"/>
-              <a:t>Intro</a:t>
-            </a:r>
-          </a:p>
-        </p:txBody>
-      </p:sp>
-      <p:sp>
-        <p:nvSpPr>
-          <p:cNvPr id="11" name="Text Placeholder 10">
-            <a:extLst>
-              <a:ext uri="{FF2B5EF4-FFF2-40B4-BE49-F238E27FC236}">
-                <a16:creationId xmlns:a16="http://schemas.microsoft.com/office/drawing/2014/main" id="{1B7E72FF-D618-8A49-805A-8810A1BA8CBA}"/>
-              </a:ext>
-            </a:extLst>
-          </p:cNvPr>
+              <a:rPr lang="de-CH" dirty="0" smtClean="0"/>
+              <a:t>AGENDA</a:t>
+            </a:r>
+            <a:endParaRPr lang="de-CH" dirty="0"/>
+          </a:p>
+        </p:txBody>
+      </p:sp>
+      <p:sp>
+        <p:nvSpPr>
+          <p:cNvPr id="3" name="Textplatzhalter 2"/>
           <p:cNvSpPr>
             <a:spLocks noGrp="1"/>
           </p:cNvSpPr>
@@ -17403,106 +16949,66 @@
           <a:lstStyle/>
           <a:p>
             <a:r>
-              <a:rPr lang="en-CH" dirty="0"/>
-              <a:t>Project Organisation</a:t>
-            </a:r>
-          </a:p>
-        </p:txBody>
-      </p:sp>
-      <p:sp>
-        <p:nvSpPr>
-          <p:cNvPr id="12" name="Text Placeholder 11">
-            <a:extLst>
-              <a:ext uri="{FF2B5EF4-FFF2-40B4-BE49-F238E27FC236}">
-                <a16:creationId xmlns:a16="http://schemas.microsoft.com/office/drawing/2014/main" id="{E6573004-56CC-9648-9A08-667727948E97}"/>
-              </a:ext>
-            </a:extLst>
-          </p:cNvPr>
-          <p:cNvSpPr>
-            <a:spLocks noGrp="1"/>
-          </p:cNvSpPr>
-          <p:nvPr>
-            <p:ph type="body" sz="quarter" idx="13"/>
-          </p:nvPr>
-        </p:nvSpPr>
-        <p:spPr/>
-        <p:txBody>
-          <a:bodyPr/>
-          <a:lstStyle/>
-          <a:p>
-            <a:r>
-              <a:rPr lang="en-CH" dirty="0"/>
-              <a:t>Integrated Circuits</a:t>
-            </a:r>
-          </a:p>
-        </p:txBody>
-      </p:sp>
-      <p:sp>
-        <p:nvSpPr>
-          <p:cNvPr id="13" name="Text Placeholder 12">
-            <a:extLst>
-              <a:ext uri="{FF2B5EF4-FFF2-40B4-BE49-F238E27FC236}">
-                <a16:creationId xmlns:a16="http://schemas.microsoft.com/office/drawing/2014/main" id="{203AE47C-5250-9A4D-8420-024063E75862}"/>
-              </a:ext>
-            </a:extLst>
-          </p:cNvPr>
-          <p:cNvSpPr>
-            <a:spLocks noGrp="1"/>
-          </p:cNvSpPr>
-          <p:nvPr>
-            <p:ph type="body" sz="quarter" idx="14"/>
-          </p:nvPr>
-        </p:nvSpPr>
-        <p:spPr/>
-        <p:txBody>
-          <a:bodyPr/>
-          <a:lstStyle/>
-          <a:p>
-            <a:r>
-              <a:rPr lang="en-CH" dirty="0"/>
+              <a:rPr lang="de-CH" dirty="0" err="1" smtClean="0"/>
+              <a:t>Introduction</a:t>
+            </a:r>
+            <a:endParaRPr lang="de-CH" dirty="0" smtClean="0"/>
+          </a:p>
+          <a:p>
+            <a:r>
+              <a:rPr lang="de-CH" dirty="0" smtClean="0"/>
+              <a:t>Integrated </a:t>
+            </a:r>
+            <a:r>
+              <a:rPr lang="de-CH" dirty="0" err="1" smtClean="0"/>
+              <a:t>Circuits</a:t>
+            </a:r>
+            <a:endParaRPr lang="de-CH" dirty="0" smtClean="0"/>
+          </a:p>
+          <a:p>
+            <a:r>
+              <a:rPr lang="de-CH" dirty="0" smtClean="0"/>
+              <a:t>Sensors</a:t>
+            </a:r>
+          </a:p>
+          <a:p>
+            <a:r>
+              <a:rPr lang="de-CH" dirty="0" smtClean="0"/>
               <a:t>ESP32</a:t>
             </a:r>
           </a:p>
-        </p:txBody>
-      </p:sp>
-      <p:sp>
-        <p:nvSpPr>
-          <p:cNvPr id="14" name="Text Placeholder 13">
-            <a:extLst>
-              <a:ext uri="{FF2B5EF4-FFF2-40B4-BE49-F238E27FC236}">
-                <a16:creationId xmlns:a16="http://schemas.microsoft.com/office/drawing/2014/main" id="{5120CBC0-CF88-F043-88A6-CFE5AF6E7100}"/>
-              </a:ext>
-            </a:extLst>
-          </p:cNvPr>
-          <p:cNvSpPr>
-            <a:spLocks noGrp="1"/>
-          </p:cNvSpPr>
-          <p:nvPr>
-            <p:ph type="body" sz="quarter" idx="15"/>
-          </p:nvPr>
-        </p:nvSpPr>
-        <p:spPr/>
-        <p:txBody>
-          <a:bodyPr/>
-          <a:lstStyle/>
-          <a:p>
-            <a:r>
-              <a:rPr lang="en-CH" dirty="0"/>
-              <a:t>Raspberry Pi</a:t>
-            </a:r>
+          <a:p>
+            <a:r>
+              <a:rPr lang="de-CH" dirty="0" smtClean="0"/>
+              <a:t>Server</a:t>
+            </a:r>
+          </a:p>
+          <a:p>
+            <a:r>
+              <a:rPr lang="de-CH" dirty="0" smtClean="0"/>
+              <a:t>Frontend</a:t>
+            </a:r>
+            <a:endParaRPr lang="de-CH" dirty="0"/>
           </a:p>
         </p:txBody>
       </p:sp>
     </p:spTree>
     <p:extLst>
       <p:ext uri="{BB962C8B-B14F-4D97-AF65-F5344CB8AC3E}">
-        <p14:creationId xmlns:p14="http://schemas.microsoft.com/office/powerpoint/2010/main" val="1141375771"/>
+        <p14:creationId xmlns:p14="http://schemas.microsoft.com/office/powerpoint/2010/main" val="778269686"/>
       </p:ext>
     </p:extLst>
   </p:cSld>
   <p:clrMapOvr>
     <a:masterClrMapping/>
   </p:clrMapOvr>
+  <p:timing>
+    <p:tnLst>
+      <p:par>
+        <p:cTn id="1" dur="indefinite" restart="never" nodeType="tmRoot"/>
+      </p:par>
+    </p:tnLst>
+  </p:timing>
 </p:sld>
 </file>
 
@@ -17525,10 +17031,10 @@
       </p:grpSpPr>
       <p:sp>
         <p:nvSpPr>
-          <p:cNvPr id="2" name="Content Placeholder 1">
+          <p:cNvPr id="3" name="Title 2">
             <a:extLst>
               <a:ext uri="{FF2B5EF4-FFF2-40B4-BE49-F238E27FC236}">
-                <a16:creationId xmlns:a16="http://schemas.microsoft.com/office/drawing/2014/main" id="{6D1E6B88-9E28-B342-96E5-7C335569B8FD}"/>
+                <a16:creationId xmlns="" xmlns:a16="http://schemas.microsoft.com/office/drawing/2014/main" id="{3ADEEA3F-5B53-3441-A1BE-2A23A992E24C}"/>
               </a:ext>
             </a:extLst>
           </p:cNvPr>
@@ -17536,7 +17042,7 @@
             <a:spLocks noGrp="1"/>
           </p:cNvSpPr>
           <p:nvPr>
-            <p:ph sz="quarter" idx="13"/>
+            <p:ph type="title"/>
           </p:nvPr>
         </p:nvSpPr>
         <p:spPr/>
@@ -17544,35 +17050,15 @@
           <a:bodyPr/>
           <a:lstStyle/>
           <a:p>
-            <a:endParaRPr lang="en-CH"/>
-          </a:p>
-        </p:txBody>
-      </p:sp>
-      <p:sp>
-        <p:nvSpPr>
-          <p:cNvPr id="3" name="Title 2">
-            <a:extLst>
-              <a:ext uri="{FF2B5EF4-FFF2-40B4-BE49-F238E27FC236}">
-                <a16:creationId xmlns:a16="http://schemas.microsoft.com/office/drawing/2014/main" id="{3ADEEA3F-5B53-3441-A1BE-2A23A992E24C}"/>
-              </a:ext>
-            </a:extLst>
-          </p:cNvPr>
-          <p:cNvSpPr>
-            <a:spLocks noGrp="1"/>
-          </p:cNvSpPr>
-          <p:nvPr>
-            <p:ph type="title"/>
-          </p:nvPr>
-        </p:nvSpPr>
-        <p:spPr/>
-        <p:txBody>
-          <a:bodyPr/>
-          <a:lstStyle/>
-          <a:p>
-            <a:r>
-              <a:rPr lang="en-CH" dirty="0"/>
+            <a:r>
+              <a:rPr lang="aa-ET" dirty="0" smtClean="0"/>
               <a:t>Intro</a:t>
             </a:r>
+            <a:r>
+              <a:rPr lang="de-CH" dirty="0" err="1" smtClean="0"/>
+              <a:t>DUction</a:t>
+            </a:r>
+            <a:endParaRPr lang="aa-ET" dirty="0"/>
           </a:p>
         </p:txBody>
       </p:sp>
@@ -17581,7 +17067,7 @@
           <p:cNvPr id="4" name="Slide Number Placeholder 3">
             <a:extLst>
               <a:ext uri="{FF2B5EF4-FFF2-40B4-BE49-F238E27FC236}">
-                <a16:creationId xmlns:a16="http://schemas.microsoft.com/office/drawing/2014/main" id="{CB1DA87D-48D0-A04E-96FA-49566E21B539}"/>
+                <a16:creationId xmlns="" xmlns:a16="http://schemas.microsoft.com/office/drawing/2014/main" id="{CB1DA87D-48D0-A04E-96FA-49566E21B539}"/>
               </a:ext>
             </a:extLst>
           </p:cNvPr>
@@ -17606,38 +17092,38 @@
           </a:p>
         </p:txBody>
       </p:sp>
-      <p:sp>
-        <p:nvSpPr>
-          <p:cNvPr id="5" name="Text Placeholder 4">
+      <p:pic>
+        <p:nvPicPr>
+          <p:cNvPr id="9" name="Inhaltsplatzhalter 8"/>
+          <p:cNvPicPr>
+            <a:picLocks noGrp="1"/>
+          </p:cNvPicPr>
+          <p:nvPr>
+            <p:ph sz="quarter" idx="13"/>
+          </p:nvPr>
+        </p:nvPicPr>
+        <p:blipFill>
+          <a:blip r:embed="rId2" cstate="print">
             <a:extLst>
-              <a:ext uri="{FF2B5EF4-FFF2-40B4-BE49-F238E27FC236}">
-                <a16:creationId xmlns:a16="http://schemas.microsoft.com/office/drawing/2014/main" id="{01A94F8E-1014-054B-A10F-B688F8CCFC37}"/>
+              <a:ext uri="{28A0092B-C50C-407E-A947-70E740481C1C}">
+                <a14:useLocalDpi xmlns:a14="http://schemas.microsoft.com/office/drawing/2010/main" val="0"/>
               </a:ext>
             </a:extLst>
-          </p:cNvPr>
-          <p:cNvSpPr>
-            <a:spLocks noGrp="1"/>
-          </p:cNvSpPr>
-          <p:nvPr>
-            <p:ph type="body" sz="quarter" idx="12"/>
-          </p:nvPr>
-        </p:nvSpPr>
-        <p:spPr/>
-        <p:txBody>
-          <a:bodyPr/>
-          <a:lstStyle/>
-          <a:p>
-            <a:r>
-              <a:rPr lang="en-GB" dirty="0"/>
-              <a:t>S</a:t>
-            </a:r>
-            <a:r>
-              <a:rPr lang="en-CH" dirty="0"/>
-              <a:t>ome Intro</a:t>
-            </a:r>
-          </a:p>
-        </p:txBody>
-      </p:sp>
+          </a:blip>
+          <a:stretch>
+            <a:fillRect/>
+          </a:stretch>
+        </p:blipFill>
+        <p:spPr>
+          <a:xfrm>
+            <a:off x="1262435" y="1859275"/>
+            <a:ext cx="6624638" cy="2305050"/>
+          </a:xfrm>
+          <a:prstGeom prst="rect">
+            <a:avLst/>
+          </a:prstGeom>
+        </p:spPr>
+      </p:pic>
     </p:spTree>
     <p:extLst>
       <p:ext uri="{BB962C8B-B14F-4D97-AF65-F5344CB8AC3E}">
@@ -17648,164 +17134,17 @@
   <p:clrMapOvr>
     <a:masterClrMapping/>
   </p:clrMapOvr>
+  <p:timing>
+    <p:tnLst>
+      <p:par>
+        <p:cTn id="1" dur="indefinite" restart="never" nodeType="tmRoot"/>
+      </p:par>
+    </p:tnLst>
+  </p:timing>
 </p:sld>
 </file>
 
 <file path=ppt/slides/slide4.xml><?xml version="1.0" encoding="utf-8"?>
-<p:sld xmlns:a="http://schemas.openxmlformats.org/drawingml/2006/main" xmlns:r="http://schemas.openxmlformats.org/officeDocument/2006/relationships" xmlns:p="http://schemas.openxmlformats.org/presentationml/2006/main">
-  <p:cSld>
-    <p:spTree>
-      <p:nvGrpSpPr>
-        <p:cNvPr id="1" name=""/>
-        <p:cNvGrpSpPr/>
-        <p:nvPr/>
-      </p:nvGrpSpPr>
-      <p:grpSpPr>
-        <a:xfrm>
-          <a:off x="0" y="0"/>
-          <a:ext cx="0" cy="0"/>
-          <a:chOff x="0" y="0"/>
-          <a:chExt cx="0" cy="0"/>
-        </a:xfrm>
-      </p:grpSpPr>
-      <p:sp>
-        <p:nvSpPr>
-          <p:cNvPr id="6" name="Slide Number Placeholder 5">
-            <a:extLst>
-              <a:ext uri="{FF2B5EF4-FFF2-40B4-BE49-F238E27FC236}">
-                <a16:creationId xmlns:a16="http://schemas.microsoft.com/office/drawing/2014/main" id="{AC451B28-5211-914C-BE4B-7A97AC1BFC35}"/>
-              </a:ext>
-            </a:extLst>
-          </p:cNvPr>
-          <p:cNvSpPr>
-            <a:spLocks noGrp="1"/>
-          </p:cNvSpPr>
-          <p:nvPr>
-            <p:ph type="sldNum" sz="quarter" idx="10"/>
-          </p:nvPr>
-        </p:nvSpPr>
-        <p:spPr/>
-        <p:txBody>
-          <a:bodyPr/>
-          <a:lstStyle/>
-          <a:p>
-            <a:fld id="{35052C29-CE5B-4965-8C8E-B011681D2A77}" type="slidenum">
-              <a:rPr lang="de-CH" smtClean="0"/>
-              <a:pPr/>
-              <a:t>4</a:t>
-            </a:fld>
-            <a:endParaRPr lang="de-CH" dirty="0"/>
-          </a:p>
-        </p:txBody>
-      </p:sp>
-      <p:sp>
-        <p:nvSpPr>
-          <p:cNvPr id="31" name="Picture Placeholder 30">
-            <a:extLst>
-              <a:ext uri="{FF2B5EF4-FFF2-40B4-BE49-F238E27FC236}">
-                <a16:creationId xmlns:a16="http://schemas.microsoft.com/office/drawing/2014/main" id="{D015AF73-2CBF-504C-A3F9-A2A915E36A73}"/>
-              </a:ext>
-            </a:extLst>
-          </p:cNvPr>
-          <p:cNvSpPr>
-            <a:spLocks noGrp="1"/>
-          </p:cNvSpPr>
-          <p:nvPr>
-            <p:ph type="pic" sz="quarter" idx="11"/>
-          </p:nvPr>
-        </p:nvSpPr>
-        <p:spPr/>
-      </p:sp>
-      <p:sp>
-        <p:nvSpPr>
-          <p:cNvPr id="32" name="Text Placeholder 31">
-            <a:extLst>
-              <a:ext uri="{FF2B5EF4-FFF2-40B4-BE49-F238E27FC236}">
-                <a16:creationId xmlns:a16="http://schemas.microsoft.com/office/drawing/2014/main" id="{8FFA1C8C-C21B-7545-8F75-1B2DEBBBFF30}"/>
-              </a:ext>
-            </a:extLst>
-          </p:cNvPr>
-          <p:cNvSpPr>
-            <a:spLocks noGrp="1"/>
-          </p:cNvSpPr>
-          <p:nvPr>
-            <p:ph type="body" sz="quarter" idx="12"/>
-          </p:nvPr>
-        </p:nvSpPr>
-        <p:spPr/>
-        <p:txBody>
-          <a:bodyPr/>
-          <a:lstStyle/>
-          <a:p>
-            <a:pPr marL="285750" indent="-285750">
-              <a:buFont typeface="Arial" panose="020B0604020202020204" pitchFamily="34" charset="0"/>
-              <a:buChar char="•"/>
-            </a:pPr>
-            <a:r>
-              <a:rPr lang="en-GB" dirty="0"/>
-              <a:t>D</a:t>
-            </a:r>
-            <a:r>
-              <a:rPr lang="en-CH"/>
-              <a:t>efined structure and roles</a:t>
-            </a:r>
-          </a:p>
-          <a:p>
-            <a:pPr marL="285750" indent="-285750">
-              <a:buFont typeface="Arial" panose="020B0604020202020204" pitchFamily="34" charset="0"/>
-              <a:buChar char="•"/>
-            </a:pPr>
-            <a:endParaRPr lang="en-CH"/>
-          </a:p>
-        </p:txBody>
-      </p:sp>
-      <p:sp>
-        <p:nvSpPr>
-          <p:cNvPr id="5" name="Title 4">
-            <a:extLst>
-              <a:ext uri="{FF2B5EF4-FFF2-40B4-BE49-F238E27FC236}">
-                <a16:creationId xmlns:a16="http://schemas.microsoft.com/office/drawing/2014/main" id="{905E79EE-E057-2A44-BEF3-A2F9B5644381}"/>
-              </a:ext>
-            </a:extLst>
-          </p:cNvPr>
-          <p:cNvSpPr>
-            <a:spLocks noGrp="1"/>
-          </p:cNvSpPr>
-          <p:nvPr>
-            <p:ph type="title"/>
-          </p:nvPr>
-        </p:nvSpPr>
-        <p:spPr/>
-        <p:txBody>
-          <a:bodyPr/>
-          <a:lstStyle/>
-          <a:p>
-            <a:r>
-              <a:rPr lang="en-US" dirty="0"/>
-              <a:t>Project </a:t>
-            </a:r>
-            <a:r>
-              <a:rPr lang="en-US" dirty="0" err="1"/>
-              <a:t>Organisation</a:t>
-            </a:r>
-            <a:endParaRPr lang="en-US" dirty="0"/>
-          </a:p>
-        </p:txBody>
-      </p:sp>
-    </p:spTree>
-    <p:extLst>
-      <p:ext uri="{BB962C8B-B14F-4D97-AF65-F5344CB8AC3E}">
-        <p14:creationId xmlns:p14="http://schemas.microsoft.com/office/powerpoint/2010/main" val="748614534"/>
-      </p:ext>
-    </p:extLst>
-  </p:cSld>
-  <p:clrMapOvr>
-    <a:masterClrMapping/>
-  </p:clrMapOvr>
-</p:sld>
-</file>
-
-<file path=ppt/slides/slide5.xml><?xml version="1.0" encoding="utf-8"?>
 <p:sld xmlns:a="http://schemas.openxmlformats.org/drawingml/2006/main" xmlns:r="http://schemas.openxmlformats.org/officeDocument/2006/relationships" xmlns:p="http://schemas.openxmlformats.org/presentationml/2006/main">
   <p:cSld>
     <p:spTree>
@@ -17827,7 +17166,7 @@
           <p:cNvPr id="15" name="Picture Placeholder 14">
             <a:extLst>
               <a:ext uri="{FF2B5EF4-FFF2-40B4-BE49-F238E27FC236}">
-                <a16:creationId xmlns:a16="http://schemas.microsoft.com/office/drawing/2014/main" id="{E88E6AC8-FCCE-E942-809F-E0249528DDBC}"/>
+                <a16:creationId xmlns="" xmlns:a16="http://schemas.microsoft.com/office/drawing/2014/main" id="{E88E6AC8-FCCE-E942-809F-E0249528DDBC}"/>
               </a:ext>
             </a:extLst>
           </p:cNvPr>
@@ -17858,7 +17197,7 @@
           <p:cNvPr id="3" name="Title 2">
             <a:extLst>
               <a:ext uri="{FF2B5EF4-FFF2-40B4-BE49-F238E27FC236}">
-                <a16:creationId xmlns:a16="http://schemas.microsoft.com/office/drawing/2014/main" id="{61DC3233-DC51-EC49-9081-BF86DCA12C1D}"/>
+                <a16:creationId xmlns="" xmlns:a16="http://schemas.microsoft.com/office/drawing/2014/main" id="{61DC3233-DC51-EC49-9081-BF86DCA12C1D}"/>
               </a:ext>
             </a:extLst>
           </p:cNvPr>
@@ -17880,7 +17219,7 @@
           <a:lstStyle/>
           <a:p>
             <a:r>
-              <a:rPr lang="en-CH" dirty="0"/>
+              <a:rPr lang="aa-ET" dirty="0"/>
               <a:t>Integrated Circuits</a:t>
             </a:r>
           </a:p>
@@ -17896,10 +17235,17 @@
   <p:clrMapOvr>
     <a:masterClrMapping/>
   </p:clrMapOvr>
+  <p:timing>
+    <p:tnLst>
+      <p:par>
+        <p:cTn id="1" dur="indefinite" restart="never" nodeType="tmRoot"/>
+      </p:par>
+    </p:tnLst>
+  </p:timing>
 </p:sld>
 </file>
 
-<file path=ppt/slides/slide6.xml><?xml version="1.0" encoding="utf-8"?>
+<file path=ppt/slides/slide5.xml><?xml version="1.0" encoding="utf-8"?>
 <p:sld xmlns:a="http://schemas.openxmlformats.org/drawingml/2006/main" xmlns:r="http://schemas.openxmlformats.org/officeDocument/2006/relationships" xmlns:p="http://schemas.openxmlformats.org/presentationml/2006/main">
   <p:cSld>
     <p:spTree>
@@ -17921,7 +17267,7 @@
           <p:cNvPr id="4" name="Slide Number Placeholder 3">
             <a:extLst>
               <a:ext uri="{FF2B5EF4-FFF2-40B4-BE49-F238E27FC236}">
-                <a16:creationId xmlns:a16="http://schemas.microsoft.com/office/drawing/2014/main" id="{A2B6AB55-EE21-C543-80FB-B13A90D9D3A8}"/>
+                <a16:creationId xmlns="" xmlns:a16="http://schemas.microsoft.com/office/drawing/2014/main" id="{A2B6AB55-EE21-C543-80FB-B13A90D9D3A8}"/>
               </a:ext>
             </a:extLst>
           </p:cNvPr>
@@ -17940,7 +17286,7 @@
             <a:fld id="{35052C29-CE5B-4965-8C8E-B011681D2A77}" type="slidenum">
               <a:rPr lang="de-CH" smtClean="0"/>
               <a:pPr/>
-              <a:t>6</a:t>
+              <a:t>5</a:t>
             </a:fld>
             <a:endParaRPr lang="de-CH" dirty="0"/>
           </a:p>
@@ -17951,7 +17297,7 @@
           <p:cNvPr id="13" name="Text Placeholder 12">
             <a:extLst>
               <a:ext uri="{FF2B5EF4-FFF2-40B4-BE49-F238E27FC236}">
-                <a16:creationId xmlns:a16="http://schemas.microsoft.com/office/drawing/2014/main" id="{712204E3-6E8D-FF43-9C8E-1C96B1DE0EC3}"/>
+                <a16:creationId xmlns="" xmlns:a16="http://schemas.microsoft.com/office/drawing/2014/main" id="{712204E3-6E8D-FF43-9C8E-1C96B1DE0EC3}"/>
               </a:ext>
             </a:extLst>
           </p:cNvPr>
@@ -17972,7 +17318,7 @@
               <a:t>T</a:t>
             </a:r>
             <a:r>
-              <a:rPr lang="en-CH" dirty="0"/>
+              <a:rPr lang="aa-ET" dirty="0"/>
               <a:t>ext for </a:t>
             </a:r>
           </a:p>
@@ -17983,7 +17329,7 @@
           <p:cNvPr id="5" name="Title 4">
             <a:extLst>
               <a:ext uri="{FF2B5EF4-FFF2-40B4-BE49-F238E27FC236}">
-                <a16:creationId xmlns:a16="http://schemas.microsoft.com/office/drawing/2014/main" id="{A5EAAD62-FC1D-654B-ABAE-92BF600B959F}"/>
+                <a16:creationId xmlns="" xmlns:a16="http://schemas.microsoft.com/office/drawing/2014/main" id="{A5EAAD62-FC1D-654B-ABAE-92BF600B959F}"/>
               </a:ext>
             </a:extLst>
           </p:cNvPr>
@@ -18000,7 +17346,7 @@
           <a:lstStyle/>
           <a:p>
             <a:r>
-              <a:rPr lang="en-CH" dirty="0"/>
+              <a:rPr lang="aa-ET" dirty="0"/>
               <a:t>Integrated Circuits</a:t>
             </a:r>
           </a:p>
@@ -18011,7 +17357,7 @@
           <p:cNvPr id="19" name="Picture Placeholder 18">
             <a:extLst>
               <a:ext uri="{FF2B5EF4-FFF2-40B4-BE49-F238E27FC236}">
-                <a16:creationId xmlns:a16="http://schemas.microsoft.com/office/drawing/2014/main" id="{220AF709-2231-4048-9CDE-899E1F717AA2}"/>
+                <a16:creationId xmlns="" xmlns:a16="http://schemas.microsoft.com/office/drawing/2014/main" id="{220AF709-2231-4048-9CDE-899E1F717AA2}"/>
               </a:ext>
             </a:extLst>
           </p:cNvPr>
@@ -18047,10 +17393,17 @@
   <p:clrMapOvr>
     <a:masterClrMapping/>
   </p:clrMapOvr>
+  <p:timing>
+    <p:tnLst>
+      <p:par>
+        <p:cTn id="1" dur="indefinite" restart="never" nodeType="tmRoot"/>
+      </p:par>
+    </p:tnLst>
+  </p:timing>
 </p:sld>
 </file>
 
-<file path=ppt/slides/slide7.xml><?xml version="1.0" encoding="utf-8"?>
+<file path=ppt/slides/slide6.xml><?xml version="1.0" encoding="utf-8"?>
 <p:sld xmlns:a="http://schemas.openxmlformats.org/drawingml/2006/main" xmlns:r="http://schemas.openxmlformats.org/officeDocument/2006/relationships" xmlns:p="http://schemas.openxmlformats.org/presentationml/2006/main">
   <p:cSld>
     <p:spTree>
@@ -18072,7 +17425,7 @@
           <p:cNvPr id="5" name="Picture Placeholder 4">
             <a:extLst>
               <a:ext uri="{FF2B5EF4-FFF2-40B4-BE49-F238E27FC236}">
-                <a16:creationId xmlns:a16="http://schemas.microsoft.com/office/drawing/2014/main" id="{CF21ABAF-C465-5748-9B23-B18BB1AAFFA1}"/>
+                <a16:creationId xmlns="" xmlns:a16="http://schemas.microsoft.com/office/drawing/2014/main" id="{CF21ABAF-C465-5748-9B23-B18BB1AAFFA1}"/>
               </a:ext>
             </a:extLst>
           </p:cNvPr>
@@ -18103,7 +17456,7 @@
           <p:cNvPr id="3" name="Title 2">
             <a:extLst>
               <a:ext uri="{FF2B5EF4-FFF2-40B4-BE49-F238E27FC236}">
-                <a16:creationId xmlns:a16="http://schemas.microsoft.com/office/drawing/2014/main" id="{61DC3233-DC51-EC49-9081-BF86DCA12C1D}"/>
+                <a16:creationId xmlns="" xmlns:a16="http://schemas.microsoft.com/office/drawing/2014/main" id="{61DC3233-DC51-EC49-9081-BF86DCA12C1D}"/>
               </a:ext>
             </a:extLst>
           </p:cNvPr>
@@ -18120,7 +17473,7 @@
           <a:lstStyle/>
           <a:p>
             <a:r>
-              <a:rPr lang="en-CH" dirty="0"/>
+              <a:rPr lang="aa-ET" dirty="0"/>
               <a:t>Espressif ESP32</a:t>
             </a:r>
           </a:p>
@@ -18136,6 +17489,200 @@
   <p:clrMapOvr>
     <a:masterClrMapping/>
   </p:clrMapOvr>
+  <p:timing>
+    <p:tnLst>
+      <p:par>
+        <p:cTn id="1" dur="indefinite" restart="never" nodeType="tmRoot"/>
+      </p:par>
+    </p:tnLst>
+  </p:timing>
+</p:sld>
+</file>
+
+<file path=ppt/slides/slide7.xml><?xml version="1.0" encoding="utf-8"?>
+<p:sld xmlns:a="http://schemas.openxmlformats.org/drawingml/2006/main" xmlns:r="http://schemas.openxmlformats.org/officeDocument/2006/relationships" xmlns:p="http://schemas.openxmlformats.org/presentationml/2006/main">
+  <p:cSld>
+    <p:spTree>
+      <p:nvGrpSpPr>
+        <p:cNvPr id="1" name=""/>
+        <p:cNvGrpSpPr/>
+        <p:nvPr/>
+      </p:nvGrpSpPr>
+      <p:grpSpPr>
+        <a:xfrm>
+          <a:off x="0" y="0"/>
+          <a:ext cx="0" cy="0"/>
+          <a:chOff x="0" y="0"/>
+          <a:chExt cx="0" cy="0"/>
+        </a:xfrm>
+      </p:grpSpPr>
+      <p:sp>
+        <p:nvSpPr>
+          <p:cNvPr id="2" name="Slide Number Placeholder 1">
+            <a:extLst>
+              <a:ext uri="{FF2B5EF4-FFF2-40B4-BE49-F238E27FC236}">
+                <a16:creationId xmlns="" xmlns:a16="http://schemas.microsoft.com/office/drawing/2014/main" id="{0EF2724E-5507-264F-B1C7-8FD6FD14EEF5}"/>
+              </a:ext>
+            </a:extLst>
+          </p:cNvPr>
+          <p:cNvSpPr>
+            <a:spLocks noGrp="1"/>
+          </p:cNvSpPr>
+          <p:nvPr>
+            <p:ph type="sldNum" sz="quarter" idx="10"/>
+          </p:nvPr>
+        </p:nvSpPr>
+        <p:spPr/>
+        <p:txBody>
+          <a:bodyPr/>
+          <a:lstStyle/>
+          <a:p>
+            <a:fld id="{35052C29-CE5B-4965-8C8E-B011681D2A77}" type="slidenum">
+              <a:rPr lang="de-CH" smtClean="0"/>
+              <a:pPr/>
+              <a:t>7</a:t>
+            </a:fld>
+            <a:endParaRPr lang="de-CH" dirty="0"/>
+          </a:p>
+        </p:txBody>
+      </p:sp>
+      <p:pic>
+        <p:nvPicPr>
+          <p:cNvPr id="7" name="Picture Placeholder 6">
+            <a:extLst>
+              <a:ext uri="{FF2B5EF4-FFF2-40B4-BE49-F238E27FC236}">
+                <a16:creationId xmlns="" xmlns:a16="http://schemas.microsoft.com/office/drawing/2014/main" id="{26BC1D9D-C949-C943-8C65-04932B6B0051}"/>
+              </a:ext>
+            </a:extLst>
+          </p:cNvPr>
+          <p:cNvPicPr>
+            <a:picLocks noGrp="1" noChangeAspect="1"/>
+          </p:cNvPicPr>
+          <p:nvPr>
+            <p:ph type="pic" sz="quarter" idx="11"/>
+          </p:nvPr>
+        </p:nvPicPr>
+        <p:blipFill rotWithShape="1">
+          <a:blip r:embed="rId3" cstate="print">
+            <a:extLst>
+              <a:ext uri="{28A0092B-C50C-407E-A947-70E740481C1C}">
+                <a14:useLocalDpi xmlns:a14="http://schemas.microsoft.com/office/drawing/2010/main" val="0"/>
+              </a:ext>
+            </a:extLst>
+          </a:blip>
+          <a:srcRect l="1525" r="23971"/>
+          <a:stretch/>
+        </p:blipFill>
+        <p:spPr>
+          <a:xfrm>
+            <a:off x="-4762" y="0"/>
+            <a:ext cx="4302000" cy="5145088"/>
+          </a:xfrm>
+        </p:spPr>
+      </p:pic>
+      <p:sp>
+        <p:nvSpPr>
+          <p:cNvPr id="4" name="Text Placeholder 3">
+            <a:extLst>
+              <a:ext uri="{FF2B5EF4-FFF2-40B4-BE49-F238E27FC236}">
+                <a16:creationId xmlns="" xmlns:a16="http://schemas.microsoft.com/office/drawing/2014/main" id="{F8738085-E8CA-AA45-8842-D8E6EC881CFF}"/>
+              </a:ext>
+            </a:extLst>
+          </p:cNvPr>
+          <p:cNvSpPr>
+            <a:spLocks noGrp="1"/>
+          </p:cNvSpPr>
+          <p:nvPr>
+            <p:ph type="body" sz="quarter" idx="12"/>
+          </p:nvPr>
+        </p:nvSpPr>
+        <p:spPr/>
+        <p:txBody>
+          <a:bodyPr/>
+          <a:lstStyle/>
+          <a:p>
+            <a:r>
+              <a:rPr lang="en-GB" dirty="0"/>
+              <a:t>Consists of 3 Basis Modules</a:t>
+            </a:r>
+          </a:p>
+          <a:p>
+            <a:pPr marL="285750" indent="-285750">
+              <a:buFont typeface="Arial" panose="020B0604020202020204" pitchFamily="34" charset="0"/>
+              <a:buChar char="•"/>
+            </a:pPr>
+            <a:r>
+              <a:rPr lang="aa-ET" dirty="0"/>
+              <a:t>ADC Reader measure sensors</a:t>
+            </a:r>
+          </a:p>
+          <a:p>
+            <a:pPr marL="285750" indent="-285750">
+              <a:buFont typeface="Arial" panose="020B0604020202020204" pitchFamily="34" charset="0"/>
+              <a:buChar char="•"/>
+            </a:pPr>
+            <a:r>
+              <a:rPr lang="aa-ET" dirty="0"/>
+              <a:t>WiFi connector establish connection to an Access Point</a:t>
+            </a:r>
+          </a:p>
+          <a:p>
+            <a:pPr marL="285750" indent="-285750">
+              <a:buFont typeface="Arial" panose="020B0604020202020204" pitchFamily="34" charset="0"/>
+              <a:buChar char="•"/>
+            </a:pPr>
+            <a:r>
+              <a:rPr lang="aa-ET" dirty="0"/>
+              <a:t>TCP-Client transmits data through TCP Sockets</a:t>
+            </a:r>
+          </a:p>
+        </p:txBody>
+      </p:sp>
+      <p:sp>
+        <p:nvSpPr>
+          <p:cNvPr id="5" name="Title 4">
+            <a:extLst>
+              <a:ext uri="{FF2B5EF4-FFF2-40B4-BE49-F238E27FC236}">
+                <a16:creationId xmlns="" xmlns:a16="http://schemas.microsoft.com/office/drawing/2014/main" id="{C2226FFE-0BC3-FA41-B583-E73D6AFD0AD1}"/>
+              </a:ext>
+            </a:extLst>
+          </p:cNvPr>
+          <p:cNvSpPr>
+            <a:spLocks noGrp="1"/>
+          </p:cNvSpPr>
+          <p:nvPr>
+            <p:ph type="title"/>
+          </p:nvPr>
+        </p:nvSpPr>
+        <p:spPr/>
+        <p:txBody>
+          <a:bodyPr/>
+          <a:lstStyle/>
+          <a:p>
+            <a:r>
+              <a:rPr lang="aa-ET" dirty="0"/>
+              <a:t>ESP32 Application</a:t>
+            </a:r>
+          </a:p>
+        </p:txBody>
+      </p:sp>
+    </p:spTree>
+    <p:extLst>
+      <p:ext uri="{BB962C8B-B14F-4D97-AF65-F5344CB8AC3E}">
+        <p14:creationId xmlns:p14="http://schemas.microsoft.com/office/powerpoint/2010/main" val="321649863"/>
+      </p:ext>
+    </p:extLst>
+  </p:cSld>
+  <p:clrMapOvr>
+    <a:masterClrMapping/>
+  </p:clrMapOvr>
+  <p:timing>
+    <p:tnLst>
+      <p:par>
+        <p:cTn id="1" dur="indefinite" restart="never" nodeType="tmRoot"/>
+      </p:par>
+    </p:tnLst>
+  </p:timing>
 </p:sld>
 </file>
 
@@ -18161,7 +17708,7 @@
           <p:cNvPr id="2" name="Slide Number Placeholder 1">
             <a:extLst>
               <a:ext uri="{FF2B5EF4-FFF2-40B4-BE49-F238E27FC236}">
-                <a16:creationId xmlns:a16="http://schemas.microsoft.com/office/drawing/2014/main" id="{0EF2724E-5507-264F-B1C7-8FD6FD14EEF5}"/>
+                <a16:creationId xmlns="" xmlns:a16="http://schemas.microsoft.com/office/drawing/2014/main" id="{BFEBC4ED-6EFC-C74C-9CD4-140350AB390E}"/>
               </a:ext>
             </a:extLst>
           </p:cNvPr>
@@ -18186,12 +17733,86 @@
           </a:p>
         </p:txBody>
       </p:sp>
+      <p:sp>
+        <p:nvSpPr>
+          <p:cNvPr id="4" name="Text Placeholder 3">
+            <a:extLst>
+              <a:ext uri="{FF2B5EF4-FFF2-40B4-BE49-F238E27FC236}">
+                <a16:creationId xmlns="" xmlns:a16="http://schemas.microsoft.com/office/drawing/2014/main" id="{6D728FEE-2D90-8B4D-A1FC-A0B591B99A07}"/>
+              </a:ext>
+            </a:extLst>
+          </p:cNvPr>
+          <p:cNvSpPr>
+            <a:spLocks noGrp="1"/>
+          </p:cNvSpPr>
+          <p:nvPr>
+            <p:ph type="body" sz="quarter" idx="12"/>
+          </p:nvPr>
+        </p:nvSpPr>
+        <p:spPr/>
+        <p:txBody>
+          <a:bodyPr/>
+          <a:lstStyle/>
+          <a:p>
+            <a:pPr marL="285750" indent="-285750">
+              <a:buFont typeface="Arial" panose="020B0604020202020204" pitchFamily="34" charset="0"/>
+              <a:buChar char="•"/>
+            </a:pPr>
+            <a:r>
+              <a:rPr lang="en-GB" dirty="0" err="1"/>
+              <a:t>WiFi</a:t>
+            </a:r>
+            <a:r>
+              <a:rPr lang="en-GB" dirty="0"/>
+              <a:t> Settings</a:t>
+            </a:r>
+          </a:p>
+          <a:p>
+            <a:pPr marL="285750" indent="-285750">
+              <a:buFont typeface="Arial" panose="020B0604020202020204" pitchFamily="34" charset="0"/>
+              <a:buChar char="•"/>
+            </a:pPr>
+            <a:r>
+              <a:rPr lang="en-GB" dirty="0"/>
+              <a:t>Server Address</a:t>
+            </a:r>
+          </a:p>
+        </p:txBody>
+      </p:sp>
+      <p:sp>
+        <p:nvSpPr>
+          <p:cNvPr id="5" name="Title 4">
+            <a:extLst>
+              <a:ext uri="{FF2B5EF4-FFF2-40B4-BE49-F238E27FC236}">
+                <a16:creationId xmlns="" xmlns:a16="http://schemas.microsoft.com/office/drawing/2014/main" id="{5184AAAB-026C-464C-846F-EA22E4B84180}"/>
+              </a:ext>
+            </a:extLst>
+          </p:cNvPr>
+          <p:cNvSpPr>
+            <a:spLocks noGrp="1"/>
+          </p:cNvSpPr>
+          <p:nvPr>
+            <p:ph type="title"/>
+          </p:nvPr>
+        </p:nvSpPr>
+        <p:spPr/>
+        <p:txBody>
+          <a:bodyPr/>
+          <a:lstStyle/>
+          <a:p>
+            <a:r>
+              <a:rPr lang="aa-ET" dirty="0"/>
+              <a:t>ESP32 Config</a:t>
+            </a:r>
+          </a:p>
+        </p:txBody>
+      </p:sp>
       <p:pic>
         <p:nvPicPr>
-          <p:cNvPr id="7" name="Picture Placeholder 6">
+          <p:cNvPr id="11" name="Picture Placeholder 10">
             <a:extLst>
               <a:ext uri="{FF2B5EF4-FFF2-40B4-BE49-F238E27FC236}">
-                <a16:creationId xmlns:a16="http://schemas.microsoft.com/office/drawing/2014/main" id="{26BC1D9D-C949-C943-8C65-04932B6B0051}"/>
+                <a16:creationId xmlns="" xmlns:a16="http://schemas.microsoft.com/office/drawing/2014/main" id="{15BDDCCC-5BFF-D243-B542-FFE8D3F0C1C8}"/>
               </a:ext>
             </a:extLst>
           </p:cNvPr>
@@ -18203,119 +17824,40 @@
           </p:nvPr>
         </p:nvPicPr>
         <p:blipFill rotWithShape="1">
-          <a:blip r:embed="rId3" cstate="print">
+          <a:blip r:embed="rId3">
             <a:extLst>
               <a:ext uri="{28A0092B-C50C-407E-A947-70E740481C1C}">
                 <a14:useLocalDpi xmlns:a14="http://schemas.microsoft.com/office/drawing/2010/main" val="0"/>
               </a:ext>
             </a:extLst>
           </a:blip>
-          <a:srcRect l="1525" r="23971"/>
+          <a:srcRect l="4778" t="8605" r="57795" b="-8575"/>
           <a:stretch/>
         </p:blipFill>
         <p:spPr>
           <a:xfrm>
-            <a:off x="-4762" y="0"/>
-            <a:ext cx="4302000" cy="5145088"/>
+            <a:off x="-3602" y="-6"/>
+            <a:ext cx="4302000" cy="6408000"/>
           </a:xfrm>
         </p:spPr>
       </p:pic>
-      <p:sp>
-        <p:nvSpPr>
-          <p:cNvPr id="4" name="Text Placeholder 3">
-            <a:extLst>
-              <a:ext uri="{FF2B5EF4-FFF2-40B4-BE49-F238E27FC236}">
-                <a16:creationId xmlns:a16="http://schemas.microsoft.com/office/drawing/2014/main" id="{F8738085-E8CA-AA45-8842-D8E6EC881CFF}"/>
-              </a:ext>
-            </a:extLst>
-          </p:cNvPr>
-          <p:cNvSpPr>
-            <a:spLocks noGrp="1"/>
-          </p:cNvSpPr>
-          <p:nvPr>
-            <p:ph type="body" sz="quarter" idx="12"/>
-          </p:nvPr>
-        </p:nvSpPr>
-        <p:spPr/>
-        <p:txBody>
-          <a:bodyPr/>
-          <a:lstStyle/>
-          <a:p>
-            <a:r>
-              <a:rPr lang="en-GB" dirty="0"/>
-              <a:t>Consists of 3 Basis Modules</a:t>
-            </a:r>
-          </a:p>
-          <a:p>
-            <a:pPr marL="285750" indent="-285750">
-              <a:buFont typeface="Arial" panose="020B0604020202020204" pitchFamily="34" charset="0"/>
-              <a:buChar char="•"/>
-            </a:pPr>
-            <a:r>
-              <a:rPr lang="en-CH" dirty="0"/>
-              <a:t>ADC Reader measure sensors</a:t>
-            </a:r>
-          </a:p>
-          <a:p>
-            <a:pPr marL="285750" indent="-285750">
-              <a:buFont typeface="Arial" panose="020B0604020202020204" pitchFamily="34" charset="0"/>
-              <a:buChar char="•"/>
-            </a:pPr>
-            <a:r>
-              <a:rPr lang="en-CH" dirty="0"/>
-              <a:t>WiFi connector establish connection to an Access Point</a:t>
-            </a:r>
-          </a:p>
-          <a:p>
-            <a:pPr marL="285750" indent="-285750">
-              <a:buFont typeface="Arial" panose="020B0604020202020204" pitchFamily="34" charset="0"/>
-              <a:buChar char="•"/>
-            </a:pPr>
-            <a:r>
-              <a:rPr lang="en-CH" dirty="0"/>
-              <a:t>TCP-Client transmits data through TCP Sockets</a:t>
-            </a:r>
-          </a:p>
-        </p:txBody>
-      </p:sp>
-      <p:sp>
-        <p:nvSpPr>
-          <p:cNvPr id="5" name="Title 4">
-            <a:extLst>
-              <a:ext uri="{FF2B5EF4-FFF2-40B4-BE49-F238E27FC236}">
-                <a16:creationId xmlns:a16="http://schemas.microsoft.com/office/drawing/2014/main" id="{C2226FFE-0BC3-FA41-B583-E73D6AFD0AD1}"/>
-              </a:ext>
-            </a:extLst>
-          </p:cNvPr>
-          <p:cNvSpPr>
-            <a:spLocks noGrp="1"/>
-          </p:cNvSpPr>
-          <p:nvPr>
-            <p:ph type="title"/>
-          </p:nvPr>
-        </p:nvSpPr>
-        <p:spPr/>
-        <p:txBody>
-          <a:bodyPr/>
-          <a:lstStyle/>
-          <a:p>
-            <a:r>
-              <a:rPr lang="en-CH" dirty="0"/>
-              <a:t>ESP32 Application</a:t>
-            </a:r>
-          </a:p>
-        </p:txBody>
-      </p:sp>
     </p:spTree>
     <p:extLst>
       <p:ext uri="{BB962C8B-B14F-4D97-AF65-F5344CB8AC3E}">
-        <p14:creationId xmlns:p14="http://schemas.microsoft.com/office/powerpoint/2010/main" val="321649863"/>
+        <p14:creationId xmlns:p14="http://schemas.microsoft.com/office/powerpoint/2010/main" val="2175117835"/>
       </p:ext>
     </p:extLst>
   </p:cSld>
   <p:clrMapOvr>
     <a:masterClrMapping/>
   </p:clrMapOvr>
+  <p:timing>
+    <p:tnLst>
+      <p:par>
+        <p:cTn id="1" dur="indefinite" restart="never" nodeType="tmRoot"/>
+      </p:par>
+    </p:tnLst>
+  </p:timing>
 </p:sld>
 </file>
 
@@ -18341,7 +17883,7 @@
           <p:cNvPr id="2" name="Slide Number Placeholder 1">
             <a:extLst>
               <a:ext uri="{FF2B5EF4-FFF2-40B4-BE49-F238E27FC236}">
-                <a16:creationId xmlns:a16="http://schemas.microsoft.com/office/drawing/2014/main" id="{BFEBC4ED-6EFC-C74C-9CD4-140350AB390E}"/>
+                <a16:creationId xmlns="" xmlns:a16="http://schemas.microsoft.com/office/drawing/2014/main" id="{4631623E-3887-4641-BFA2-23E27942F318}"/>
               </a:ext>
             </a:extLst>
           </p:cNvPr>
@@ -18368,10 +17910,28 @@
       </p:sp>
       <p:sp>
         <p:nvSpPr>
+          <p:cNvPr id="3" name="Picture Placeholder 2">
+            <a:extLst>
+              <a:ext uri="{FF2B5EF4-FFF2-40B4-BE49-F238E27FC236}">
+                <a16:creationId xmlns="" xmlns:a16="http://schemas.microsoft.com/office/drawing/2014/main" id="{0B90880E-AA3A-0D4C-844A-13394ADEA08E}"/>
+              </a:ext>
+            </a:extLst>
+          </p:cNvPr>
+          <p:cNvSpPr>
+            <a:spLocks noGrp="1"/>
+          </p:cNvSpPr>
+          <p:nvPr>
+            <p:ph type="pic" sz="quarter" idx="11"/>
+          </p:nvPr>
+        </p:nvSpPr>
+        <p:spPr/>
+      </p:sp>
+      <p:sp>
+        <p:nvSpPr>
           <p:cNvPr id="4" name="Text Placeholder 3">
             <a:extLst>
               <a:ext uri="{FF2B5EF4-FFF2-40B4-BE49-F238E27FC236}">
-                <a16:creationId xmlns:a16="http://schemas.microsoft.com/office/drawing/2014/main" id="{6D728FEE-2D90-8B4D-A1FC-A0B591B99A07}"/>
+                <a16:creationId xmlns="" xmlns:a16="http://schemas.microsoft.com/office/drawing/2014/main" id="{213FF006-CD16-F148-A4A8-7AEF056AAE4D}"/>
               </a:ext>
             </a:extLst>
           </p:cNvPr>
@@ -18392,12 +17952,12 @@
               <a:buChar char="•"/>
             </a:pPr>
             <a:r>
-              <a:rPr lang="en-GB" dirty="0" err="1"/>
-              <a:t>WiFi</a:t>
-            </a:r>
-            <a:r>
-              <a:rPr lang="en-GB" dirty="0"/>
-              <a:t> Settings</a:t>
+              <a:rPr lang="aa-ET" dirty="0"/>
+              <a:t>Implemented in</a:t>
+            </a:r>
+            <a:r>
+              <a:rPr lang="de-CH" dirty="0"/>
+              <a:t> .NET Core</a:t>
             </a:r>
           </a:p>
           <a:p>
@@ -18406,8 +17966,43 @@
               <a:buChar char="•"/>
             </a:pPr>
             <a:r>
+              <a:rPr lang="de-CH" dirty="0" err="1"/>
+              <a:t>Receives</a:t>
+            </a:r>
+            <a:r>
+              <a:rPr lang="de-CH" dirty="0"/>
+              <a:t> TCP </a:t>
+            </a:r>
+            <a:r>
+              <a:rPr lang="de-CH" dirty="0" err="1"/>
+              <a:t>packages</a:t>
+            </a:r>
+            <a:r>
+              <a:rPr lang="de-CH" dirty="0"/>
+              <a:t> </a:t>
+            </a:r>
+            <a:r>
+              <a:rPr lang="de-CH" dirty="0" err="1"/>
+              <a:t>from</a:t>
+            </a:r>
+            <a:r>
+              <a:rPr lang="de-CH" dirty="0"/>
+              <a:t> ESP32</a:t>
+            </a:r>
+            <a:endParaRPr lang="aa-ET" dirty="0"/>
+          </a:p>
+          <a:p>
+            <a:pPr marL="285750" indent="-285750">
+              <a:buFont typeface="Arial" panose="020B0604020202020204" pitchFamily="34" charset="0"/>
+              <a:buChar char="•"/>
+            </a:pPr>
+            <a:r>
               <a:rPr lang="en-GB" dirty="0"/>
-              <a:t>Server Address</a:t>
+              <a:t>S</a:t>
+            </a:r>
+            <a:r>
+              <a:rPr lang="aa-ET" dirty="0"/>
+              <a:t>ends email if threshold is exceeded</a:t>
             </a:r>
           </a:p>
         </p:txBody>
@@ -18417,7 +18012,7 @@
           <p:cNvPr id="5" name="Title 4">
             <a:extLst>
               <a:ext uri="{FF2B5EF4-FFF2-40B4-BE49-F238E27FC236}">
-                <a16:creationId xmlns:a16="http://schemas.microsoft.com/office/drawing/2014/main" id="{5184AAAB-026C-464C-846F-EA22E4B84180}"/>
+                <a16:creationId xmlns="" xmlns:a16="http://schemas.microsoft.com/office/drawing/2014/main" id="{2F0C7BB0-732C-5B4C-9C0C-8A679DC2E673}"/>
               </a:ext>
             </a:extLst>
           </p:cNvPr>
@@ -18434,56 +18029,29 @@
           <a:lstStyle/>
           <a:p>
             <a:r>
-              <a:rPr lang="en-CH" dirty="0"/>
-              <a:t>ESP32 Config</a:t>
-            </a:r>
-          </a:p>
-        </p:txBody>
-      </p:sp>
-      <p:pic>
-        <p:nvPicPr>
-          <p:cNvPr id="11" name="Picture Placeholder 10">
-            <a:extLst>
-              <a:ext uri="{FF2B5EF4-FFF2-40B4-BE49-F238E27FC236}">
-                <a16:creationId xmlns:a16="http://schemas.microsoft.com/office/drawing/2014/main" id="{15BDDCCC-5BFF-D243-B542-FFE8D3F0C1C8}"/>
-              </a:ext>
-            </a:extLst>
-          </p:cNvPr>
-          <p:cNvPicPr>
-            <a:picLocks noGrp="1" noChangeAspect="1"/>
-          </p:cNvPicPr>
-          <p:nvPr>
-            <p:ph type="pic" sz="quarter" idx="11"/>
-          </p:nvPr>
-        </p:nvPicPr>
-        <p:blipFill rotWithShape="1">
-          <a:blip r:embed="rId3">
-            <a:extLst>
-              <a:ext uri="{28A0092B-C50C-407E-A947-70E740481C1C}">
-                <a14:useLocalDpi xmlns:a14="http://schemas.microsoft.com/office/drawing/2010/main" val="0"/>
-              </a:ext>
-            </a:extLst>
-          </a:blip>
-          <a:srcRect l="4778" t="8605" r="57795" b="-8575"/>
-          <a:stretch/>
-        </p:blipFill>
-        <p:spPr>
-          <a:xfrm>
-            <a:off x="-3602" y="-6"/>
-            <a:ext cx="4302000" cy="6408000"/>
-          </a:xfrm>
-        </p:spPr>
-      </p:pic>
+              <a:rPr lang="aa-ET" dirty="0"/>
+              <a:t>Backend Server</a:t>
+            </a:r>
+          </a:p>
+        </p:txBody>
+      </p:sp>
     </p:spTree>
     <p:extLst>
       <p:ext uri="{BB962C8B-B14F-4D97-AF65-F5344CB8AC3E}">
-        <p14:creationId xmlns:p14="http://schemas.microsoft.com/office/powerpoint/2010/main" val="2175117835"/>
+        <p14:creationId xmlns:p14="http://schemas.microsoft.com/office/powerpoint/2010/main" val="1916244907"/>
       </p:ext>
     </p:extLst>
   </p:cSld>
   <p:clrMapOvr>
     <a:masterClrMapping/>
   </p:clrMapOvr>
+  <p:timing>
+    <p:tnLst>
+      <p:par>
+        <p:cTn id="1" dur="indefinite" restart="never" nodeType="tmRoot"/>
+      </p:par>
+    </p:tnLst>
+  </p:timing>
 </p:sld>
 </file>
 
